--- a/TVCHH/TVCHH 082 - Vượt Trên Tất Cả.pptx
+++ b/TVCHH/TVCHH 082 - Vượt Trên Tất Cả.pptx
@@ -203,10 +203,9 @@
           <a:lstStyle/>
           <a:p>
             <a:r>
-              <a:rPr lang="en-US" smtClean="0"/>
+              <a:rPr lang="en-US"/>
               <a:t>Click to edit Master title style</a:t>
             </a:r>
-            <a:endParaRPr lang="en-US"/>
           </a:p>
         </p:txBody>
       </p:sp>
@@ -268,10 +267,9 @@
           </a:lstStyle>
           <a:p>
             <a:r>
-              <a:rPr lang="en-US" smtClean="0"/>
+              <a:rPr lang="en-US"/>
               <a:t>Click to edit Master subtitle style</a:t>
             </a:r>
-            <a:endParaRPr lang="en-US"/>
           </a:p>
         </p:txBody>
       </p:sp>
@@ -409,10 +407,9 @@
           <a:lstStyle/>
           <a:p>
             <a:r>
-              <a:rPr lang="en-US" smtClean="0"/>
+              <a:rPr lang="en-US"/>
               <a:t>Click to edit Master title style</a:t>
             </a:r>
-            <a:endParaRPr lang="en-US"/>
           </a:p>
         </p:txBody>
       </p:sp>
@@ -433,38 +430,37 @@
           <a:p>
             <a:pPr lvl="0"/>
             <a:r>
-              <a:rPr lang="en-US" smtClean="0"/>
+              <a:rPr lang="en-US"/>
               <a:t>Click to edit Master text styles</a:t>
             </a:r>
           </a:p>
           <a:p>
             <a:pPr lvl="1"/>
             <a:r>
-              <a:rPr lang="en-US" smtClean="0"/>
+              <a:rPr lang="en-US"/>
               <a:t>Second level</a:t>
             </a:r>
           </a:p>
           <a:p>
             <a:pPr lvl="2"/>
             <a:r>
-              <a:rPr lang="en-US" smtClean="0"/>
+              <a:rPr lang="en-US"/>
               <a:t>Third level</a:t>
             </a:r>
           </a:p>
           <a:p>
             <a:pPr lvl="3"/>
             <a:r>
-              <a:rPr lang="en-US" smtClean="0"/>
+              <a:rPr lang="en-US"/>
               <a:t>Fourth level</a:t>
             </a:r>
           </a:p>
           <a:p>
             <a:pPr lvl="4"/>
             <a:r>
-              <a:rPr lang="en-US" smtClean="0"/>
+              <a:rPr lang="en-US"/>
               <a:t>Fifth level</a:t>
             </a:r>
-            <a:endParaRPr lang="en-US"/>
           </a:p>
         </p:txBody>
       </p:sp>
@@ -607,10 +603,9 @@
           <a:lstStyle/>
           <a:p>
             <a:r>
-              <a:rPr lang="en-US" smtClean="0"/>
+              <a:rPr lang="en-US"/>
               <a:t>Click to edit Master title style</a:t>
             </a:r>
-            <a:endParaRPr lang="en-US"/>
           </a:p>
         </p:txBody>
       </p:sp>
@@ -636,38 +631,37 @@
           <a:p>
             <a:pPr lvl="0"/>
             <a:r>
-              <a:rPr lang="en-US" smtClean="0"/>
+              <a:rPr lang="en-US"/>
               <a:t>Click to edit Master text styles</a:t>
             </a:r>
           </a:p>
           <a:p>
             <a:pPr lvl="1"/>
             <a:r>
-              <a:rPr lang="en-US" smtClean="0"/>
+              <a:rPr lang="en-US"/>
               <a:t>Second level</a:t>
             </a:r>
           </a:p>
           <a:p>
             <a:pPr lvl="2"/>
             <a:r>
-              <a:rPr lang="en-US" smtClean="0"/>
+              <a:rPr lang="en-US"/>
               <a:t>Third level</a:t>
             </a:r>
           </a:p>
           <a:p>
             <a:pPr lvl="3"/>
             <a:r>
-              <a:rPr lang="en-US" smtClean="0"/>
+              <a:rPr lang="en-US"/>
               <a:t>Fourth level</a:t>
             </a:r>
           </a:p>
           <a:p>
             <a:pPr lvl="4"/>
             <a:r>
-              <a:rPr lang="en-US" smtClean="0"/>
+              <a:rPr lang="en-US"/>
               <a:t>Fifth level</a:t>
             </a:r>
-            <a:endParaRPr lang="en-US"/>
           </a:p>
         </p:txBody>
       </p:sp>
@@ -805,10 +799,9 @@
           <a:lstStyle/>
           <a:p>
             <a:r>
-              <a:rPr lang="en-US" smtClean="0"/>
+              <a:rPr lang="en-US"/>
               <a:t>Click to edit Master title style</a:t>
             </a:r>
-            <a:endParaRPr lang="en-US"/>
           </a:p>
         </p:txBody>
       </p:sp>
@@ -829,38 +822,37 @@
           <a:p>
             <a:pPr lvl="0"/>
             <a:r>
-              <a:rPr lang="en-US" smtClean="0"/>
+              <a:rPr lang="en-US"/>
               <a:t>Click to edit Master text styles</a:t>
             </a:r>
           </a:p>
           <a:p>
             <a:pPr lvl="1"/>
             <a:r>
-              <a:rPr lang="en-US" smtClean="0"/>
+              <a:rPr lang="en-US"/>
               <a:t>Second level</a:t>
             </a:r>
           </a:p>
           <a:p>
             <a:pPr lvl="2"/>
             <a:r>
-              <a:rPr lang="en-US" smtClean="0"/>
+              <a:rPr lang="en-US"/>
               <a:t>Third level</a:t>
             </a:r>
           </a:p>
           <a:p>
             <a:pPr lvl="3"/>
             <a:r>
-              <a:rPr lang="en-US" smtClean="0"/>
+              <a:rPr lang="en-US"/>
               <a:t>Fourth level</a:t>
             </a:r>
           </a:p>
           <a:p>
             <a:pPr lvl="4"/>
             <a:r>
-              <a:rPr lang="en-US" smtClean="0"/>
+              <a:rPr lang="en-US"/>
               <a:t>Fifth level</a:t>
             </a:r>
-            <a:endParaRPr lang="en-US"/>
           </a:p>
         </p:txBody>
       </p:sp>
@@ -1007,10 +999,9 @@
           </a:lstStyle>
           <a:p>
             <a:r>
-              <a:rPr lang="en-US" smtClean="0"/>
+              <a:rPr lang="en-US"/>
               <a:t>Click to edit Master title style</a:t>
             </a:r>
-            <a:endParaRPr lang="en-US"/>
           </a:p>
         </p:txBody>
       </p:sp>
@@ -1073,7 +1064,7 @@
           <a:p>
             <a:pPr lvl="0"/>
             <a:r>
-              <a:rPr lang="en-US" smtClean="0"/>
+              <a:rPr lang="en-US"/>
               <a:t>Click to edit Master text styles</a:t>
             </a:r>
           </a:p>
@@ -1213,10 +1204,9 @@
           <a:lstStyle/>
           <a:p>
             <a:r>
-              <a:rPr lang="en-US" smtClean="0"/>
+              <a:rPr lang="en-US"/>
               <a:t>Click to edit Master title style</a:t>
             </a:r>
-            <a:endParaRPr lang="en-US"/>
           </a:p>
         </p:txBody>
       </p:sp>
@@ -1270,38 +1260,37 @@
           <a:p>
             <a:pPr lvl="0"/>
             <a:r>
-              <a:rPr lang="en-US" smtClean="0"/>
+              <a:rPr lang="en-US"/>
               <a:t>Click to edit Master text styles</a:t>
             </a:r>
           </a:p>
           <a:p>
             <a:pPr lvl="1"/>
             <a:r>
-              <a:rPr lang="en-US" smtClean="0"/>
+              <a:rPr lang="en-US"/>
               <a:t>Second level</a:t>
             </a:r>
           </a:p>
           <a:p>
             <a:pPr lvl="2"/>
             <a:r>
-              <a:rPr lang="en-US" smtClean="0"/>
+              <a:rPr lang="en-US"/>
               <a:t>Third level</a:t>
             </a:r>
           </a:p>
           <a:p>
             <a:pPr lvl="3"/>
             <a:r>
-              <a:rPr lang="en-US" smtClean="0"/>
+              <a:rPr lang="en-US"/>
               <a:t>Fourth level</a:t>
             </a:r>
           </a:p>
           <a:p>
             <a:pPr lvl="4"/>
             <a:r>
-              <a:rPr lang="en-US" smtClean="0"/>
+              <a:rPr lang="en-US"/>
               <a:t>Fifth level</a:t>
             </a:r>
-            <a:endParaRPr lang="en-US"/>
           </a:p>
         </p:txBody>
       </p:sp>
@@ -1355,38 +1344,37 @@
           <a:p>
             <a:pPr lvl="0"/>
             <a:r>
-              <a:rPr lang="en-US" smtClean="0"/>
+              <a:rPr lang="en-US"/>
               <a:t>Click to edit Master text styles</a:t>
             </a:r>
           </a:p>
           <a:p>
             <a:pPr lvl="1"/>
             <a:r>
-              <a:rPr lang="en-US" smtClean="0"/>
+              <a:rPr lang="en-US"/>
               <a:t>Second level</a:t>
             </a:r>
           </a:p>
           <a:p>
             <a:pPr lvl="2"/>
             <a:r>
-              <a:rPr lang="en-US" smtClean="0"/>
+              <a:rPr lang="en-US"/>
               <a:t>Third level</a:t>
             </a:r>
           </a:p>
           <a:p>
             <a:pPr lvl="3"/>
             <a:r>
-              <a:rPr lang="en-US" smtClean="0"/>
+              <a:rPr lang="en-US"/>
               <a:t>Fourth level</a:t>
             </a:r>
           </a:p>
           <a:p>
             <a:pPr lvl="4"/>
             <a:r>
-              <a:rPr lang="en-US" smtClean="0"/>
+              <a:rPr lang="en-US"/>
               <a:t>Fifth level</a:t>
             </a:r>
-            <a:endParaRPr lang="en-US"/>
           </a:p>
         </p:txBody>
       </p:sp>
@@ -1528,10 +1516,9 @@
           </a:lstStyle>
           <a:p>
             <a:r>
-              <a:rPr lang="en-US" smtClean="0"/>
+              <a:rPr lang="en-US"/>
               <a:t>Click to edit Master title style</a:t>
             </a:r>
-            <a:endParaRPr lang="en-US"/>
           </a:p>
         </p:txBody>
       </p:sp>
@@ -1594,7 +1581,7 @@
           <a:p>
             <a:pPr lvl="0"/>
             <a:r>
-              <a:rPr lang="en-US" smtClean="0"/>
+              <a:rPr lang="en-US"/>
               <a:t>Click to edit Master text styles</a:t>
             </a:r>
           </a:p>
@@ -1650,38 +1637,37 @@
           <a:p>
             <a:pPr lvl="0"/>
             <a:r>
-              <a:rPr lang="en-US" smtClean="0"/>
+              <a:rPr lang="en-US"/>
               <a:t>Click to edit Master text styles</a:t>
             </a:r>
           </a:p>
           <a:p>
             <a:pPr lvl="1"/>
             <a:r>
-              <a:rPr lang="en-US" smtClean="0"/>
+              <a:rPr lang="en-US"/>
               <a:t>Second level</a:t>
             </a:r>
           </a:p>
           <a:p>
             <a:pPr lvl="2"/>
             <a:r>
-              <a:rPr lang="en-US" smtClean="0"/>
+              <a:rPr lang="en-US"/>
               <a:t>Third level</a:t>
             </a:r>
           </a:p>
           <a:p>
             <a:pPr lvl="3"/>
             <a:r>
-              <a:rPr lang="en-US" smtClean="0"/>
+              <a:rPr lang="en-US"/>
               <a:t>Fourth level</a:t>
             </a:r>
           </a:p>
           <a:p>
             <a:pPr lvl="4"/>
             <a:r>
-              <a:rPr lang="en-US" smtClean="0"/>
+              <a:rPr lang="en-US"/>
               <a:t>Fifth level</a:t>
             </a:r>
-            <a:endParaRPr lang="en-US"/>
           </a:p>
         </p:txBody>
       </p:sp>
@@ -1744,7 +1730,7 @@
           <a:p>
             <a:pPr lvl="0"/>
             <a:r>
-              <a:rPr lang="en-US" smtClean="0"/>
+              <a:rPr lang="en-US"/>
               <a:t>Click to edit Master text styles</a:t>
             </a:r>
           </a:p>
@@ -1800,38 +1786,37 @@
           <a:p>
             <a:pPr lvl="0"/>
             <a:r>
-              <a:rPr lang="en-US" smtClean="0"/>
+              <a:rPr lang="en-US"/>
               <a:t>Click to edit Master text styles</a:t>
             </a:r>
           </a:p>
           <a:p>
             <a:pPr lvl="1"/>
             <a:r>
-              <a:rPr lang="en-US" smtClean="0"/>
+              <a:rPr lang="en-US"/>
               <a:t>Second level</a:t>
             </a:r>
           </a:p>
           <a:p>
             <a:pPr lvl="2"/>
             <a:r>
-              <a:rPr lang="en-US" smtClean="0"/>
+              <a:rPr lang="en-US"/>
               <a:t>Third level</a:t>
             </a:r>
           </a:p>
           <a:p>
             <a:pPr lvl="3"/>
             <a:r>
-              <a:rPr lang="en-US" smtClean="0"/>
+              <a:rPr lang="en-US"/>
               <a:t>Fourth level</a:t>
             </a:r>
           </a:p>
           <a:p>
             <a:pPr lvl="4"/>
             <a:r>
-              <a:rPr lang="en-US" smtClean="0"/>
+              <a:rPr lang="en-US"/>
               <a:t>Fifth level</a:t>
             </a:r>
-            <a:endParaRPr lang="en-US"/>
           </a:p>
         </p:txBody>
       </p:sp>
@@ -1969,10 +1954,9 @@
           <a:lstStyle/>
           <a:p>
             <a:r>
-              <a:rPr lang="en-US" smtClean="0"/>
+              <a:rPr lang="en-US"/>
               <a:t>Click to edit Master title style</a:t>
             </a:r>
-            <a:endParaRPr lang="en-US"/>
           </a:p>
         </p:txBody>
       </p:sp>
@@ -2237,10 +2221,9 @@
           </a:lstStyle>
           <a:p>
             <a:r>
-              <a:rPr lang="en-US" smtClean="0"/>
+              <a:rPr lang="en-US"/>
               <a:t>Click to edit Master title style</a:t>
             </a:r>
-            <a:endParaRPr lang="en-US"/>
           </a:p>
         </p:txBody>
       </p:sp>
@@ -2294,38 +2277,37 @@
           <a:p>
             <a:pPr lvl="0"/>
             <a:r>
-              <a:rPr lang="en-US" smtClean="0"/>
+              <a:rPr lang="en-US"/>
               <a:t>Click to edit Master text styles</a:t>
             </a:r>
           </a:p>
           <a:p>
             <a:pPr lvl="1"/>
             <a:r>
-              <a:rPr lang="en-US" smtClean="0"/>
+              <a:rPr lang="en-US"/>
               <a:t>Second level</a:t>
             </a:r>
           </a:p>
           <a:p>
             <a:pPr lvl="2"/>
             <a:r>
-              <a:rPr lang="en-US" smtClean="0"/>
+              <a:rPr lang="en-US"/>
               <a:t>Third level</a:t>
             </a:r>
           </a:p>
           <a:p>
             <a:pPr lvl="3"/>
             <a:r>
-              <a:rPr lang="en-US" smtClean="0"/>
+              <a:rPr lang="en-US"/>
               <a:t>Fourth level</a:t>
             </a:r>
           </a:p>
           <a:p>
             <a:pPr lvl="4"/>
             <a:r>
-              <a:rPr lang="en-US" smtClean="0"/>
+              <a:rPr lang="en-US"/>
               <a:t>Fifth level</a:t>
             </a:r>
-            <a:endParaRPr lang="en-US"/>
           </a:p>
         </p:txBody>
       </p:sp>
@@ -2388,7 +2370,7 @@
           <a:p>
             <a:pPr lvl="0"/>
             <a:r>
-              <a:rPr lang="en-US" smtClean="0"/>
+              <a:rPr lang="en-US"/>
               <a:t>Click to edit Master text styles</a:t>
             </a:r>
           </a:p>
@@ -2537,10 +2519,9 @@
           </a:lstStyle>
           <a:p>
             <a:r>
-              <a:rPr lang="en-US" smtClean="0"/>
+              <a:rPr lang="en-US"/>
               <a:t>Click to edit Master title style</a:t>
             </a:r>
-            <a:endParaRPr lang="en-US"/>
           </a:p>
         </p:txBody>
       </p:sp>
@@ -2664,7 +2645,7 @@
           <a:p>
             <a:pPr lvl="0"/>
             <a:r>
-              <a:rPr lang="en-US" smtClean="0"/>
+              <a:rPr lang="en-US"/>
               <a:t>Click to edit Master text styles</a:t>
             </a:r>
           </a:p>
@@ -2848,7 +2829,7 @@
           <a:p>
             <a:pPr lvl="0"/>
             <a:r>
-              <a:rPr lang="en-US" smtClean="0"/>
+              <a:rPr lang="en-US"/>
               <a:t>Click to edit Master title style</a:t>
             </a:r>
           </a:p>
@@ -2906,35 +2887,35 @@
           <a:p>
             <a:pPr lvl="0"/>
             <a:r>
-              <a:rPr lang="en-US" smtClean="0"/>
+              <a:rPr lang="en-US"/>
               <a:t>Click to edit Master text styles</a:t>
             </a:r>
           </a:p>
           <a:p>
             <a:pPr lvl="1"/>
             <a:r>
-              <a:rPr lang="en-US" smtClean="0"/>
+              <a:rPr lang="en-US"/>
               <a:t>Second level</a:t>
             </a:r>
           </a:p>
           <a:p>
             <a:pPr lvl="2"/>
             <a:r>
-              <a:rPr lang="en-US" smtClean="0"/>
+              <a:rPr lang="en-US"/>
               <a:t>Third level</a:t>
             </a:r>
           </a:p>
           <a:p>
             <a:pPr lvl="3"/>
             <a:r>
-              <a:rPr lang="en-US" smtClean="0"/>
+              <a:rPr lang="en-US"/>
               <a:t>Fourth level</a:t>
             </a:r>
           </a:p>
           <a:p>
             <a:pPr lvl="4"/>
             <a:r>
-              <a:rPr lang="en-US" smtClean="0"/>
+              <a:rPr lang="en-US"/>
               <a:t>Fifth level</a:t>
             </a:r>
           </a:p>
@@ -3594,7 +3575,7 @@
               <a:defRPr/>
             </a:pPr>
             <a:r>
-              <a:rPr lang="en-US" sz="8000" b="1" smtClean="0">
+              <a:rPr lang="en-US" sz="8000" b="1" dirty="0" err="1">
                 <a:ln w="11430"/>
                 <a:solidFill>
                   <a:srgbClr val="FFFF00"/>
@@ -3611,13 +3592,13 @@
                     </a:srgbClr>
                   </a:outerShdw>
                 </a:effectLst>
-                <a:latin typeface="VNI-Rush" pitchFamily="2" charset="0"/>
+                <a:latin typeface="VNI-Times" pitchFamily="2" charset="0"/>
                 <a:cs typeface="Arial" charset="0"/>
               </a:rPr>
-              <a:t>Vöôït Treân </a:t>
-            </a:r>
-            <a:br>
-              <a:rPr lang="en-US" sz="8000" b="1" smtClean="0">
+              <a:t>Vöôït</a:t>
+            </a:r>
+            <a:r>
+              <a:rPr lang="en-US" sz="8000" b="1" dirty="0">
                 <a:ln w="11430"/>
                 <a:solidFill>
                   <a:srgbClr val="FFFF00"/>
@@ -3634,12 +3615,13 @@
                     </a:srgbClr>
                   </a:outerShdw>
                 </a:effectLst>
-                <a:latin typeface="VNI-Rush" pitchFamily="2" charset="0"/>
+                <a:latin typeface="VNI-Times" pitchFamily="2" charset="0"/>
                 <a:cs typeface="Arial" charset="0"/>
               </a:rPr>
-            </a:br>
-            <a:r>
-              <a:rPr lang="en-US" sz="8000" b="1" smtClean="0">
+              <a:t> </a:t>
+            </a:r>
+            <a:r>
+              <a:rPr lang="en-US" sz="8000" b="1" dirty="0" err="1">
                 <a:ln w="11430"/>
                 <a:solidFill>
                   <a:srgbClr val="FFFF00"/>
@@ -3656,10 +3638,124 @@
                     </a:srgbClr>
                   </a:outerShdw>
                 </a:effectLst>
-                <a:latin typeface="VNI-Rush" pitchFamily="2" charset="0"/>
+                <a:latin typeface="VNI-Times" pitchFamily="2" charset="0"/>
                 <a:cs typeface="Arial" charset="0"/>
               </a:rPr>
-              <a:t>Taát Caû</a:t>
+              <a:t>Treân</a:t>
+            </a:r>
+            <a:r>
+              <a:rPr lang="en-US" sz="8000" b="1" dirty="0">
+                <a:ln w="11430"/>
+                <a:solidFill>
+                  <a:srgbClr val="FFFF00"/>
+                </a:solidFill>
+                <a:effectLst>
+                  <a:glow rad="101600">
+                    <a:schemeClr val="tx1">
+                      <a:alpha val="60000"/>
+                    </a:schemeClr>
+                  </a:glow>
+                  <a:outerShdw blurRad="50800" dist="39000" dir="5460000" algn="tl">
+                    <a:srgbClr val="000000">
+                      <a:alpha val="38000"/>
+                    </a:srgbClr>
+                  </a:outerShdw>
+                </a:effectLst>
+                <a:latin typeface="VNI-Times" pitchFamily="2" charset="0"/>
+                <a:cs typeface="Arial" charset="0"/>
+              </a:rPr>
+              <a:t> </a:t>
+            </a:r>
+            <a:br>
+              <a:rPr lang="en-US" sz="8000" b="1" dirty="0">
+                <a:ln w="11430"/>
+                <a:solidFill>
+                  <a:srgbClr val="FFFF00"/>
+                </a:solidFill>
+                <a:effectLst>
+                  <a:glow rad="101600">
+                    <a:schemeClr val="tx1">
+                      <a:alpha val="60000"/>
+                    </a:schemeClr>
+                  </a:glow>
+                  <a:outerShdw blurRad="50800" dist="39000" dir="5460000" algn="tl">
+                    <a:srgbClr val="000000">
+                      <a:alpha val="38000"/>
+                    </a:srgbClr>
+                  </a:outerShdw>
+                </a:effectLst>
+                <a:latin typeface="VNI-Times" pitchFamily="2" charset="0"/>
+                <a:cs typeface="Arial" charset="0"/>
+              </a:rPr>
+            </a:br>
+            <a:r>
+              <a:rPr lang="en-US" sz="8000" b="1" dirty="0" err="1">
+                <a:ln w="11430"/>
+                <a:solidFill>
+                  <a:srgbClr val="FFFF00"/>
+                </a:solidFill>
+                <a:effectLst>
+                  <a:glow rad="101600">
+                    <a:schemeClr val="tx1">
+                      <a:alpha val="60000"/>
+                    </a:schemeClr>
+                  </a:glow>
+                  <a:outerShdw blurRad="50800" dist="39000" dir="5460000" algn="tl">
+                    <a:srgbClr val="000000">
+                      <a:alpha val="38000"/>
+                    </a:srgbClr>
+                  </a:outerShdw>
+                </a:effectLst>
+                <a:latin typeface="VNI-Times" pitchFamily="2" charset="0"/>
+                <a:cs typeface="Arial" charset="0"/>
+              </a:rPr>
+              <a:t>Taát</a:t>
+            </a:r>
+            <a:r>
+              <a:rPr lang="en-US" sz="8000" b="1" dirty="0">
+                <a:ln w="11430"/>
+                <a:solidFill>
+                  <a:srgbClr val="FFFF00"/>
+                </a:solidFill>
+                <a:effectLst>
+                  <a:glow rad="101600">
+                    <a:schemeClr val="tx1">
+                      <a:alpha val="60000"/>
+                    </a:schemeClr>
+                  </a:glow>
+                  <a:outerShdw blurRad="50800" dist="39000" dir="5460000" algn="tl">
+                    <a:srgbClr val="000000">
+                      <a:alpha val="38000"/>
+                    </a:srgbClr>
+                  </a:outerShdw>
+                </a:effectLst>
+                <a:latin typeface="VNI-Times" pitchFamily="2" charset="0"/>
+                <a:cs typeface="Arial" charset="0"/>
+              </a:rPr>
+              <a:t> </a:t>
+            </a:r>
+            <a:r>
+              <a:rPr lang="en-US" sz="8000" b="1" dirty="0" err="1">
+                <a:ln w="11430"/>
+                <a:solidFill>
+                  <a:srgbClr val="FFFF00"/>
+                </a:solidFill>
+                <a:effectLst>
+                  <a:glow rad="101600">
+                    <a:schemeClr val="tx1">
+                      <a:alpha val="60000"/>
+                    </a:schemeClr>
+                  </a:glow>
+                  <a:outerShdw blurRad="50800" dist="39000" dir="5460000" algn="tl">
+                    <a:srgbClr val="000000">
+                      <a:alpha val="38000"/>
+                    </a:srgbClr>
+                  </a:outerShdw>
+                </a:effectLst>
+                <a:latin typeface="VNI-Times" pitchFamily="2" charset="0"/>
+                <a:cs typeface="Arial" charset="0"/>
+              </a:rPr>
+              <a:t>Caû</a:t>
             </a:r>
             <a:endParaRPr lang="en-US" sz="8000" b="1" dirty="0">
               <a:ln w="11430"/>
@@ -3678,7 +3774,7 @@
                   </a:srgbClr>
                 </a:outerShdw>
               </a:effectLst>
-              <a:latin typeface="VNI-Rush" pitchFamily="2" charset="0"/>
+              <a:latin typeface="VNI-Times" pitchFamily="2" charset="0"/>
               <a:cs typeface="Arial" charset="0"/>
             </a:endParaRPr>
           </a:p>
@@ -3708,7 +3804,7 @@
           <a:p>
             <a:pPr algn="ctr"/>
             <a:r>
-              <a:rPr lang="en-US" sz="3200" b="1">
+              <a:rPr lang="en-US" sz="3200" b="1" dirty="0">
                 <a:solidFill>
                   <a:schemeClr val="bg1"/>
                 </a:solidFill>
@@ -3717,7 +3813,7 @@
                     <a:schemeClr val="tx1"/>
                   </a:glow>
                 </a:effectLst>
-                <a:latin typeface="VNI-Souvir" pitchFamily="2" charset="0"/>
+                <a:latin typeface="VNI-Times" pitchFamily="2" charset="0"/>
               </a:rPr>
               <a:t>TOÂN VINH CHUÙA – BIEÄT THAÙNH CA</a:t>
             </a:r>
@@ -3729,25 +3825,18 @@
   <p:clrMapOvr>
     <a:masterClrMapping/>
   </p:clrMapOvr>
-  <mc:AlternateContent xmlns:mc="http://schemas.openxmlformats.org/markup-compatibility/2006">
-    <mc:Choice xmlns:p14="http://schemas.microsoft.com/office/powerpoint/2010/main" Requires="p14">
+  <mc:AlternateContent xmlns:mc="http://schemas.openxmlformats.org/markup-compatibility/2006" xmlns:p14="http://schemas.microsoft.com/office/powerpoint/2010/main">
+    <mc:Choice Requires="p14">
       <p:transition spd="slow" p14:dur="800">
         <p:circle/>
       </p:transition>
     </mc:Choice>
-    <mc:Fallback>
+    <mc:Fallback xmlns="">
       <p:transition spd="slow">
         <p:circle/>
       </p:transition>
     </mc:Fallback>
   </mc:AlternateContent>
-  <p:timing>
-    <p:tnLst>
-      <p:par>
-        <p:cTn id="1" dur="indefinite" restart="never" nodeType="tmRoot"/>
-      </p:par>
-    </p:tnLst>
-  </p:timing>
 </p:sld>
 </file>
 
@@ -3833,7 +3922,7 @@
           <a:p>
             <a:pPr algn="ctr"/>
             <a:r>
-              <a:rPr lang="en-US" sz="6000" b="1" kern="10">
+              <a:rPr lang="en-US" sz="6000" b="1" kern="10" dirty="0" err="1">
                 <a:solidFill>
                   <a:schemeClr val="bg1"/>
                 </a:solidFill>
@@ -3842,15 +3931,82 @@
                     <a:schemeClr val="tx1"/>
                   </a:glow>
                 </a:effectLst>
-                <a:latin typeface="VNI-Aptima" pitchFamily="2" charset="0"/>
-              </a:rPr>
-              <a:t>Treân thaäp giaù</a:t>
-            </a:r>
+                <a:latin typeface="VNI-Times" pitchFamily="2" charset="0"/>
+              </a:rPr>
+              <a:t>Treân</a:t>
+            </a:r>
+            <a:r>
+              <a:rPr lang="en-US" sz="6000" b="1" kern="10" dirty="0">
+                <a:solidFill>
+                  <a:schemeClr val="bg1"/>
+                </a:solidFill>
+                <a:effectLst>
+                  <a:glow rad="101600">
+                    <a:schemeClr val="tx1"/>
+                  </a:glow>
+                </a:effectLst>
+                <a:latin typeface="VNI-Times" pitchFamily="2" charset="0"/>
+              </a:rPr>
+              <a:t> </a:t>
+            </a:r>
+            <a:r>
+              <a:rPr lang="en-US" sz="6000" b="1" kern="10" dirty="0" err="1">
+                <a:solidFill>
+                  <a:schemeClr val="bg1"/>
+                </a:solidFill>
+                <a:effectLst>
+                  <a:glow rad="101600">
+                    <a:schemeClr val="tx1"/>
+                  </a:glow>
+                </a:effectLst>
+                <a:latin typeface="VNI-Times" pitchFamily="2" charset="0"/>
+              </a:rPr>
+              <a:t>thaäp</a:t>
+            </a:r>
+            <a:r>
+              <a:rPr lang="en-US" sz="6000" b="1" kern="10" dirty="0">
+                <a:solidFill>
+                  <a:schemeClr val="bg1"/>
+                </a:solidFill>
+                <a:effectLst>
+                  <a:glow rad="101600">
+                    <a:schemeClr val="tx1"/>
+                  </a:glow>
+                </a:effectLst>
+                <a:latin typeface="VNI-Times" pitchFamily="2" charset="0"/>
+              </a:rPr>
+              <a:t> </a:t>
+            </a:r>
+            <a:r>
+              <a:rPr lang="en-US" sz="6000" b="1" kern="10" dirty="0" err="1">
+                <a:solidFill>
+                  <a:schemeClr val="bg1"/>
+                </a:solidFill>
+                <a:effectLst>
+                  <a:glow rad="101600">
+                    <a:schemeClr val="tx1"/>
+                  </a:glow>
+                </a:effectLst>
+                <a:latin typeface="VNI-Times" pitchFamily="2" charset="0"/>
+              </a:rPr>
+              <a:t>giaù</a:t>
+            </a:r>
+            <a:endParaRPr lang="en-US" sz="6000" b="1" kern="10" dirty="0">
+              <a:solidFill>
+                <a:schemeClr val="bg1"/>
+              </a:solidFill>
+              <a:effectLst>
+                <a:glow rad="101600">
+                  <a:schemeClr val="tx1"/>
+                </a:glow>
+              </a:effectLst>
+              <a:latin typeface="VNI-Times" pitchFamily="2" charset="0"/>
+            </a:endParaRPr>
           </a:p>
           <a:p>
             <a:pPr algn="ctr"/>
             <a:r>
-              <a:rPr lang="en-US" sz="6000" b="1" kern="10">
+              <a:rPr lang="en-US" sz="6000" b="1" kern="10" dirty="0" err="1">
                 <a:solidFill>
                   <a:schemeClr val="bg1"/>
                 </a:solidFill>
@@ -3859,9 +4015,135 @@
                     <a:schemeClr val="tx1"/>
                   </a:glow>
                 </a:effectLst>
-                <a:latin typeface="VNI-Aptima" pitchFamily="2" charset="0"/>
-              </a:rPr>
-              <a:t>Ngaøi tuoân huyeát thay toâi.</a:t>
+                <a:latin typeface="VNI-Times" pitchFamily="2" charset="0"/>
+              </a:rPr>
+              <a:t>Ngaøi</a:t>
+            </a:r>
+            <a:r>
+              <a:rPr lang="en-US" sz="6000" b="1" kern="10" dirty="0">
+                <a:solidFill>
+                  <a:schemeClr val="bg1"/>
+                </a:solidFill>
+                <a:effectLst>
+                  <a:glow rad="101600">
+                    <a:schemeClr val="tx1"/>
+                  </a:glow>
+                </a:effectLst>
+                <a:latin typeface="VNI-Times" pitchFamily="2" charset="0"/>
+              </a:rPr>
+              <a:t> </a:t>
+            </a:r>
+            <a:r>
+              <a:rPr lang="en-US" sz="6000" b="1" kern="10" dirty="0" err="1">
+                <a:solidFill>
+                  <a:schemeClr val="bg1"/>
+                </a:solidFill>
+                <a:effectLst>
+                  <a:glow rad="101600">
+                    <a:schemeClr val="tx1"/>
+                  </a:glow>
+                </a:effectLst>
+                <a:latin typeface="VNI-Times" pitchFamily="2" charset="0"/>
+              </a:rPr>
+              <a:t>tuoân</a:t>
+            </a:r>
+            <a:r>
+              <a:rPr lang="en-US" sz="6000" b="1" kern="10" dirty="0">
+                <a:solidFill>
+                  <a:schemeClr val="bg1"/>
+                </a:solidFill>
+                <a:effectLst>
+                  <a:glow rad="101600">
+                    <a:schemeClr val="tx1"/>
+                  </a:glow>
+                </a:effectLst>
+                <a:latin typeface="VNI-Times" pitchFamily="2" charset="0"/>
+              </a:rPr>
+              <a:t> </a:t>
+            </a:r>
+            <a:r>
+              <a:rPr lang="en-US" sz="6000" b="1" kern="10" dirty="0" err="1">
+                <a:solidFill>
+                  <a:schemeClr val="bg1"/>
+                </a:solidFill>
+                <a:effectLst>
+                  <a:glow rad="101600">
+                    <a:schemeClr val="tx1"/>
+                  </a:glow>
+                </a:effectLst>
+                <a:latin typeface="VNI-Times" pitchFamily="2" charset="0"/>
+              </a:rPr>
+              <a:t>huyeát</a:t>
+            </a:r>
+            <a:r>
+              <a:rPr lang="en-US" sz="6000" b="1" kern="10" dirty="0">
+                <a:solidFill>
+                  <a:schemeClr val="bg1"/>
+                </a:solidFill>
+                <a:effectLst>
+                  <a:glow rad="101600">
+                    <a:schemeClr val="tx1"/>
+                  </a:glow>
+                </a:effectLst>
+                <a:latin typeface="VNI-Times" pitchFamily="2" charset="0"/>
+              </a:rPr>
+              <a:t> </a:t>
+            </a:r>
+            <a:r>
+              <a:rPr lang="en-US" sz="6000" b="1" kern="10" dirty="0" err="1">
+                <a:solidFill>
+                  <a:schemeClr val="bg1"/>
+                </a:solidFill>
+                <a:effectLst>
+                  <a:glow rad="101600">
+                    <a:schemeClr val="tx1"/>
+                  </a:glow>
+                </a:effectLst>
+                <a:latin typeface="VNI-Times" pitchFamily="2" charset="0"/>
+              </a:rPr>
+              <a:t>thay</a:t>
+            </a:r>
+            <a:r>
+              <a:rPr lang="en-US" sz="6000" b="1" kern="10" dirty="0">
+                <a:solidFill>
+                  <a:schemeClr val="bg1"/>
+                </a:solidFill>
+                <a:effectLst>
+                  <a:glow rad="101600">
+                    <a:schemeClr val="tx1"/>
+                  </a:glow>
+                </a:effectLst>
+                <a:latin typeface="VNI-Times" pitchFamily="2" charset="0"/>
+              </a:rPr>
+              <a:t> </a:t>
+            </a:r>
+            <a:r>
+              <a:rPr lang="en-US" sz="6000" b="1" kern="10" dirty="0" err="1">
+                <a:solidFill>
+                  <a:schemeClr val="bg1"/>
+                </a:solidFill>
+                <a:effectLst>
+                  <a:glow rad="101600">
+                    <a:schemeClr val="tx1"/>
+                  </a:glow>
+                </a:effectLst>
+                <a:latin typeface="VNI-Times" pitchFamily="2" charset="0"/>
+              </a:rPr>
+              <a:t>toâi</a:t>
+            </a:r>
+            <a:r>
+              <a:rPr lang="en-US" sz="6000" b="1" kern="10" dirty="0">
+                <a:solidFill>
+                  <a:schemeClr val="bg1"/>
+                </a:solidFill>
+                <a:effectLst>
+                  <a:glow rad="101600">
+                    <a:schemeClr val="tx1"/>
+                  </a:glow>
+                </a:effectLst>
+                <a:latin typeface="VNI-Times" pitchFamily="2" charset="0"/>
+              </a:rPr>
+              <a:t>.</a:t>
             </a:r>
           </a:p>
         </p:txBody>
@@ -3871,11 +4153,11 @@
   <p:clrMapOvr>
     <a:masterClrMapping/>
   </p:clrMapOvr>
-  <mc:AlternateContent xmlns:mc="http://schemas.openxmlformats.org/markup-compatibility/2006">
-    <mc:Choice xmlns:p14="http://schemas.microsoft.com/office/powerpoint/2010/main" Requires="p14">
+  <mc:AlternateContent xmlns:mc="http://schemas.openxmlformats.org/markup-compatibility/2006" xmlns:p14="http://schemas.microsoft.com/office/powerpoint/2010/main">
+    <mc:Choice Requires="p14">
       <p:transition p14:dur="0"/>
     </mc:Choice>
-    <mc:Fallback>
+    <mc:Fallback xmlns="">
       <p:transition/>
     </mc:Fallback>
   </mc:AlternateContent>
@@ -3963,145 +4245,340 @@
           <a:p>
             <a:pPr algn="ctr"/>
             <a:r>
-              <a:rPr lang="en-US" sz="6000" b="1" kern="10">
-                <a:solidFill>
-                  <a:schemeClr val="bg1"/>
-                </a:solidFill>
-                <a:effectLst>
-                  <a:glow rad="101600">
-                    <a:schemeClr val="tx1">
-                      <a:alpha val="60000"/>
-                    </a:schemeClr>
-                  </a:glow>
-                </a:effectLst>
-                <a:latin typeface="VNI-Aptima" pitchFamily="2" charset="0"/>
-              </a:rPr>
-              <a:t>Ngaøi ñaõ </a:t>
-            </a:r>
-            <a:r>
-              <a:rPr lang="en-US" sz="6000" b="1" kern="10">
-                <a:solidFill>
-                  <a:schemeClr val="bg1"/>
-                </a:solidFill>
-                <a:effectLst>
-                  <a:glow rad="101600">
-                    <a:schemeClr val="tx1">
-                      <a:alpha val="60000"/>
-                    </a:schemeClr>
-                  </a:glow>
-                </a:effectLst>
-                <a:latin typeface="VNI-Aptima" pitchFamily="2" charset="0"/>
-              </a:rPr>
-              <a:t>chòu </a:t>
-            </a:r>
-            <a:r>
-              <a:rPr lang="en-US" sz="6000" b="1" kern="10" smtClean="0">
-                <a:solidFill>
-                  <a:schemeClr val="bg1"/>
-                </a:solidFill>
-                <a:effectLst>
-                  <a:glow rad="101600">
-                    <a:schemeClr val="tx1">
-                      <a:alpha val="60000"/>
-                    </a:schemeClr>
-                  </a:glow>
-                </a:effectLst>
-                <a:latin typeface="VNI-Aptima" pitchFamily="2" charset="0"/>
-              </a:rPr>
-              <a:t>cheát, moïi </a:t>
+              <a:rPr lang="en-US" sz="6000" b="1" kern="10" dirty="0" err="1">
+                <a:solidFill>
+                  <a:schemeClr val="bg1"/>
+                </a:solidFill>
+                <a:effectLst>
+                  <a:glow rad="101600">
+                    <a:schemeClr val="tx1">
+                      <a:alpha val="60000"/>
+                    </a:schemeClr>
+                  </a:glow>
+                </a:effectLst>
+                <a:latin typeface="VNI-Times" pitchFamily="2" charset="0"/>
+              </a:rPr>
+              <a:t>Ngaøi</a:t>
+            </a:r>
+            <a:r>
+              <a:rPr lang="en-US" sz="6000" b="1" kern="10" dirty="0">
+                <a:solidFill>
+                  <a:schemeClr val="bg1"/>
+                </a:solidFill>
+                <a:effectLst>
+                  <a:glow rad="101600">
+                    <a:schemeClr val="tx1">
+                      <a:alpha val="60000"/>
+                    </a:schemeClr>
+                  </a:glow>
+                </a:effectLst>
+                <a:latin typeface="VNI-Times" pitchFamily="2" charset="0"/>
+              </a:rPr>
+              <a:t> </a:t>
+            </a:r>
+            <a:r>
+              <a:rPr lang="en-US" sz="6000" b="1" kern="10" dirty="0" err="1">
+                <a:solidFill>
+                  <a:schemeClr val="bg1"/>
+                </a:solidFill>
+                <a:effectLst>
+                  <a:glow rad="101600">
+                    <a:schemeClr val="tx1">
+                      <a:alpha val="60000"/>
+                    </a:schemeClr>
+                  </a:glow>
+                </a:effectLst>
+                <a:latin typeface="VNI-Times" pitchFamily="2" charset="0"/>
+              </a:rPr>
+              <a:t>ñaõ</a:t>
+            </a:r>
+            <a:r>
+              <a:rPr lang="en-US" sz="6000" b="1" kern="10" dirty="0">
+                <a:solidFill>
+                  <a:schemeClr val="bg1"/>
+                </a:solidFill>
+                <a:effectLst>
+                  <a:glow rad="101600">
+                    <a:schemeClr val="tx1">
+                      <a:alpha val="60000"/>
+                    </a:schemeClr>
+                  </a:glow>
+                </a:effectLst>
+                <a:latin typeface="VNI-Times" pitchFamily="2" charset="0"/>
+              </a:rPr>
+              <a:t> </a:t>
+            </a:r>
+            <a:r>
+              <a:rPr lang="en-US" sz="6000" b="1" kern="10" dirty="0" err="1">
+                <a:solidFill>
+                  <a:schemeClr val="bg1"/>
+                </a:solidFill>
+                <a:effectLst>
+                  <a:glow rad="101600">
+                    <a:schemeClr val="tx1">
+                      <a:alpha val="60000"/>
+                    </a:schemeClr>
+                  </a:glow>
+                </a:effectLst>
+                <a:latin typeface="VNI-Times" pitchFamily="2" charset="0"/>
+              </a:rPr>
+              <a:t>chòu</a:t>
+            </a:r>
+            <a:r>
+              <a:rPr lang="en-US" sz="6000" b="1" kern="10" dirty="0">
+                <a:solidFill>
+                  <a:schemeClr val="bg1"/>
+                </a:solidFill>
+                <a:effectLst>
+                  <a:glow rad="101600">
+                    <a:schemeClr val="tx1">
+                      <a:alpha val="60000"/>
+                    </a:schemeClr>
+                  </a:glow>
+                </a:effectLst>
+                <a:latin typeface="VNI-Times" pitchFamily="2" charset="0"/>
+              </a:rPr>
+              <a:t> </a:t>
+            </a:r>
+            <a:r>
+              <a:rPr lang="en-US" sz="6000" b="1" kern="10" dirty="0" err="1">
+                <a:solidFill>
+                  <a:schemeClr val="bg1"/>
+                </a:solidFill>
+                <a:effectLst>
+                  <a:glow rad="101600">
+                    <a:schemeClr val="tx1">
+                      <a:alpha val="60000"/>
+                    </a:schemeClr>
+                  </a:glow>
+                </a:effectLst>
+                <a:latin typeface="VNI-Times" pitchFamily="2" charset="0"/>
+              </a:rPr>
+              <a:t>cheát</a:t>
+            </a:r>
+            <a:r>
+              <a:rPr lang="en-US" sz="6000" b="1" kern="10" dirty="0">
+                <a:solidFill>
+                  <a:schemeClr val="bg1"/>
+                </a:solidFill>
+                <a:effectLst>
+                  <a:glow rad="101600">
+                    <a:schemeClr val="tx1">
+                      <a:alpha val="60000"/>
+                    </a:schemeClr>
+                  </a:glow>
+                </a:effectLst>
+                <a:latin typeface="VNI-Times" pitchFamily="2" charset="0"/>
+              </a:rPr>
+              <a:t>, </a:t>
+            </a:r>
+            <a:r>
+              <a:rPr lang="en-US" sz="6000" b="1" kern="10" dirty="0" err="1">
+                <a:solidFill>
+                  <a:schemeClr val="bg1"/>
+                </a:solidFill>
+                <a:effectLst>
+                  <a:glow rad="101600">
+                    <a:schemeClr val="tx1">
+                      <a:alpha val="60000"/>
+                    </a:schemeClr>
+                  </a:glow>
+                </a:effectLst>
+                <a:latin typeface="VNI-Times" pitchFamily="2" charset="0"/>
+              </a:rPr>
+              <a:t>moïi</a:t>
+            </a:r>
+            <a:r>
+              <a:rPr lang="en-US" sz="6000" b="1" kern="10" dirty="0">
+                <a:solidFill>
+                  <a:schemeClr val="bg1"/>
+                </a:solidFill>
+                <a:effectLst>
+                  <a:glow rad="101600">
+                    <a:schemeClr val="tx1">
+                      <a:alpha val="60000"/>
+                    </a:schemeClr>
+                  </a:glow>
+                </a:effectLst>
+                <a:latin typeface="VNI-Times" pitchFamily="2" charset="0"/>
+              </a:rPr>
+              <a:t> </a:t>
             </a:r>
             <a:br>
-              <a:rPr lang="en-US" sz="6000" b="1" kern="10" smtClean="0">
-                <a:solidFill>
-                  <a:schemeClr val="bg1"/>
-                </a:solidFill>
-                <a:effectLst>
-                  <a:glow rad="101600">
-                    <a:schemeClr val="tx1">
-                      <a:alpha val="60000"/>
-                    </a:schemeClr>
-                  </a:glow>
-                </a:effectLst>
-                <a:latin typeface="VNI-Aptima" pitchFamily="2" charset="0"/>
+              <a:rPr lang="en-US" sz="6000" b="1" kern="10" dirty="0">
+                <a:solidFill>
+                  <a:schemeClr val="bg1"/>
+                </a:solidFill>
+                <a:effectLst>
+                  <a:glow rad="101600">
+                    <a:schemeClr val="tx1">
+                      <a:alpha val="60000"/>
+                    </a:schemeClr>
+                  </a:glow>
+                </a:effectLst>
+                <a:latin typeface="VNI-Times" pitchFamily="2" charset="0"/>
               </a:rPr>
             </a:br>
             <a:r>
-              <a:rPr lang="en-US" sz="6000" b="1" kern="10" smtClean="0">
-                <a:solidFill>
-                  <a:schemeClr val="bg1"/>
-                </a:solidFill>
-                <a:effectLst>
-                  <a:glow rad="101600">
-                    <a:schemeClr val="tx1">
-                      <a:alpha val="60000"/>
-                    </a:schemeClr>
-                  </a:glow>
-                </a:effectLst>
-                <a:latin typeface="VNI-Aptima" pitchFamily="2" charset="0"/>
-              </a:rPr>
-              <a:t>ngöôøi lieác </a:t>
-            </a:r>
-            <a:r>
-              <a:rPr lang="en-US" sz="6000" b="1" kern="10">
-                <a:solidFill>
-                  <a:schemeClr val="bg1"/>
-                </a:solidFill>
-                <a:effectLst>
-                  <a:glow rad="101600">
-                    <a:schemeClr val="tx1">
-                      <a:alpha val="60000"/>
-                    </a:schemeClr>
-                  </a:glow>
-                </a:effectLst>
-                <a:latin typeface="VNI-Aptima" pitchFamily="2" charset="0"/>
-              </a:rPr>
-              <a:t>maét </a:t>
-            </a:r>
-            <a:r>
-              <a:rPr lang="en-US" sz="6000" b="1" kern="10">
-                <a:solidFill>
-                  <a:schemeClr val="bg1"/>
-                </a:solidFill>
-                <a:effectLst>
-                  <a:glow rad="101600">
-                    <a:schemeClr val="tx1">
-                      <a:alpha val="60000"/>
-                    </a:schemeClr>
-                  </a:glow>
-                </a:effectLst>
-                <a:latin typeface="VNI-Aptima" pitchFamily="2" charset="0"/>
-              </a:rPr>
-              <a:t>khinh </a:t>
-            </a:r>
-            <a:r>
-              <a:rPr lang="en-US" sz="6000" b="1" kern="10" smtClean="0">
-                <a:solidFill>
-                  <a:schemeClr val="bg1"/>
-                </a:solidFill>
-                <a:effectLst>
-                  <a:glow rad="101600">
-                    <a:schemeClr val="tx1">
-                      <a:alpha val="60000"/>
-                    </a:schemeClr>
-                  </a:glow>
-                </a:effectLst>
-                <a:latin typeface="VNI-Aptima" pitchFamily="2" charset="0"/>
-              </a:rPr>
-              <a:t>cheâ.</a:t>
-            </a:r>
-            <a:endParaRPr lang="en-US" sz="6000" b="1" kern="10">
-              <a:solidFill>
-                <a:schemeClr val="bg1"/>
-              </a:solidFill>
-              <a:effectLst>
-                <a:glow rad="101600">
-                  <a:schemeClr val="tx1">
-                    <a:alpha val="60000"/>
-                  </a:schemeClr>
-                </a:glow>
-              </a:effectLst>
-              <a:latin typeface="VNI-Aptima" pitchFamily="2" charset="0"/>
-            </a:endParaRPr>
+              <a:rPr lang="en-US" sz="6000" b="1" kern="10" dirty="0" err="1">
+                <a:solidFill>
+                  <a:schemeClr val="bg1"/>
+                </a:solidFill>
+                <a:effectLst>
+                  <a:glow rad="101600">
+                    <a:schemeClr val="tx1">
+                      <a:alpha val="60000"/>
+                    </a:schemeClr>
+                  </a:glow>
+                </a:effectLst>
+                <a:latin typeface="VNI-Times" pitchFamily="2" charset="0"/>
+              </a:rPr>
+              <a:t>ngöôøi</a:t>
+            </a:r>
+            <a:r>
+              <a:rPr lang="en-US" sz="6000" b="1" kern="10" dirty="0">
+                <a:solidFill>
+                  <a:schemeClr val="bg1"/>
+                </a:solidFill>
+                <a:effectLst>
+                  <a:glow rad="101600">
+                    <a:schemeClr val="tx1">
+                      <a:alpha val="60000"/>
+                    </a:schemeClr>
+                  </a:glow>
+                </a:effectLst>
+                <a:latin typeface="VNI-Times" pitchFamily="2" charset="0"/>
+              </a:rPr>
+              <a:t> </a:t>
+            </a:r>
+            <a:r>
+              <a:rPr lang="en-US" sz="6000" b="1" kern="10" dirty="0" err="1">
+                <a:solidFill>
+                  <a:schemeClr val="bg1"/>
+                </a:solidFill>
+                <a:effectLst>
+                  <a:glow rad="101600">
+                    <a:schemeClr val="tx1">
+                      <a:alpha val="60000"/>
+                    </a:schemeClr>
+                  </a:glow>
+                </a:effectLst>
+                <a:latin typeface="VNI-Times" pitchFamily="2" charset="0"/>
+              </a:rPr>
+              <a:t>lieác</a:t>
+            </a:r>
+            <a:r>
+              <a:rPr lang="en-US" sz="6000" b="1" kern="10" dirty="0">
+                <a:solidFill>
+                  <a:schemeClr val="bg1"/>
+                </a:solidFill>
+                <a:effectLst>
+                  <a:glow rad="101600">
+                    <a:schemeClr val="tx1">
+                      <a:alpha val="60000"/>
+                    </a:schemeClr>
+                  </a:glow>
+                </a:effectLst>
+                <a:latin typeface="VNI-Times" pitchFamily="2" charset="0"/>
+              </a:rPr>
+              <a:t> </a:t>
+            </a:r>
+            <a:r>
+              <a:rPr lang="en-US" sz="6000" b="1" kern="10" dirty="0" err="1">
+                <a:solidFill>
+                  <a:schemeClr val="bg1"/>
+                </a:solidFill>
+                <a:effectLst>
+                  <a:glow rad="101600">
+                    <a:schemeClr val="tx1">
+                      <a:alpha val="60000"/>
+                    </a:schemeClr>
+                  </a:glow>
+                </a:effectLst>
+                <a:latin typeface="VNI-Times" pitchFamily="2" charset="0"/>
+              </a:rPr>
+              <a:t>maét</a:t>
+            </a:r>
+            <a:r>
+              <a:rPr lang="en-US" sz="6000" b="1" kern="10" dirty="0">
+                <a:solidFill>
+                  <a:schemeClr val="bg1"/>
+                </a:solidFill>
+                <a:effectLst>
+                  <a:glow rad="101600">
+                    <a:schemeClr val="tx1">
+                      <a:alpha val="60000"/>
+                    </a:schemeClr>
+                  </a:glow>
+                </a:effectLst>
+                <a:latin typeface="VNI-Times" pitchFamily="2" charset="0"/>
+              </a:rPr>
+              <a:t> </a:t>
+            </a:r>
+            <a:r>
+              <a:rPr lang="en-US" sz="6000" b="1" kern="10" dirty="0" err="1">
+                <a:solidFill>
+                  <a:schemeClr val="bg1"/>
+                </a:solidFill>
+                <a:effectLst>
+                  <a:glow rad="101600">
+                    <a:schemeClr val="tx1">
+                      <a:alpha val="60000"/>
+                    </a:schemeClr>
+                  </a:glow>
+                </a:effectLst>
+                <a:latin typeface="VNI-Times" pitchFamily="2" charset="0"/>
+              </a:rPr>
+              <a:t>khinh</a:t>
+            </a:r>
+            <a:r>
+              <a:rPr lang="en-US" sz="6000" b="1" kern="10" dirty="0">
+                <a:solidFill>
+                  <a:schemeClr val="bg1"/>
+                </a:solidFill>
+                <a:effectLst>
+                  <a:glow rad="101600">
+                    <a:schemeClr val="tx1">
+                      <a:alpha val="60000"/>
+                    </a:schemeClr>
+                  </a:glow>
+                </a:effectLst>
+                <a:latin typeface="VNI-Times" pitchFamily="2" charset="0"/>
+              </a:rPr>
+              <a:t> </a:t>
+            </a:r>
+            <a:r>
+              <a:rPr lang="en-US" sz="6000" b="1" kern="10" dirty="0" err="1">
+                <a:solidFill>
+                  <a:schemeClr val="bg1"/>
+                </a:solidFill>
+                <a:effectLst>
+                  <a:glow rad="101600">
+                    <a:schemeClr val="tx1">
+                      <a:alpha val="60000"/>
+                    </a:schemeClr>
+                  </a:glow>
+                </a:effectLst>
+                <a:latin typeface="VNI-Times" pitchFamily="2" charset="0"/>
+              </a:rPr>
+              <a:t>cheâ</a:t>
+            </a:r>
+            <a:r>
+              <a:rPr lang="en-US" sz="6000" b="1" kern="10" dirty="0">
+                <a:solidFill>
+                  <a:schemeClr val="bg1"/>
+                </a:solidFill>
+                <a:effectLst>
+                  <a:glow rad="101600">
+                    <a:schemeClr val="tx1">
+                      <a:alpha val="60000"/>
+                    </a:schemeClr>
+                  </a:glow>
+                </a:effectLst>
+                <a:latin typeface="VNI-Times" pitchFamily="2" charset="0"/>
+              </a:rPr>
+              <a:t>.</a:t>
+            </a:r>
           </a:p>
         </p:txBody>
       </p:sp>
@@ -4110,21 +4587,14 @@
   <p:clrMapOvr>
     <a:masterClrMapping/>
   </p:clrMapOvr>
-  <mc:AlternateContent xmlns:mc="http://schemas.openxmlformats.org/markup-compatibility/2006">
-    <mc:Choice xmlns:p14="http://schemas.microsoft.com/office/powerpoint/2010/main" Requires="p14">
+  <mc:AlternateContent xmlns:mc="http://schemas.openxmlformats.org/markup-compatibility/2006" xmlns:p14="http://schemas.microsoft.com/office/powerpoint/2010/main">
+    <mc:Choice Requires="p14">
       <p:transition p14:dur="0"/>
     </mc:Choice>
-    <mc:Fallback>
+    <mc:Fallback xmlns="">
       <p:transition/>
     </mc:Fallback>
   </mc:AlternateContent>
-  <p:timing>
-    <p:tnLst>
-      <p:par>
-        <p:cTn id="1" dur="indefinite" restart="never" nodeType="tmRoot"/>
-      </p:par>
-    </p:tnLst>
-  </p:timing>
 </p:sld>
 </file>
 
@@ -4210,211 +4680,262 @@
           <a:p>
             <a:pPr algn="ctr"/>
             <a:r>
-              <a:rPr lang="en-US" sz="6000" b="1" kern="10">
-                <a:solidFill>
-                  <a:schemeClr val="bg1"/>
-                </a:solidFill>
-                <a:effectLst>
-                  <a:glow rad="101600">
-                    <a:schemeClr val="tx1">
-                      <a:alpha val="60000"/>
-                    </a:schemeClr>
-                  </a:glow>
-                </a:effectLst>
-                <a:latin typeface="VNI-Aptima" pitchFamily="2" charset="0"/>
-              </a:rPr>
-              <a:t>Daãu con </a:t>
-            </a:r>
-            <a:r>
-              <a:rPr lang="en-US" sz="6000" b="1" kern="10">
-                <a:solidFill>
-                  <a:schemeClr val="bg1"/>
-                </a:solidFill>
-                <a:effectLst>
-                  <a:glow rad="101600">
-                    <a:schemeClr val="tx1">
-                      <a:alpha val="60000"/>
-                    </a:schemeClr>
-                  </a:glow>
-                </a:effectLst>
-                <a:latin typeface="VNI-Aptima" pitchFamily="2" charset="0"/>
-              </a:rPr>
-              <a:t>ngöôøi </a:t>
-            </a:r>
-            <a:r>
-              <a:rPr lang="en-US" sz="6000" b="1" kern="10" smtClean="0">
-                <a:solidFill>
-                  <a:schemeClr val="bg1"/>
-                </a:solidFill>
-                <a:effectLst>
-                  <a:glow rad="101600">
-                    <a:schemeClr val="tx1">
-                      <a:alpha val="60000"/>
-                    </a:schemeClr>
-                  </a:glow>
-                </a:effectLst>
-                <a:latin typeface="VNI-Aptima" pitchFamily="2" charset="0"/>
-              </a:rPr>
-              <a:t/>
+              <a:rPr lang="en-US" sz="6000" b="1" kern="10" dirty="0" err="1">
+                <a:solidFill>
+                  <a:schemeClr val="bg1"/>
+                </a:solidFill>
+                <a:effectLst>
+                  <a:glow rad="101600">
+                    <a:schemeClr val="tx1">
+                      <a:alpha val="60000"/>
+                    </a:schemeClr>
+                  </a:glow>
+                </a:effectLst>
+                <a:latin typeface="VNI-Times" pitchFamily="2" charset="0"/>
+              </a:rPr>
+              <a:t>Daãu</a:t>
+            </a:r>
+            <a:r>
+              <a:rPr lang="en-US" sz="6000" b="1" kern="10" dirty="0">
+                <a:solidFill>
+                  <a:schemeClr val="bg1"/>
+                </a:solidFill>
+                <a:effectLst>
+                  <a:glow rad="101600">
+                    <a:schemeClr val="tx1">
+                      <a:alpha val="60000"/>
+                    </a:schemeClr>
+                  </a:glow>
+                </a:effectLst>
+                <a:latin typeface="VNI-Times" pitchFamily="2" charset="0"/>
+              </a:rPr>
+              <a:t> con </a:t>
+            </a:r>
+            <a:r>
+              <a:rPr lang="en-US" sz="6000" b="1" kern="10" dirty="0" err="1">
+                <a:solidFill>
+                  <a:schemeClr val="bg1"/>
+                </a:solidFill>
+                <a:effectLst>
+                  <a:glow rad="101600">
+                    <a:schemeClr val="tx1">
+                      <a:alpha val="60000"/>
+                    </a:schemeClr>
+                  </a:glow>
+                </a:effectLst>
+                <a:latin typeface="VNI-Times" pitchFamily="2" charset="0"/>
+              </a:rPr>
+              <a:t>ngöôøi</a:t>
+            </a:r>
+            <a:r>
+              <a:rPr lang="en-US" sz="6000" b="1" kern="10" dirty="0">
+                <a:solidFill>
+                  <a:schemeClr val="bg1"/>
+                </a:solidFill>
+                <a:effectLst>
+                  <a:glow rad="101600">
+                    <a:schemeClr val="tx1">
+                      <a:alpha val="60000"/>
+                    </a:schemeClr>
+                  </a:glow>
+                </a:effectLst>
+                <a:latin typeface="VNI-Times" pitchFamily="2" charset="0"/>
+              </a:rPr>
+              <a:t> </a:t>
             </a:r>
             <a:br>
-              <a:rPr lang="en-US" sz="6000" b="1" kern="10" smtClean="0">
-                <a:solidFill>
-                  <a:schemeClr val="bg1"/>
-                </a:solidFill>
-                <a:effectLst>
-                  <a:glow rad="101600">
-                    <a:schemeClr val="tx1">
-                      <a:alpha val="60000"/>
-                    </a:schemeClr>
-                  </a:glow>
-                </a:effectLst>
-                <a:latin typeface="VNI-Aptima" pitchFamily="2" charset="0"/>
+              <a:rPr lang="en-US" sz="6000" b="1" kern="10" dirty="0">
+                <a:solidFill>
+                  <a:schemeClr val="bg1"/>
+                </a:solidFill>
+                <a:effectLst>
+                  <a:glow rad="101600">
+                    <a:schemeClr val="tx1">
+                      <a:alpha val="60000"/>
+                    </a:schemeClr>
+                  </a:glow>
+                </a:effectLst>
+                <a:latin typeface="VNI-Times" pitchFamily="2" charset="0"/>
               </a:rPr>
             </a:br>
             <a:r>
-              <a:rPr lang="en-US" sz="6000" b="1" kern="10" smtClean="0">
-                <a:solidFill>
-                  <a:schemeClr val="bg1"/>
-                </a:solidFill>
-                <a:effectLst>
-                  <a:glow rad="101600">
-                    <a:schemeClr val="tx1">
-                      <a:alpha val="60000"/>
-                    </a:schemeClr>
-                  </a:glow>
-                </a:effectLst>
-                <a:latin typeface="VNI-Aptima" pitchFamily="2" charset="0"/>
-              </a:rPr>
-              <a:t>choái </a:t>
-            </a:r>
-            <a:r>
-              <a:rPr lang="en-US" sz="6000" b="1" kern="10">
-                <a:solidFill>
-                  <a:schemeClr val="bg1"/>
-                </a:solidFill>
-                <a:effectLst>
-                  <a:glow rad="101600">
-                    <a:schemeClr val="tx1">
-                      <a:alpha val="60000"/>
-                    </a:schemeClr>
-                  </a:glow>
-                </a:effectLst>
-                <a:latin typeface="VNI-Aptima" pitchFamily="2" charset="0"/>
-              </a:rPr>
-              <a:t>boû </a:t>
+              <a:rPr lang="en-US" sz="6000" b="1" kern="10" dirty="0" err="1">
+                <a:solidFill>
+                  <a:schemeClr val="bg1"/>
+                </a:solidFill>
+                <a:effectLst>
+                  <a:glow rad="101600">
+                    <a:schemeClr val="tx1">
+                      <a:alpha val="60000"/>
+                    </a:schemeClr>
+                  </a:glow>
+                </a:effectLst>
+                <a:latin typeface="VNI-Times" pitchFamily="2" charset="0"/>
+              </a:rPr>
+              <a:t>choái</a:t>
+            </a:r>
+            <a:r>
+              <a:rPr lang="en-US" sz="6000" b="1" kern="10" dirty="0">
+                <a:solidFill>
+                  <a:schemeClr val="bg1"/>
+                </a:solidFill>
+                <a:effectLst>
+                  <a:glow rad="101600">
+                    <a:schemeClr val="tx1">
+                      <a:alpha val="60000"/>
+                    </a:schemeClr>
+                  </a:glow>
+                </a:effectLst>
+                <a:latin typeface="VNI-Times" pitchFamily="2" charset="0"/>
+              </a:rPr>
+              <a:t> </a:t>
+            </a:r>
+            <a:r>
+              <a:rPr lang="en-US" sz="6000" b="1" kern="10" dirty="0" err="1">
+                <a:solidFill>
+                  <a:schemeClr val="bg1"/>
+                </a:solidFill>
+                <a:effectLst>
+                  <a:glow rad="101600">
+                    <a:schemeClr val="tx1">
+                      <a:alpha val="60000"/>
+                    </a:schemeClr>
+                  </a:glow>
+                </a:effectLst>
+                <a:latin typeface="VNI-Times" pitchFamily="2" charset="0"/>
+              </a:rPr>
+              <a:t>boû</a:t>
+            </a:r>
+            <a:r>
+              <a:rPr lang="en-US" sz="6000" b="1" kern="10" dirty="0">
+                <a:solidFill>
+                  <a:schemeClr val="bg1"/>
+                </a:solidFill>
+                <a:effectLst>
+                  <a:glow rad="101600">
+                    <a:schemeClr val="tx1">
+                      <a:alpha val="60000"/>
+                    </a:schemeClr>
+                  </a:glow>
+                </a:effectLst>
+                <a:latin typeface="VNI-Times" pitchFamily="2" charset="0"/>
+              </a:rPr>
+              <a:t> </a:t>
             </a:r>
           </a:p>
           <a:p>
             <a:pPr algn="ctr"/>
             <a:r>
-              <a:rPr lang="en-US" sz="6000" b="1" kern="10">
-                <a:solidFill>
-                  <a:schemeClr val="bg1"/>
-                </a:solidFill>
-                <a:effectLst>
-                  <a:glow rad="101600">
-                    <a:schemeClr val="tx1">
-                      <a:alpha val="60000"/>
-                    </a:schemeClr>
-                  </a:glow>
-                </a:effectLst>
-                <a:latin typeface="VNI-Aptima" pitchFamily="2" charset="0"/>
-              </a:rPr>
-              <a:t>khoâng </a:t>
-            </a:r>
-            <a:r>
-              <a:rPr lang="en-US" sz="6000" b="1" kern="10">
-                <a:solidFill>
-                  <a:schemeClr val="bg1"/>
-                </a:solidFill>
-                <a:effectLst>
-                  <a:glow rad="101600">
-                    <a:schemeClr val="tx1">
-                      <a:alpha val="60000"/>
-                    </a:schemeClr>
-                  </a:glow>
-                </a:effectLst>
-                <a:latin typeface="VNI-Aptima" pitchFamily="2" charset="0"/>
-              </a:rPr>
-              <a:t>yeâu </a:t>
-            </a:r>
-            <a:r>
-              <a:rPr lang="en-US" sz="6000" b="1" kern="10" smtClean="0">
-                <a:solidFill>
-                  <a:schemeClr val="bg1"/>
-                </a:solidFill>
-                <a:effectLst>
-                  <a:glow rad="101600">
-                    <a:schemeClr val="tx1">
-                      <a:alpha val="60000"/>
-                    </a:schemeClr>
-                  </a:glow>
-                </a:effectLst>
-                <a:latin typeface="VNI-Aptima" pitchFamily="2" charset="0"/>
-              </a:rPr>
-              <a:t/>
+              <a:rPr lang="en-US" sz="6000" b="1" kern="10" dirty="0" err="1">
+                <a:solidFill>
+                  <a:schemeClr val="bg1"/>
+                </a:solidFill>
+                <a:effectLst>
+                  <a:glow rad="101600">
+                    <a:schemeClr val="tx1">
+                      <a:alpha val="60000"/>
+                    </a:schemeClr>
+                  </a:glow>
+                </a:effectLst>
+                <a:latin typeface="VNI-Times" pitchFamily="2" charset="0"/>
+              </a:rPr>
+              <a:t>khoâng</a:t>
+            </a:r>
+            <a:r>
+              <a:rPr lang="en-US" sz="6000" b="1" kern="10" dirty="0">
+                <a:solidFill>
+                  <a:schemeClr val="bg1"/>
+                </a:solidFill>
+                <a:effectLst>
+                  <a:glow rad="101600">
+                    <a:schemeClr val="tx1">
+                      <a:alpha val="60000"/>
+                    </a:schemeClr>
+                  </a:glow>
+                </a:effectLst>
+                <a:latin typeface="VNI-Times" pitchFamily="2" charset="0"/>
+              </a:rPr>
+              <a:t> </a:t>
+            </a:r>
+            <a:r>
+              <a:rPr lang="en-US" sz="6000" b="1" kern="10" dirty="0" err="1">
+                <a:solidFill>
+                  <a:schemeClr val="bg1"/>
+                </a:solidFill>
+                <a:effectLst>
+                  <a:glow rad="101600">
+                    <a:schemeClr val="tx1">
+                      <a:alpha val="60000"/>
+                    </a:schemeClr>
+                  </a:glow>
+                </a:effectLst>
+                <a:latin typeface="VNI-Times" pitchFamily="2" charset="0"/>
+              </a:rPr>
+              <a:t>yeâu</a:t>
+            </a:r>
+            <a:r>
+              <a:rPr lang="en-US" sz="6000" b="1" kern="10" dirty="0">
+                <a:solidFill>
+                  <a:schemeClr val="bg1"/>
+                </a:solidFill>
+                <a:effectLst>
+                  <a:glow rad="101600">
+                    <a:schemeClr val="tx1">
+                      <a:alpha val="60000"/>
+                    </a:schemeClr>
+                  </a:glow>
+                </a:effectLst>
+                <a:latin typeface="VNI-Times" pitchFamily="2" charset="0"/>
+              </a:rPr>
+              <a:t> </a:t>
             </a:r>
             <a:br>
-              <a:rPr lang="en-US" sz="6000" b="1" kern="10" smtClean="0">
-                <a:solidFill>
-                  <a:schemeClr val="bg1"/>
-                </a:solidFill>
-                <a:effectLst>
-                  <a:glow rad="101600">
-                    <a:schemeClr val="tx1">
-                      <a:alpha val="60000"/>
-                    </a:schemeClr>
-                  </a:glow>
-                </a:effectLst>
-                <a:latin typeface="VNI-Aptima" pitchFamily="2" charset="0"/>
+              <a:rPr lang="en-US" sz="6000" b="1" kern="10" dirty="0">
+                <a:solidFill>
+                  <a:schemeClr val="bg1"/>
+                </a:solidFill>
+                <a:effectLst>
+                  <a:glow rad="101600">
+                    <a:schemeClr val="tx1">
+                      <a:alpha val="60000"/>
+                    </a:schemeClr>
+                  </a:glow>
+                </a:effectLst>
+                <a:latin typeface="VNI-Times" pitchFamily="2" charset="0"/>
               </a:rPr>
             </a:br>
             <a:r>
-              <a:rPr lang="en-US" sz="6000" b="1" kern="10" smtClean="0">
-                <a:solidFill>
-                  <a:schemeClr val="bg1"/>
-                </a:solidFill>
-                <a:effectLst>
-                  <a:glow rad="101600">
-                    <a:schemeClr val="tx1">
-                      <a:alpha val="60000"/>
-                    </a:schemeClr>
-                  </a:glow>
-                </a:effectLst>
-                <a:latin typeface="VNI-Aptima" pitchFamily="2" charset="0"/>
+              <a:rPr lang="en-US" sz="6000" b="1" kern="10" dirty="0" err="1">
+                <a:solidFill>
+                  <a:schemeClr val="bg1"/>
+                </a:solidFill>
+                <a:effectLst>
+                  <a:glow rad="101600">
+                    <a:schemeClr val="tx1">
+                      <a:alpha val="60000"/>
+                    </a:schemeClr>
+                  </a:glow>
+                </a:effectLst>
+                <a:latin typeface="VNI-Times" pitchFamily="2" charset="0"/>
               </a:rPr>
               <a:t>Ngaøi</a:t>
             </a:r>
             <a:r>
-              <a:rPr lang="en-US" sz="6000" b="1" kern="10">
-                <a:solidFill>
-                  <a:schemeClr val="bg1"/>
-                </a:solidFill>
-                <a:effectLst>
-                  <a:glow rad="101600">
-                    <a:schemeClr val="tx1">
-                      <a:alpha val="60000"/>
-                    </a:schemeClr>
-                  </a:glow>
-                </a:effectLst>
-                <a:latin typeface="VNI-Aptima" pitchFamily="2" charset="0"/>
+              <a:rPr lang="en-US" sz="6000" b="1" kern="10" dirty="0">
+                <a:solidFill>
+                  <a:schemeClr val="bg1"/>
+                </a:solidFill>
+                <a:effectLst>
+                  <a:glow rad="101600">
+                    <a:schemeClr val="tx1">
+                      <a:alpha val="60000"/>
+                    </a:schemeClr>
+                  </a:glow>
+                </a:effectLst>
+                <a:latin typeface="VNI-Times" pitchFamily="2" charset="0"/>
               </a:rPr>
               <a:t>.</a:t>
             </a:r>
-            <a:endParaRPr lang="en-US" sz="6000" b="1" kern="10">
-              <a:solidFill>
-                <a:schemeClr val="bg1"/>
-              </a:solidFill>
-              <a:effectLst>
-                <a:glow rad="101600">
-                  <a:schemeClr val="tx1">
-                    <a:alpha val="60000"/>
-                  </a:schemeClr>
-                </a:glow>
-              </a:effectLst>
-              <a:latin typeface="VNI-Aptima" pitchFamily="2" charset="0"/>
-            </a:endParaRPr>
           </a:p>
         </p:txBody>
       </p:sp>
@@ -4423,21 +4944,14 @@
   <p:clrMapOvr>
     <a:masterClrMapping/>
   </p:clrMapOvr>
-  <mc:AlternateContent xmlns:mc="http://schemas.openxmlformats.org/markup-compatibility/2006">
-    <mc:Choice xmlns:p14="http://schemas.microsoft.com/office/powerpoint/2010/main" Requires="p14">
+  <mc:AlternateContent xmlns:mc="http://schemas.openxmlformats.org/markup-compatibility/2006" xmlns:p14="http://schemas.microsoft.com/office/powerpoint/2010/main">
+    <mc:Choice Requires="p14">
       <p:transition p14:dur="0"/>
     </mc:Choice>
-    <mc:Fallback>
+    <mc:Fallback xmlns="">
       <p:transition/>
     </mc:Fallback>
   </mc:AlternateContent>
-  <p:timing>
-    <p:tnLst>
-      <p:par>
-        <p:cTn id="1" dur="indefinite" restart="never" nodeType="tmRoot"/>
-      </p:par>
-    </p:tnLst>
-  </p:timing>
 </p:sld>
 </file>
 
@@ -4523,145 +5037,372 @@
           <a:p>
             <a:pPr algn="ctr"/>
             <a:r>
-              <a:rPr lang="en-US" sz="6000" b="1" kern="10">
-                <a:solidFill>
-                  <a:schemeClr val="bg1"/>
-                </a:solidFill>
-                <a:effectLst>
-                  <a:glow rad="101600">
-                    <a:schemeClr val="tx1">
-                      <a:alpha val="60000"/>
-                    </a:schemeClr>
-                  </a:glow>
-                </a:effectLst>
-                <a:latin typeface="VNI-Aptima" pitchFamily="2" charset="0"/>
-              </a:rPr>
-              <a:t>Ñôùn </a:t>
-            </a:r>
-            <a:r>
-              <a:rPr lang="en-US" sz="6000" b="1" kern="10">
-                <a:solidFill>
-                  <a:schemeClr val="bg1"/>
-                </a:solidFill>
-                <a:effectLst>
-                  <a:glow rad="101600">
-                    <a:schemeClr val="tx1">
-                      <a:alpha val="60000"/>
-                    </a:schemeClr>
-                  </a:glow>
-                </a:effectLst>
-                <a:latin typeface="VNI-Aptima" pitchFamily="2" charset="0"/>
-              </a:rPr>
-              <a:t>ñau </a:t>
-            </a:r>
-            <a:r>
-              <a:rPr lang="en-US" sz="6000" b="1" kern="10" smtClean="0">
-                <a:solidFill>
-                  <a:schemeClr val="bg1"/>
-                </a:solidFill>
-                <a:effectLst>
-                  <a:glow rad="101600">
-                    <a:schemeClr val="tx1">
-                      <a:alpha val="60000"/>
-                    </a:schemeClr>
-                  </a:glow>
-                </a:effectLst>
-                <a:latin typeface="VNI-Aptima" pitchFamily="2" charset="0"/>
-              </a:rPr>
-              <a:t>Ngaøi chòu, Ngaøi </a:t>
+              <a:rPr lang="en-US" sz="6000" b="1" kern="10" dirty="0" err="1">
+                <a:solidFill>
+                  <a:schemeClr val="bg1"/>
+                </a:solidFill>
+                <a:effectLst>
+                  <a:glow rad="101600">
+                    <a:schemeClr val="tx1">
+                      <a:alpha val="60000"/>
+                    </a:schemeClr>
+                  </a:glow>
+                </a:effectLst>
+                <a:latin typeface="VNI-Times" pitchFamily="2" charset="0"/>
+              </a:rPr>
+              <a:t>Ñôùn</a:t>
+            </a:r>
+            <a:r>
+              <a:rPr lang="en-US" sz="6000" b="1" kern="10" dirty="0">
+                <a:solidFill>
+                  <a:schemeClr val="bg1"/>
+                </a:solidFill>
+                <a:effectLst>
+                  <a:glow rad="101600">
+                    <a:schemeClr val="tx1">
+                      <a:alpha val="60000"/>
+                    </a:schemeClr>
+                  </a:glow>
+                </a:effectLst>
+                <a:latin typeface="VNI-Times" pitchFamily="2" charset="0"/>
+              </a:rPr>
+              <a:t> </a:t>
+            </a:r>
+            <a:r>
+              <a:rPr lang="en-US" sz="6000" b="1" kern="10" dirty="0" err="1">
+                <a:solidFill>
+                  <a:schemeClr val="bg1"/>
+                </a:solidFill>
+                <a:effectLst>
+                  <a:glow rad="101600">
+                    <a:schemeClr val="tx1">
+                      <a:alpha val="60000"/>
+                    </a:schemeClr>
+                  </a:glow>
+                </a:effectLst>
+                <a:latin typeface="VNI-Times" pitchFamily="2" charset="0"/>
+              </a:rPr>
+              <a:t>ñau</a:t>
+            </a:r>
+            <a:r>
+              <a:rPr lang="en-US" sz="6000" b="1" kern="10" dirty="0">
+                <a:solidFill>
+                  <a:schemeClr val="bg1"/>
+                </a:solidFill>
+                <a:effectLst>
+                  <a:glow rad="101600">
+                    <a:schemeClr val="tx1">
+                      <a:alpha val="60000"/>
+                    </a:schemeClr>
+                  </a:glow>
+                </a:effectLst>
+                <a:latin typeface="VNI-Times" pitchFamily="2" charset="0"/>
+              </a:rPr>
+              <a:t> </a:t>
+            </a:r>
+            <a:r>
+              <a:rPr lang="en-US" sz="6000" b="1" kern="10" dirty="0" err="1">
+                <a:solidFill>
+                  <a:schemeClr val="bg1"/>
+                </a:solidFill>
+                <a:effectLst>
+                  <a:glow rad="101600">
+                    <a:schemeClr val="tx1">
+                      <a:alpha val="60000"/>
+                    </a:schemeClr>
+                  </a:glow>
+                </a:effectLst>
+                <a:latin typeface="VNI-Times" pitchFamily="2" charset="0"/>
+              </a:rPr>
+              <a:t>Ngaøi</a:t>
+            </a:r>
+            <a:r>
+              <a:rPr lang="en-US" sz="6000" b="1" kern="10" dirty="0">
+                <a:solidFill>
+                  <a:schemeClr val="bg1"/>
+                </a:solidFill>
+                <a:effectLst>
+                  <a:glow rad="101600">
+                    <a:schemeClr val="tx1">
+                      <a:alpha val="60000"/>
+                    </a:schemeClr>
+                  </a:glow>
+                </a:effectLst>
+                <a:latin typeface="VNI-Times" pitchFamily="2" charset="0"/>
+              </a:rPr>
+              <a:t> </a:t>
+            </a:r>
+            <a:r>
+              <a:rPr lang="en-US" sz="6000" b="1" kern="10" dirty="0" err="1">
+                <a:solidFill>
+                  <a:schemeClr val="bg1"/>
+                </a:solidFill>
+                <a:effectLst>
+                  <a:glow rad="101600">
+                    <a:schemeClr val="tx1">
+                      <a:alpha val="60000"/>
+                    </a:schemeClr>
+                  </a:glow>
+                </a:effectLst>
+                <a:latin typeface="VNI-Times" pitchFamily="2" charset="0"/>
+              </a:rPr>
+              <a:t>chòu</a:t>
+            </a:r>
+            <a:r>
+              <a:rPr lang="en-US" sz="6000" b="1" kern="10" dirty="0">
+                <a:solidFill>
+                  <a:schemeClr val="bg1"/>
+                </a:solidFill>
+                <a:effectLst>
+                  <a:glow rad="101600">
+                    <a:schemeClr val="tx1">
+                      <a:alpha val="60000"/>
+                    </a:schemeClr>
+                  </a:glow>
+                </a:effectLst>
+                <a:latin typeface="VNI-Times" pitchFamily="2" charset="0"/>
+              </a:rPr>
+              <a:t>, </a:t>
+            </a:r>
+            <a:r>
+              <a:rPr lang="en-US" sz="6000" b="1" kern="10" dirty="0" err="1">
+                <a:solidFill>
+                  <a:schemeClr val="bg1"/>
+                </a:solidFill>
+                <a:effectLst>
+                  <a:glow rad="101600">
+                    <a:schemeClr val="tx1">
+                      <a:alpha val="60000"/>
+                    </a:schemeClr>
+                  </a:glow>
+                </a:effectLst>
+                <a:latin typeface="VNI-Times" pitchFamily="2" charset="0"/>
+              </a:rPr>
+              <a:t>Ngaøi</a:t>
+            </a:r>
+            <a:r>
+              <a:rPr lang="en-US" sz="6000" b="1" kern="10" dirty="0">
+                <a:solidFill>
+                  <a:schemeClr val="bg1"/>
+                </a:solidFill>
+                <a:effectLst>
+                  <a:glow rad="101600">
+                    <a:schemeClr val="tx1">
+                      <a:alpha val="60000"/>
+                    </a:schemeClr>
+                  </a:glow>
+                </a:effectLst>
+                <a:latin typeface="VNI-Times" pitchFamily="2" charset="0"/>
+              </a:rPr>
+              <a:t> </a:t>
             </a:r>
             <a:br>
-              <a:rPr lang="en-US" sz="6000" b="1" kern="10" smtClean="0">
-                <a:solidFill>
-                  <a:schemeClr val="bg1"/>
-                </a:solidFill>
-                <a:effectLst>
-                  <a:glow rad="101600">
-                    <a:schemeClr val="tx1">
-                      <a:alpha val="60000"/>
-                    </a:schemeClr>
-                  </a:glow>
-                </a:effectLst>
-                <a:latin typeface="VNI-Aptima" pitchFamily="2" charset="0"/>
+              <a:rPr lang="en-US" sz="6000" b="1" kern="10" dirty="0">
+                <a:solidFill>
+                  <a:schemeClr val="bg1"/>
+                </a:solidFill>
+                <a:effectLst>
+                  <a:glow rad="101600">
+                    <a:schemeClr val="tx1">
+                      <a:alpha val="60000"/>
+                    </a:schemeClr>
+                  </a:glow>
+                </a:effectLst>
+                <a:latin typeface="VNI-Times" pitchFamily="2" charset="0"/>
               </a:rPr>
             </a:br>
             <a:r>
-              <a:rPr lang="en-US" sz="6000" b="1" kern="10" smtClean="0">
-                <a:solidFill>
-                  <a:schemeClr val="bg1"/>
-                </a:solidFill>
-                <a:effectLst>
-                  <a:glow rad="101600">
-                    <a:schemeClr val="tx1">
-                      <a:alpha val="60000"/>
-                    </a:schemeClr>
-                  </a:glow>
-                </a:effectLst>
-                <a:latin typeface="VNI-Aptima" pitchFamily="2" charset="0"/>
-              </a:rPr>
-              <a:t>vui </a:t>
-            </a:r>
-            <a:r>
-              <a:rPr lang="en-US" sz="6000" b="1" kern="10">
-                <a:solidFill>
-                  <a:schemeClr val="bg1"/>
-                </a:solidFill>
-                <a:effectLst>
-                  <a:glow rad="101600">
-                    <a:schemeClr val="tx1">
-                      <a:alpha val="60000"/>
-                    </a:schemeClr>
-                  </a:glow>
-                </a:effectLst>
-                <a:latin typeface="VNI-Aptima" pitchFamily="2" charset="0"/>
-              </a:rPr>
-              <a:t>loøng </a:t>
-            </a:r>
-            <a:r>
-              <a:rPr lang="en-US" sz="6000" b="1" kern="10">
-                <a:solidFill>
-                  <a:schemeClr val="bg1"/>
-                </a:solidFill>
-                <a:effectLst>
-                  <a:glow rad="101600">
-                    <a:schemeClr val="tx1">
-                      <a:alpha val="60000"/>
-                    </a:schemeClr>
-                  </a:glow>
-                </a:effectLst>
-                <a:latin typeface="VNI-Aptima" pitchFamily="2" charset="0"/>
-              </a:rPr>
-              <a:t>mang </a:t>
-            </a:r>
-            <a:r>
-              <a:rPr lang="en-US" sz="6000" b="1" kern="10" smtClean="0">
-                <a:solidFill>
-                  <a:schemeClr val="bg1"/>
-                </a:solidFill>
-                <a:effectLst>
-                  <a:glow rad="101600">
-                    <a:schemeClr val="tx1">
-                      <a:alpha val="60000"/>
-                    </a:schemeClr>
-                  </a:glow>
-                </a:effectLst>
-                <a:latin typeface="VNI-Aptima" pitchFamily="2" charset="0"/>
-              </a:rPr>
-              <a:t>vì toäi toâi. </a:t>
-            </a:r>
-            <a:endParaRPr lang="en-US" sz="6000" b="1" kern="10">
-              <a:solidFill>
-                <a:schemeClr val="bg1"/>
-              </a:solidFill>
-              <a:effectLst>
-                <a:glow rad="101600">
-                  <a:schemeClr val="tx1">
-                    <a:alpha val="60000"/>
-                  </a:schemeClr>
-                </a:glow>
-              </a:effectLst>
-              <a:latin typeface="VNI-Aptima" pitchFamily="2" charset="0"/>
-            </a:endParaRPr>
+              <a:rPr lang="en-US" sz="6000" b="1" kern="10" dirty="0" err="1">
+                <a:solidFill>
+                  <a:schemeClr val="bg1"/>
+                </a:solidFill>
+                <a:effectLst>
+                  <a:glow rad="101600">
+                    <a:schemeClr val="tx1">
+                      <a:alpha val="60000"/>
+                    </a:schemeClr>
+                  </a:glow>
+                </a:effectLst>
+                <a:latin typeface="VNI-Times" pitchFamily="2" charset="0"/>
+              </a:rPr>
+              <a:t>vui</a:t>
+            </a:r>
+            <a:r>
+              <a:rPr lang="en-US" sz="6000" b="1" kern="10" dirty="0">
+                <a:solidFill>
+                  <a:schemeClr val="bg1"/>
+                </a:solidFill>
+                <a:effectLst>
+                  <a:glow rad="101600">
+                    <a:schemeClr val="tx1">
+                      <a:alpha val="60000"/>
+                    </a:schemeClr>
+                  </a:glow>
+                </a:effectLst>
+                <a:latin typeface="VNI-Times" pitchFamily="2" charset="0"/>
+              </a:rPr>
+              <a:t> </a:t>
+            </a:r>
+            <a:r>
+              <a:rPr lang="en-US" sz="6000" b="1" kern="10" dirty="0" err="1">
+                <a:solidFill>
+                  <a:schemeClr val="bg1"/>
+                </a:solidFill>
+                <a:effectLst>
+                  <a:glow rad="101600">
+                    <a:schemeClr val="tx1">
+                      <a:alpha val="60000"/>
+                    </a:schemeClr>
+                  </a:glow>
+                </a:effectLst>
+                <a:latin typeface="VNI-Times" pitchFamily="2" charset="0"/>
+              </a:rPr>
+              <a:t>loøng</a:t>
+            </a:r>
+            <a:r>
+              <a:rPr lang="en-US" sz="6000" b="1" kern="10" dirty="0">
+                <a:solidFill>
+                  <a:schemeClr val="bg1"/>
+                </a:solidFill>
+                <a:effectLst>
+                  <a:glow rad="101600">
+                    <a:schemeClr val="tx1">
+                      <a:alpha val="60000"/>
+                    </a:schemeClr>
+                  </a:glow>
+                </a:effectLst>
+                <a:latin typeface="VNI-Times" pitchFamily="2" charset="0"/>
+              </a:rPr>
+              <a:t> </a:t>
+            </a:r>
+            <a:r>
+              <a:rPr lang="en-US" sz="6000" b="1" kern="10" dirty="0" err="1">
+                <a:solidFill>
+                  <a:schemeClr val="bg1"/>
+                </a:solidFill>
+                <a:effectLst>
+                  <a:glow rad="101600">
+                    <a:schemeClr val="tx1">
+                      <a:alpha val="60000"/>
+                    </a:schemeClr>
+                  </a:glow>
+                </a:effectLst>
+                <a:latin typeface="VNI-Times" pitchFamily="2" charset="0"/>
+              </a:rPr>
+              <a:t>mang</a:t>
+            </a:r>
+            <a:r>
+              <a:rPr lang="en-US" sz="6000" b="1" kern="10" dirty="0">
+                <a:solidFill>
+                  <a:schemeClr val="bg1"/>
+                </a:solidFill>
+                <a:effectLst>
+                  <a:glow rad="101600">
+                    <a:schemeClr val="tx1">
+                      <a:alpha val="60000"/>
+                    </a:schemeClr>
+                  </a:glow>
+                </a:effectLst>
+                <a:latin typeface="VNI-Times" pitchFamily="2" charset="0"/>
+              </a:rPr>
+              <a:t> </a:t>
+            </a:r>
+            <a:r>
+              <a:rPr lang="en-US" sz="6000" b="1" kern="10" dirty="0" err="1">
+                <a:solidFill>
+                  <a:schemeClr val="bg1"/>
+                </a:solidFill>
+                <a:effectLst>
+                  <a:glow rad="101600">
+                    <a:schemeClr val="tx1">
+                      <a:alpha val="60000"/>
+                    </a:schemeClr>
+                  </a:glow>
+                </a:effectLst>
+                <a:latin typeface="VNI-Times" pitchFamily="2" charset="0"/>
+              </a:rPr>
+              <a:t>vì</a:t>
+            </a:r>
+            <a:r>
+              <a:rPr lang="en-US" sz="6000" b="1" kern="10" dirty="0">
+                <a:solidFill>
+                  <a:schemeClr val="bg1"/>
+                </a:solidFill>
+                <a:effectLst>
+                  <a:glow rad="101600">
+                    <a:schemeClr val="tx1">
+                      <a:alpha val="60000"/>
+                    </a:schemeClr>
+                  </a:glow>
+                </a:effectLst>
+                <a:latin typeface="VNI-Times" pitchFamily="2" charset="0"/>
+              </a:rPr>
+              <a:t> </a:t>
+            </a:r>
+            <a:r>
+              <a:rPr lang="en-US" sz="6000" b="1" kern="10" dirty="0" err="1">
+                <a:solidFill>
+                  <a:schemeClr val="bg1"/>
+                </a:solidFill>
+                <a:effectLst>
+                  <a:glow rad="101600">
+                    <a:schemeClr val="tx1">
+                      <a:alpha val="60000"/>
+                    </a:schemeClr>
+                  </a:glow>
+                </a:effectLst>
+                <a:latin typeface="VNI-Times" pitchFamily="2" charset="0"/>
+              </a:rPr>
+              <a:t>toäi</a:t>
+            </a:r>
+            <a:r>
+              <a:rPr lang="en-US" sz="6000" b="1" kern="10" dirty="0">
+                <a:solidFill>
+                  <a:schemeClr val="bg1"/>
+                </a:solidFill>
+                <a:effectLst>
+                  <a:glow rad="101600">
+                    <a:schemeClr val="tx1">
+                      <a:alpha val="60000"/>
+                    </a:schemeClr>
+                  </a:glow>
+                </a:effectLst>
+                <a:latin typeface="VNI-Times" pitchFamily="2" charset="0"/>
+              </a:rPr>
+              <a:t> </a:t>
+            </a:r>
+            <a:r>
+              <a:rPr lang="en-US" sz="6000" b="1" kern="10" dirty="0" err="1">
+                <a:solidFill>
+                  <a:schemeClr val="bg1"/>
+                </a:solidFill>
+                <a:effectLst>
+                  <a:glow rad="101600">
+                    <a:schemeClr val="tx1">
+                      <a:alpha val="60000"/>
+                    </a:schemeClr>
+                  </a:glow>
+                </a:effectLst>
+                <a:latin typeface="VNI-Times" pitchFamily="2" charset="0"/>
+              </a:rPr>
+              <a:t>toâi</a:t>
+            </a:r>
+            <a:r>
+              <a:rPr lang="en-US" sz="6000" b="1" kern="10" dirty="0">
+                <a:solidFill>
+                  <a:schemeClr val="bg1"/>
+                </a:solidFill>
+                <a:effectLst>
+                  <a:glow rad="101600">
+                    <a:schemeClr val="tx1">
+                      <a:alpha val="60000"/>
+                    </a:schemeClr>
+                  </a:glow>
+                </a:effectLst>
+                <a:latin typeface="VNI-Times" pitchFamily="2" charset="0"/>
+              </a:rPr>
+              <a:t>. </a:t>
+            </a:r>
           </a:p>
         </p:txBody>
       </p:sp>
@@ -4670,21 +5411,14 @@
   <p:clrMapOvr>
     <a:masterClrMapping/>
   </p:clrMapOvr>
-  <mc:AlternateContent xmlns:mc="http://schemas.openxmlformats.org/markup-compatibility/2006">
-    <mc:Choice xmlns:p14="http://schemas.microsoft.com/office/powerpoint/2010/main" Requires="p14">
+  <mc:AlternateContent xmlns:mc="http://schemas.openxmlformats.org/markup-compatibility/2006" xmlns:p14="http://schemas.microsoft.com/office/powerpoint/2010/main">
+    <mc:Choice Requires="p14">
       <p:transition p14:dur="0"/>
     </mc:Choice>
-    <mc:Fallback>
+    <mc:Fallback xmlns="">
       <p:transition/>
     </mc:Fallback>
   </mc:AlternateContent>
-  <p:timing>
-    <p:tnLst>
-      <p:par>
-        <p:cTn id="1" dur="indefinite" restart="never" nodeType="tmRoot"/>
-      </p:par>
-    </p:tnLst>
-  </p:timing>
 </p:sld>
 </file>
 
@@ -4783,71 +5517,295 @@
           <a:p>
             <a:pPr algn="ctr"/>
             <a:r>
-              <a:rPr lang="en-US" sz="6000" b="1" kern="10">
-                <a:solidFill>
-                  <a:schemeClr val="bg1"/>
-                </a:solidFill>
-                <a:effectLst>
-                  <a:glow rad="101600">
-                    <a:schemeClr val="tx1">
-                      <a:alpha val="60000"/>
-                    </a:schemeClr>
-                  </a:glow>
-                </a:effectLst>
-                <a:latin typeface="VNI-Aptima" pitchFamily="2" charset="0"/>
-              </a:rPr>
-              <a:t>Vöôït treân heát naêng quyeàn,</a:t>
+              <a:rPr lang="en-US" sz="6000" b="1" kern="10" dirty="0" err="1">
+                <a:solidFill>
+                  <a:schemeClr val="bg1"/>
+                </a:solidFill>
+                <a:effectLst>
+                  <a:glow rad="101600">
+                    <a:schemeClr val="tx1">
+                      <a:alpha val="60000"/>
+                    </a:schemeClr>
+                  </a:glow>
+                </a:effectLst>
+                <a:latin typeface="VNI-Times" pitchFamily="2" charset="0"/>
+              </a:rPr>
+              <a:t>Vöôït</a:t>
+            </a:r>
+            <a:r>
+              <a:rPr lang="en-US" sz="6000" b="1" kern="10" dirty="0">
+                <a:solidFill>
+                  <a:schemeClr val="bg1"/>
+                </a:solidFill>
+                <a:effectLst>
+                  <a:glow rad="101600">
+                    <a:schemeClr val="tx1">
+                      <a:alpha val="60000"/>
+                    </a:schemeClr>
+                  </a:glow>
+                </a:effectLst>
+                <a:latin typeface="VNI-Times" pitchFamily="2" charset="0"/>
+              </a:rPr>
+              <a:t> </a:t>
+            </a:r>
+            <a:r>
+              <a:rPr lang="en-US" sz="6000" b="1" kern="10" dirty="0" err="1">
+                <a:solidFill>
+                  <a:schemeClr val="bg1"/>
+                </a:solidFill>
+                <a:effectLst>
+                  <a:glow rad="101600">
+                    <a:schemeClr val="tx1">
+                      <a:alpha val="60000"/>
+                    </a:schemeClr>
+                  </a:glow>
+                </a:effectLst>
+                <a:latin typeface="VNI-Times" pitchFamily="2" charset="0"/>
+              </a:rPr>
+              <a:t>treân</a:t>
+            </a:r>
+            <a:r>
+              <a:rPr lang="en-US" sz="6000" b="1" kern="10" dirty="0">
+                <a:solidFill>
+                  <a:schemeClr val="bg1"/>
+                </a:solidFill>
+                <a:effectLst>
+                  <a:glow rad="101600">
+                    <a:schemeClr val="tx1">
+                      <a:alpha val="60000"/>
+                    </a:schemeClr>
+                  </a:glow>
+                </a:effectLst>
+                <a:latin typeface="VNI-Times" pitchFamily="2" charset="0"/>
+              </a:rPr>
+              <a:t> </a:t>
+            </a:r>
+            <a:r>
+              <a:rPr lang="en-US" sz="6000" b="1" kern="10" dirty="0" err="1">
+                <a:solidFill>
+                  <a:schemeClr val="bg1"/>
+                </a:solidFill>
+                <a:effectLst>
+                  <a:glow rad="101600">
+                    <a:schemeClr val="tx1">
+                      <a:alpha val="60000"/>
+                    </a:schemeClr>
+                  </a:glow>
+                </a:effectLst>
+                <a:latin typeface="VNI-Times" pitchFamily="2" charset="0"/>
+              </a:rPr>
+              <a:t>heát</a:t>
+            </a:r>
+            <a:r>
+              <a:rPr lang="en-US" sz="6000" b="1" kern="10" dirty="0">
+                <a:solidFill>
+                  <a:schemeClr val="bg1"/>
+                </a:solidFill>
+                <a:effectLst>
+                  <a:glow rad="101600">
+                    <a:schemeClr val="tx1">
+                      <a:alpha val="60000"/>
+                    </a:schemeClr>
+                  </a:glow>
+                </a:effectLst>
+                <a:latin typeface="VNI-Times" pitchFamily="2" charset="0"/>
+              </a:rPr>
+              <a:t> </a:t>
+            </a:r>
+            <a:r>
+              <a:rPr lang="en-US" sz="6000" b="1" kern="10" dirty="0" err="1">
+                <a:solidFill>
+                  <a:schemeClr val="bg1"/>
+                </a:solidFill>
+                <a:effectLst>
+                  <a:glow rad="101600">
+                    <a:schemeClr val="tx1">
+                      <a:alpha val="60000"/>
+                    </a:schemeClr>
+                  </a:glow>
+                </a:effectLst>
+                <a:latin typeface="VNI-Times" pitchFamily="2" charset="0"/>
+              </a:rPr>
+              <a:t>naêng</a:t>
+            </a:r>
+            <a:r>
+              <a:rPr lang="en-US" sz="6000" b="1" kern="10" dirty="0">
+                <a:solidFill>
+                  <a:schemeClr val="bg1"/>
+                </a:solidFill>
+                <a:effectLst>
+                  <a:glow rad="101600">
+                    <a:schemeClr val="tx1">
+                      <a:alpha val="60000"/>
+                    </a:schemeClr>
+                  </a:glow>
+                </a:effectLst>
+                <a:latin typeface="VNI-Times" pitchFamily="2" charset="0"/>
+              </a:rPr>
+              <a:t> </a:t>
+            </a:r>
+            <a:r>
+              <a:rPr lang="en-US" sz="6000" b="1" kern="10" dirty="0" err="1">
+                <a:solidFill>
+                  <a:schemeClr val="bg1"/>
+                </a:solidFill>
+                <a:effectLst>
+                  <a:glow rad="101600">
+                    <a:schemeClr val="tx1">
+                      <a:alpha val="60000"/>
+                    </a:schemeClr>
+                  </a:glow>
+                </a:effectLst>
+                <a:latin typeface="VNI-Times" pitchFamily="2" charset="0"/>
+              </a:rPr>
+              <a:t>quyeàn</a:t>
+            </a:r>
+            <a:r>
+              <a:rPr lang="en-US" sz="6000" b="1" kern="10" dirty="0">
+                <a:solidFill>
+                  <a:schemeClr val="bg1"/>
+                </a:solidFill>
+                <a:effectLst>
+                  <a:glow rad="101600">
+                    <a:schemeClr val="tx1">
+                      <a:alpha val="60000"/>
+                    </a:schemeClr>
+                  </a:glow>
+                </a:effectLst>
+                <a:latin typeface="VNI-Times" pitchFamily="2" charset="0"/>
+              </a:rPr>
+              <a:t>,</a:t>
             </a:r>
           </a:p>
           <a:p>
             <a:pPr algn="ctr"/>
             <a:r>
-              <a:rPr lang="en-US" sz="6000" b="1" kern="10">
-                <a:solidFill>
-                  <a:schemeClr val="bg1"/>
-                </a:solidFill>
-                <a:effectLst>
-                  <a:glow rad="101600">
-                    <a:schemeClr val="tx1">
-                      <a:alpha val="60000"/>
-                    </a:schemeClr>
-                  </a:glow>
-                </a:effectLst>
-                <a:latin typeface="VNI-Aptima" pitchFamily="2" charset="0"/>
-              </a:rPr>
-              <a:t>v</a:t>
-            </a:r>
-            <a:r>
-              <a:rPr lang="en-US" sz="6000" b="1" kern="10" smtClean="0">
-                <a:solidFill>
-                  <a:schemeClr val="bg1"/>
-                </a:solidFill>
-                <a:effectLst>
-                  <a:glow rad="101600">
-                    <a:schemeClr val="tx1">
-                      <a:alpha val="60000"/>
-                    </a:schemeClr>
-                  </a:glow>
-                </a:effectLst>
-                <a:latin typeface="VNI-Aptima" pitchFamily="2" charset="0"/>
-              </a:rPr>
-              <a:t>öôït </a:t>
-            </a:r>
-            <a:r>
-              <a:rPr lang="en-US" sz="6000" b="1" kern="10">
-                <a:solidFill>
-                  <a:schemeClr val="bg1"/>
-                </a:solidFill>
-                <a:effectLst>
-                  <a:glow rad="101600">
-                    <a:schemeClr val="tx1">
-                      <a:alpha val="60000"/>
-                    </a:schemeClr>
-                  </a:glow>
-                </a:effectLst>
-                <a:latin typeface="VNI-Aptima" pitchFamily="2" charset="0"/>
-              </a:rPr>
-              <a:t>treân caùc vua.</a:t>
+              <a:rPr lang="en-US" sz="6000" b="1" kern="10" dirty="0" err="1">
+                <a:solidFill>
+                  <a:schemeClr val="bg1"/>
+                </a:solidFill>
+                <a:effectLst>
+                  <a:glow rad="101600">
+                    <a:schemeClr val="tx1">
+                      <a:alpha val="60000"/>
+                    </a:schemeClr>
+                  </a:glow>
+                </a:effectLst>
+                <a:latin typeface="VNI-Times" pitchFamily="2" charset="0"/>
+              </a:rPr>
+              <a:t>vöôït</a:t>
+            </a:r>
+            <a:r>
+              <a:rPr lang="en-US" sz="6000" b="1" kern="10" dirty="0">
+                <a:solidFill>
+                  <a:schemeClr val="bg1"/>
+                </a:solidFill>
+                <a:effectLst>
+                  <a:glow rad="101600">
+                    <a:schemeClr val="tx1">
+                      <a:alpha val="60000"/>
+                    </a:schemeClr>
+                  </a:glow>
+                </a:effectLst>
+                <a:latin typeface="VNI-Times" pitchFamily="2" charset="0"/>
+              </a:rPr>
+              <a:t> </a:t>
+            </a:r>
+            <a:r>
+              <a:rPr lang="en-US" sz="6000" b="1" kern="10" dirty="0" err="1">
+                <a:solidFill>
+                  <a:schemeClr val="bg1"/>
+                </a:solidFill>
+                <a:effectLst>
+                  <a:glow rad="101600">
+                    <a:schemeClr val="tx1">
+                      <a:alpha val="60000"/>
+                    </a:schemeClr>
+                  </a:glow>
+                </a:effectLst>
+                <a:latin typeface="VNI-Times" pitchFamily="2" charset="0"/>
+              </a:rPr>
+              <a:t>treân</a:t>
+            </a:r>
+            <a:r>
+              <a:rPr lang="en-US" sz="6000" b="1" kern="10" dirty="0">
+                <a:solidFill>
+                  <a:schemeClr val="bg1"/>
+                </a:solidFill>
+                <a:effectLst>
+                  <a:glow rad="101600">
+                    <a:schemeClr val="tx1">
+                      <a:alpha val="60000"/>
+                    </a:schemeClr>
+                  </a:glow>
+                </a:effectLst>
+                <a:latin typeface="VNI-Times" pitchFamily="2" charset="0"/>
+              </a:rPr>
+              <a:t> </a:t>
+            </a:r>
+            <a:r>
+              <a:rPr lang="en-US" sz="6000" b="1" kern="10" dirty="0" err="1">
+                <a:solidFill>
+                  <a:schemeClr val="bg1"/>
+                </a:solidFill>
+                <a:effectLst>
+                  <a:glow rad="101600">
+                    <a:schemeClr val="tx1">
+                      <a:alpha val="60000"/>
+                    </a:schemeClr>
+                  </a:glow>
+                </a:effectLst>
+                <a:latin typeface="VNI-Times" pitchFamily="2" charset="0"/>
+              </a:rPr>
+              <a:t>caùc</a:t>
+            </a:r>
+            <a:r>
+              <a:rPr lang="en-US" sz="6000" b="1" kern="10" dirty="0">
+                <a:solidFill>
+                  <a:schemeClr val="bg1"/>
+                </a:solidFill>
+                <a:effectLst>
+                  <a:glow rad="101600">
+                    <a:schemeClr val="tx1">
+                      <a:alpha val="60000"/>
+                    </a:schemeClr>
+                  </a:glow>
+                </a:effectLst>
+                <a:latin typeface="VNI-Times" pitchFamily="2" charset="0"/>
+              </a:rPr>
+              <a:t> </a:t>
+            </a:r>
+            <a:r>
+              <a:rPr lang="en-US" sz="6000" b="1" kern="10" dirty="0" err="1">
+                <a:solidFill>
+                  <a:schemeClr val="bg1"/>
+                </a:solidFill>
+                <a:effectLst>
+                  <a:glow rad="101600">
+                    <a:schemeClr val="tx1">
+                      <a:alpha val="60000"/>
+                    </a:schemeClr>
+                  </a:glow>
+                </a:effectLst>
+                <a:latin typeface="VNI-Times" pitchFamily="2" charset="0"/>
+              </a:rPr>
+              <a:t>vua</a:t>
+            </a:r>
+            <a:r>
+              <a:rPr lang="en-US" sz="6000" b="1" kern="10" dirty="0">
+                <a:solidFill>
+                  <a:schemeClr val="bg1"/>
+                </a:solidFill>
+                <a:effectLst>
+                  <a:glow rad="101600">
+                    <a:schemeClr val="tx1">
+                      <a:alpha val="60000"/>
+                    </a:schemeClr>
+                  </a:glow>
+                </a:effectLst>
+                <a:latin typeface="VNI-Times" pitchFamily="2" charset="0"/>
+              </a:rPr>
+              <a:t>.</a:t>
             </a:r>
           </a:p>
         </p:txBody>
@@ -4860,13 +5818,6 @@
   <p:transition spd="slow">
     <p:randomBar dir="vert"/>
   </p:transition>
-  <p:timing>
-    <p:tnLst>
-      <p:par>
-        <p:cTn id="1" dur="indefinite" restart="never" nodeType="tmRoot"/>
-      </p:par>
-    </p:tnLst>
-  </p:timing>
 </p:sld>
 </file>
 
@@ -4910,147 +5861,371 @@
           <a:p>
             <a:pPr algn="ctr"/>
             <a:r>
-              <a:rPr lang="en-US" sz="6000" b="1" kern="10">
-                <a:solidFill>
-                  <a:schemeClr val="bg1"/>
-                </a:solidFill>
-                <a:effectLst>
-                  <a:glow rad="101600">
-                    <a:schemeClr val="tx1">
-                      <a:alpha val="60000"/>
-                    </a:schemeClr>
-                  </a:glow>
-                </a:effectLst>
-                <a:latin typeface="VNI-Aptima" pitchFamily="2" charset="0"/>
-              </a:rPr>
-              <a:t>Vöôït </a:t>
+              <a:rPr lang="en-US" sz="6000" b="1" kern="10" dirty="0" err="1">
+                <a:solidFill>
+                  <a:schemeClr val="bg1"/>
+                </a:solidFill>
+                <a:effectLst>
+                  <a:glow rad="101600">
+                    <a:schemeClr val="tx1">
+                      <a:alpha val="60000"/>
+                    </a:schemeClr>
+                  </a:glow>
+                </a:effectLst>
+                <a:latin typeface="VNI-Times" pitchFamily="2" charset="0"/>
+              </a:rPr>
+              <a:t>Vöôït</a:t>
+            </a:r>
+            <a:r>
+              <a:rPr lang="en-US" sz="6000" b="1" kern="10" dirty="0">
+                <a:solidFill>
+                  <a:schemeClr val="bg1"/>
+                </a:solidFill>
+                <a:effectLst>
+                  <a:glow rad="101600">
+                    <a:schemeClr val="tx1">
+                      <a:alpha val="60000"/>
+                    </a:schemeClr>
+                  </a:glow>
+                </a:effectLst>
+                <a:latin typeface="VNI-Times" pitchFamily="2" charset="0"/>
+              </a:rPr>
+              <a:t> </a:t>
             </a:r>
           </a:p>
           <a:p>
             <a:pPr algn="ctr"/>
             <a:r>
-              <a:rPr lang="en-US" sz="6000" b="1" kern="10">
-                <a:solidFill>
-                  <a:schemeClr val="bg1"/>
-                </a:solidFill>
-                <a:effectLst>
-                  <a:glow rad="101600">
-                    <a:schemeClr val="tx1">
-                      <a:alpha val="60000"/>
-                    </a:schemeClr>
-                  </a:glow>
-                </a:effectLst>
-                <a:latin typeface="VNI-Aptima" pitchFamily="2" charset="0"/>
-              </a:rPr>
-              <a:t>treân heát </a:t>
+              <a:rPr lang="en-US" sz="6000" b="1" kern="10" dirty="0" err="1">
+                <a:solidFill>
+                  <a:schemeClr val="bg1"/>
+                </a:solidFill>
+                <a:effectLst>
+                  <a:glow rad="101600">
+                    <a:schemeClr val="tx1">
+                      <a:alpha val="60000"/>
+                    </a:schemeClr>
+                  </a:glow>
+                </a:effectLst>
+                <a:latin typeface="VNI-Times" pitchFamily="2" charset="0"/>
+              </a:rPr>
+              <a:t>treân</a:t>
+            </a:r>
+            <a:r>
+              <a:rPr lang="en-US" sz="6000" b="1" kern="10" dirty="0">
+                <a:solidFill>
+                  <a:schemeClr val="bg1"/>
+                </a:solidFill>
+                <a:effectLst>
+                  <a:glow rad="101600">
+                    <a:schemeClr val="tx1">
+                      <a:alpha val="60000"/>
+                    </a:schemeClr>
+                  </a:glow>
+                </a:effectLst>
+                <a:latin typeface="VNI-Times" pitchFamily="2" charset="0"/>
+              </a:rPr>
+              <a:t> </a:t>
+            </a:r>
+            <a:r>
+              <a:rPr lang="en-US" sz="6000" b="1" kern="10" dirty="0" err="1">
+                <a:solidFill>
+                  <a:schemeClr val="bg1"/>
+                </a:solidFill>
+                <a:effectLst>
+                  <a:glow rad="101600">
+                    <a:schemeClr val="tx1">
+                      <a:alpha val="60000"/>
+                    </a:schemeClr>
+                  </a:glow>
+                </a:effectLst>
+                <a:latin typeface="VNI-Times" pitchFamily="2" charset="0"/>
+              </a:rPr>
+              <a:t>heát</a:t>
+            </a:r>
+            <a:r>
+              <a:rPr lang="en-US" sz="6000" b="1" kern="10" dirty="0">
+                <a:solidFill>
+                  <a:schemeClr val="bg1"/>
+                </a:solidFill>
+                <a:effectLst>
+                  <a:glow rad="101600">
+                    <a:schemeClr val="tx1">
+                      <a:alpha val="60000"/>
+                    </a:schemeClr>
+                  </a:glow>
+                </a:effectLst>
+                <a:latin typeface="VNI-Times" pitchFamily="2" charset="0"/>
+              </a:rPr>
+              <a:t> </a:t>
             </a:r>
           </a:p>
           <a:p>
             <a:pPr algn="ctr"/>
             <a:r>
-              <a:rPr lang="en-US" sz="6000" b="1" kern="10">
-                <a:solidFill>
-                  <a:schemeClr val="bg1"/>
-                </a:solidFill>
-                <a:effectLst>
-                  <a:glow rad="101600">
-                    <a:schemeClr val="tx1">
-                      <a:alpha val="60000"/>
-                    </a:schemeClr>
-                  </a:glow>
-                </a:effectLst>
-                <a:latin typeface="VNI-Aptima" pitchFamily="2" charset="0"/>
-              </a:rPr>
-              <a:t>thieân nhieân,</a:t>
+              <a:rPr lang="en-US" sz="6000" b="1" kern="10" dirty="0" err="1">
+                <a:solidFill>
+                  <a:schemeClr val="bg1"/>
+                </a:solidFill>
+                <a:effectLst>
+                  <a:glow rad="101600">
+                    <a:schemeClr val="tx1">
+                      <a:alpha val="60000"/>
+                    </a:schemeClr>
+                  </a:glow>
+                </a:effectLst>
+                <a:latin typeface="VNI-Times" pitchFamily="2" charset="0"/>
+              </a:rPr>
+              <a:t>thieân</a:t>
+            </a:r>
+            <a:r>
+              <a:rPr lang="en-US" sz="6000" b="1" kern="10" dirty="0">
+                <a:solidFill>
+                  <a:schemeClr val="bg1"/>
+                </a:solidFill>
+                <a:effectLst>
+                  <a:glow rad="101600">
+                    <a:schemeClr val="tx1">
+                      <a:alpha val="60000"/>
+                    </a:schemeClr>
+                  </a:glow>
+                </a:effectLst>
+                <a:latin typeface="VNI-Times" pitchFamily="2" charset="0"/>
+              </a:rPr>
+              <a:t> </a:t>
+            </a:r>
+            <a:r>
+              <a:rPr lang="en-US" sz="6000" b="1" kern="10" dirty="0" err="1">
+                <a:solidFill>
+                  <a:schemeClr val="bg1"/>
+                </a:solidFill>
+                <a:effectLst>
+                  <a:glow rad="101600">
+                    <a:schemeClr val="tx1">
+                      <a:alpha val="60000"/>
+                    </a:schemeClr>
+                  </a:glow>
+                </a:effectLst>
+                <a:latin typeface="VNI-Times" pitchFamily="2" charset="0"/>
+              </a:rPr>
+              <a:t>nhieân</a:t>
+            </a:r>
+            <a:r>
+              <a:rPr lang="en-US" sz="6000" b="1" kern="10" dirty="0">
+                <a:solidFill>
+                  <a:schemeClr val="bg1"/>
+                </a:solidFill>
+                <a:effectLst>
+                  <a:glow rad="101600">
+                    <a:schemeClr val="tx1">
+                      <a:alpha val="60000"/>
+                    </a:schemeClr>
+                  </a:glow>
+                </a:effectLst>
+                <a:latin typeface="VNI-Times" pitchFamily="2" charset="0"/>
+              </a:rPr>
+              <a:t>,</a:t>
             </a:r>
           </a:p>
           <a:p>
             <a:pPr algn="ctr"/>
             <a:r>
-              <a:rPr lang="en-US" sz="6000" b="1" kern="10">
-                <a:solidFill>
-                  <a:schemeClr val="bg1"/>
-                </a:solidFill>
-                <a:effectLst>
-                  <a:glow rad="101600">
-                    <a:schemeClr val="tx1">
-                      <a:alpha val="60000"/>
-                    </a:schemeClr>
-                  </a:glow>
-                </a:effectLst>
-                <a:latin typeface="VNI-Aptima" pitchFamily="2" charset="0"/>
-              </a:rPr>
-              <a:t>t</a:t>
-            </a:r>
-            <a:r>
-              <a:rPr lang="en-US" sz="6000" b="1" kern="10" smtClean="0">
-                <a:solidFill>
-                  <a:schemeClr val="bg1"/>
-                </a:solidFill>
-                <a:effectLst>
-                  <a:glow rad="101600">
-                    <a:schemeClr val="tx1">
-                      <a:alpha val="60000"/>
-                    </a:schemeClr>
-                  </a:glow>
-                </a:effectLst>
-                <a:latin typeface="VNI-Aptima" pitchFamily="2" charset="0"/>
-              </a:rPr>
-              <a:t>reân </a:t>
-            </a:r>
-            <a:r>
-              <a:rPr lang="en-US" sz="6000" b="1" kern="10">
-                <a:solidFill>
-                  <a:schemeClr val="bg1"/>
-                </a:solidFill>
-                <a:effectLst>
-                  <a:glow rad="101600">
-                    <a:schemeClr val="tx1">
-                      <a:alpha val="60000"/>
-                    </a:schemeClr>
-                  </a:glow>
-                </a:effectLst>
-                <a:latin typeface="VNI-Aptima" pitchFamily="2" charset="0"/>
-              </a:rPr>
-              <a:t>caû </a:t>
+              <a:rPr lang="en-US" sz="6000" b="1" kern="10" dirty="0" err="1">
+                <a:solidFill>
+                  <a:schemeClr val="bg1"/>
+                </a:solidFill>
+                <a:effectLst>
+                  <a:glow rad="101600">
+                    <a:schemeClr val="tx1">
+                      <a:alpha val="60000"/>
+                    </a:schemeClr>
+                  </a:glow>
+                </a:effectLst>
+                <a:latin typeface="VNI-Times" pitchFamily="2" charset="0"/>
+              </a:rPr>
+              <a:t>treân</a:t>
+            </a:r>
+            <a:r>
+              <a:rPr lang="en-US" sz="6000" b="1" kern="10" dirty="0">
+                <a:solidFill>
+                  <a:schemeClr val="bg1"/>
+                </a:solidFill>
+                <a:effectLst>
+                  <a:glow rad="101600">
+                    <a:schemeClr val="tx1">
+                      <a:alpha val="60000"/>
+                    </a:schemeClr>
+                  </a:glow>
+                </a:effectLst>
+                <a:latin typeface="VNI-Times" pitchFamily="2" charset="0"/>
+              </a:rPr>
+              <a:t> </a:t>
+            </a:r>
+            <a:r>
+              <a:rPr lang="en-US" sz="6000" b="1" kern="10" dirty="0" err="1">
+                <a:solidFill>
+                  <a:schemeClr val="bg1"/>
+                </a:solidFill>
+                <a:effectLst>
+                  <a:glow rad="101600">
+                    <a:schemeClr val="tx1">
+                      <a:alpha val="60000"/>
+                    </a:schemeClr>
+                  </a:glow>
+                </a:effectLst>
+                <a:latin typeface="VNI-Times" pitchFamily="2" charset="0"/>
+              </a:rPr>
+              <a:t>caû</a:t>
+            </a:r>
+            <a:r>
+              <a:rPr lang="en-US" sz="6000" b="1" kern="10" dirty="0">
+                <a:solidFill>
+                  <a:schemeClr val="bg1"/>
+                </a:solidFill>
+                <a:effectLst>
+                  <a:glow rad="101600">
+                    <a:schemeClr val="tx1">
+                      <a:alpha val="60000"/>
+                    </a:schemeClr>
+                  </a:glow>
+                </a:effectLst>
+                <a:latin typeface="VNI-Times" pitchFamily="2" charset="0"/>
+              </a:rPr>
+              <a:t> </a:t>
             </a:r>
           </a:p>
           <a:p>
             <a:pPr algn="ctr"/>
             <a:r>
-              <a:rPr lang="en-US" sz="6000" b="1" kern="10">
-                <a:solidFill>
-                  <a:schemeClr val="bg1"/>
-                </a:solidFill>
-                <a:effectLst>
-                  <a:glow rad="101600">
-                    <a:schemeClr val="tx1">
-                      <a:alpha val="60000"/>
-                    </a:schemeClr>
-                  </a:glow>
-                </a:effectLst>
-                <a:latin typeface="VNI-Aptima" pitchFamily="2" charset="0"/>
-              </a:rPr>
-              <a:t>muoân vaät </a:t>
+              <a:rPr lang="en-US" sz="6000" b="1" kern="10" dirty="0" err="1">
+                <a:solidFill>
+                  <a:schemeClr val="bg1"/>
+                </a:solidFill>
+                <a:effectLst>
+                  <a:glow rad="101600">
+                    <a:schemeClr val="tx1">
+                      <a:alpha val="60000"/>
+                    </a:schemeClr>
+                  </a:glow>
+                </a:effectLst>
+                <a:latin typeface="VNI-Times" pitchFamily="2" charset="0"/>
+              </a:rPr>
+              <a:t>muoân</a:t>
+            </a:r>
+            <a:r>
+              <a:rPr lang="en-US" sz="6000" b="1" kern="10" dirty="0">
+                <a:solidFill>
+                  <a:schemeClr val="bg1"/>
+                </a:solidFill>
+                <a:effectLst>
+                  <a:glow rad="101600">
+                    <a:schemeClr val="tx1">
+                      <a:alpha val="60000"/>
+                    </a:schemeClr>
+                  </a:glow>
+                </a:effectLst>
+                <a:latin typeface="VNI-Times" pitchFamily="2" charset="0"/>
+              </a:rPr>
+              <a:t> </a:t>
+            </a:r>
+            <a:r>
+              <a:rPr lang="en-US" sz="6000" b="1" kern="10" dirty="0" err="1">
+                <a:solidFill>
+                  <a:schemeClr val="bg1"/>
+                </a:solidFill>
+                <a:effectLst>
+                  <a:glow rad="101600">
+                    <a:schemeClr val="tx1">
+                      <a:alpha val="60000"/>
+                    </a:schemeClr>
+                  </a:glow>
+                </a:effectLst>
+                <a:latin typeface="VNI-Times" pitchFamily="2" charset="0"/>
+              </a:rPr>
+              <a:t>vaät</a:t>
+            </a:r>
+            <a:r>
+              <a:rPr lang="en-US" sz="6000" b="1" kern="10" dirty="0">
+                <a:solidFill>
+                  <a:schemeClr val="bg1"/>
+                </a:solidFill>
+                <a:effectLst>
+                  <a:glow rad="101600">
+                    <a:schemeClr val="tx1">
+                      <a:alpha val="60000"/>
+                    </a:schemeClr>
+                  </a:glow>
+                </a:effectLst>
+                <a:latin typeface="VNI-Times" pitchFamily="2" charset="0"/>
+              </a:rPr>
+              <a:t> </a:t>
             </a:r>
           </a:p>
           <a:p>
             <a:pPr algn="ctr"/>
             <a:r>
-              <a:rPr lang="en-US" sz="6000" b="1" kern="10">
-                <a:solidFill>
-                  <a:schemeClr val="bg1"/>
-                </a:solidFill>
-                <a:effectLst>
-                  <a:glow rad="101600">
-                    <a:schemeClr val="tx1">
-                      <a:alpha val="60000"/>
-                    </a:schemeClr>
-                  </a:glow>
-                </a:effectLst>
-                <a:latin typeface="VNI-Aptima" pitchFamily="2" charset="0"/>
-              </a:rPr>
-              <a:t>ñôøi naøy.</a:t>
+              <a:rPr lang="en-US" sz="6000" b="1" kern="10" dirty="0" err="1">
+                <a:solidFill>
+                  <a:schemeClr val="bg1"/>
+                </a:solidFill>
+                <a:effectLst>
+                  <a:glow rad="101600">
+                    <a:schemeClr val="tx1">
+                      <a:alpha val="60000"/>
+                    </a:schemeClr>
+                  </a:glow>
+                </a:effectLst>
+                <a:latin typeface="VNI-Times" pitchFamily="2" charset="0"/>
+              </a:rPr>
+              <a:t>ñôøi</a:t>
+            </a:r>
+            <a:r>
+              <a:rPr lang="en-US" sz="6000" b="1" kern="10" dirty="0">
+                <a:solidFill>
+                  <a:schemeClr val="bg1"/>
+                </a:solidFill>
+                <a:effectLst>
+                  <a:glow rad="101600">
+                    <a:schemeClr val="tx1">
+                      <a:alpha val="60000"/>
+                    </a:schemeClr>
+                  </a:glow>
+                </a:effectLst>
+                <a:latin typeface="VNI-Times" pitchFamily="2" charset="0"/>
+              </a:rPr>
+              <a:t> </a:t>
+            </a:r>
+            <a:r>
+              <a:rPr lang="en-US" sz="6000" b="1" kern="10" dirty="0" err="1">
+                <a:solidFill>
+                  <a:schemeClr val="bg1"/>
+                </a:solidFill>
+                <a:effectLst>
+                  <a:glow rad="101600">
+                    <a:schemeClr val="tx1">
+                      <a:alpha val="60000"/>
+                    </a:schemeClr>
+                  </a:glow>
+                </a:effectLst>
+                <a:latin typeface="VNI-Times" pitchFamily="2" charset="0"/>
+              </a:rPr>
+              <a:t>naøy</a:t>
+            </a:r>
+            <a:r>
+              <a:rPr lang="en-US" sz="6000" b="1" kern="10" dirty="0">
+                <a:solidFill>
+                  <a:schemeClr val="bg1"/>
+                </a:solidFill>
+                <a:effectLst>
+                  <a:glow rad="101600">
+                    <a:schemeClr val="tx1">
+                      <a:alpha val="60000"/>
+                    </a:schemeClr>
+                  </a:glow>
+                </a:effectLst>
+                <a:latin typeface="VNI-Times" pitchFamily="2" charset="0"/>
+              </a:rPr>
+              <a:t>.</a:t>
             </a:r>
           </a:p>
         </p:txBody>
@@ -5102,21 +6277,14 @@
   <p:clrMapOvr>
     <a:masterClrMapping/>
   </p:clrMapOvr>
-  <mc:AlternateContent xmlns:mc="http://schemas.openxmlformats.org/markup-compatibility/2006">
-    <mc:Choice xmlns:p14="http://schemas.microsoft.com/office/powerpoint/2010/main" Requires="p14">
+  <mc:AlternateContent xmlns:mc="http://schemas.openxmlformats.org/markup-compatibility/2006" xmlns:p14="http://schemas.microsoft.com/office/powerpoint/2010/main">
+    <mc:Choice Requires="p14">
       <p:transition p14:dur="0"/>
     </mc:Choice>
-    <mc:Fallback>
+    <mc:Fallback xmlns="">
       <p:transition/>
     </mc:Fallback>
   </mc:AlternateContent>
-  <p:timing>
-    <p:tnLst>
-      <p:par>
-        <p:cTn id="1" dur="indefinite" restart="never" nodeType="tmRoot"/>
-      </p:par>
-    </p:tnLst>
-  </p:timing>
 </p:sld>
 </file>
 
@@ -5160,39 +6328,359 @@
           <a:p>
             <a:pPr algn="ctr"/>
             <a:r>
-              <a:rPr lang="en-US" sz="5400" b="1" kern="10" spc="-150">
-                <a:solidFill>
-                  <a:schemeClr val="bg1"/>
-                </a:solidFill>
-                <a:effectLst>
-                  <a:glow rad="101600">
-                    <a:schemeClr val="tx1">
-                      <a:alpha val="60000"/>
-                    </a:schemeClr>
-                  </a:glow>
-                </a:effectLst>
-                <a:latin typeface="VNI-Aptima" pitchFamily="2" charset="0"/>
-              </a:rPr>
-              <a:t>Vöôït taän treân khoân ngoan,</a:t>
+              <a:rPr lang="en-US" sz="5400" b="1" kern="10" spc="-150" dirty="0" err="1">
+                <a:solidFill>
+                  <a:schemeClr val="bg1"/>
+                </a:solidFill>
+                <a:effectLst>
+                  <a:glow rad="101600">
+                    <a:schemeClr val="tx1">
+                      <a:alpha val="60000"/>
+                    </a:schemeClr>
+                  </a:glow>
+                </a:effectLst>
+                <a:latin typeface="VNI-Times" pitchFamily="2" charset="0"/>
+              </a:rPr>
+              <a:t>Vöôït</a:t>
+            </a:r>
+            <a:r>
+              <a:rPr lang="en-US" sz="5400" b="1" kern="10" spc="-150" dirty="0">
+                <a:solidFill>
+                  <a:schemeClr val="bg1"/>
+                </a:solidFill>
+                <a:effectLst>
+                  <a:glow rad="101600">
+                    <a:schemeClr val="tx1">
+                      <a:alpha val="60000"/>
+                    </a:schemeClr>
+                  </a:glow>
+                </a:effectLst>
+                <a:latin typeface="VNI-Times" pitchFamily="2" charset="0"/>
+              </a:rPr>
+              <a:t> </a:t>
+            </a:r>
+            <a:r>
+              <a:rPr lang="en-US" sz="5400" b="1" kern="10" spc="-150" dirty="0" err="1">
+                <a:solidFill>
+                  <a:schemeClr val="bg1"/>
+                </a:solidFill>
+                <a:effectLst>
+                  <a:glow rad="101600">
+                    <a:schemeClr val="tx1">
+                      <a:alpha val="60000"/>
+                    </a:schemeClr>
+                  </a:glow>
+                </a:effectLst>
+                <a:latin typeface="VNI-Times" pitchFamily="2" charset="0"/>
+              </a:rPr>
+              <a:t>taän</a:t>
+            </a:r>
+            <a:r>
+              <a:rPr lang="en-US" sz="5400" b="1" kern="10" spc="-150" dirty="0">
+                <a:solidFill>
+                  <a:schemeClr val="bg1"/>
+                </a:solidFill>
+                <a:effectLst>
+                  <a:glow rad="101600">
+                    <a:schemeClr val="tx1">
+                      <a:alpha val="60000"/>
+                    </a:schemeClr>
+                  </a:glow>
+                </a:effectLst>
+                <a:latin typeface="VNI-Times" pitchFamily="2" charset="0"/>
+              </a:rPr>
+              <a:t> </a:t>
+            </a:r>
+            <a:r>
+              <a:rPr lang="en-US" sz="5400" b="1" kern="10" spc="-150" dirty="0" err="1">
+                <a:solidFill>
+                  <a:schemeClr val="bg1"/>
+                </a:solidFill>
+                <a:effectLst>
+                  <a:glow rad="101600">
+                    <a:schemeClr val="tx1">
+                      <a:alpha val="60000"/>
+                    </a:schemeClr>
+                  </a:glow>
+                </a:effectLst>
+                <a:latin typeface="VNI-Times" pitchFamily="2" charset="0"/>
+              </a:rPr>
+              <a:t>treân</a:t>
+            </a:r>
+            <a:r>
+              <a:rPr lang="en-US" sz="5400" b="1" kern="10" spc="-150" dirty="0">
+                <a:solidFill>
+                  <a:schemeClr val="bg1"/>
+                </a:solidFill>
+                <a:effectLst>
+                  <a:glow rad="101600">
+                    <a:schemeClr val="tx1">
+                      <a:alpha val="60000"/>
+                    </a:schemeClr>
+                  </a:glow>
+                </a:effectLst>
+                <a:latin typeface="VNI-Times" pitchFamily="2" charset="0"/>
+              </a:rPr>
+              <a:t> </a:t>
+            </a:r>
+            <a:r>
+              <a:rPr lang="en-US" sz="5400" b="1" kern="10" spc="-150" dirty="0" err="1">
+                <a:solidFill>
+                  <a:schemeClr val="bg1"/>
+                </a:solidFill>
+                <a:effectLst>
+                  <a:glow rad="101600">
+                    <a:schemeClr val="tx1">
+                      <a:alpha val="60000"/>
+                    </a:schemeClr>
+                  </a:glow>
+                </a:effectLst>
+                <a:latin typeface="VNI-Times" pitchFamily="2" charset="0"/>
+              </a:rPr>
+              <a:t>khoân</a:t>
+            </a:r>
+            <a:r>
+              <a:rPr lang="en-US" sz="5400" b="1" kern="10" spc="-150" dirty="0">
+                <a:solidFill>
+                  <a:schemeClr val="bg1"/>
+                </a:solidFill>
+                <a:effectLst>
+                  <a:glow rad="101600">
+                    <a:schemeClr val="tx1">
+                      <a:alpha val="60000"/>
+                    </a:schemeClr>
+                  </a:glow>
+                </a:effectLst>
+                <a:latin typeface="VNI-Times" pitchFamily="2" charset="0"/>
+              </a:rPr>
+              <a:t> </a:t>
+            </a:r>
+            <a:r>
+              <a:rPr lang="en-US" sz="5400" b="1" kern="10" spc="-150" dirty="0" err="1">
+                <a:solidFill>
+                  <a:schemeClr val="bg1"/>
+                </a:solidFill>
+                <a:effectLst>
+                  <a:glow rad="101600">
+                    <a:schemeClr val="tx1">
+                      <a:alpha val="60000"/>
+                    </a:schemeClr>
+                  </a:glow>
+                </a:effectLst>
+                <a:latin typeface="VNI-Times" pitchFamily="2" charset="0"/>
+              </a:rPr>
+              <a:t>ngoan</a:t>
+            </a:r>
+            <a:r>
+              <a:rPr lang="en-US" sz="5400" b="1" kern="10" spc="-150" dirty="0">
+                <a:solidFill>
+                  <a:schemeClr val="bg1"/>
+                </a:solidFill>
+                <a:effectLst>
+                  <a:glow rad="101600">
+                    <a:schemeClr val="tx1">
+                      <a:alpha val="60000"/>
+                    </a:schemeClr>
+                  </a:glow>
+                </a:effectLst>
+                <a:latin typeface="VNI-Times" pitchFamily="2" charset="0"/>
+              </a:rPr>
+              <a:t>,</a:t>
             </a:r>
           </a:p>
           <a:p>
             <a:pPr algn="ctr"/>
             <a:r>
-              <a:rPr lang="en-US" sz="5400" b="1" kern="10" spc="-150">
-                <a:solidFill>
-                  <a:schemeClr val="bg1"/>
-                </a:solidFill>
-                <a:effectLst>
-                  <a:glow rad="101600">
-                    <a:schemeClr val="tx1">
-                      <a:alpha val="60000"/>
-                    </a:schemeClr>
-                  </a:glow>
-                </a:effectLst>
-                <a:latin typeface="VNI-Aptima" pitchFamily="2" charset="0"/>
-              </a:rPr>
-              <a:t>chaân lyù cuûa con ngöôøi theá gian.</a:t>
+              <a:rPr lang="en-US" sz="5400" b="1" kern="10" spc="-150" dirty="0" err="1">
+                <a:solidFill>
+                  <a:schemeClr val="bg1"/>
+                </a:solidFill>
+                <a:effectLst>
+                  <a:glow rad="101600">
+                    <a:schemeClr val="tx1">
+                      <a:alpha val="60000"/>
+                    </a:schemeClr>
+                  </a:glow>
+                </a:effectLst>
+                <a:latin typeface="VNI-Times" pitchFamily="2" charset="0"/>
+              </a:rPr>
+              <a:t>chaân</a:t>
+            </a:r>
+            <a:r>
+              <a:rPr lang="en-US" sz="5400" b="1" kern="10" spc="-150" dirty="0">
+                <a:solidFill>
+                  <a:schemeClr val="bg1"/>
+                </a:solidFill>
+                <a:effectLst>
+                  <a:glow rad="101600">
+                    <a:schemeClr val="tx1">
+                      <a:alpha val="60000"/>
+                    </a:schemeClr>
+                  </a:glow>
+                </a:effectLst>
+                <a:latin typeface="VNI-Times" pitchFamily="2" charset="0"/>
+              </a:rPr>
+              <a:t> </a:t>
+            </a:r>
+            <a:r>
+              <a:rPr lang="en-US" sz="5400" b="1" kern="10" spc="-150" dirty="0" err="1">
+                <a:solidFill>
+                  <a:schemeClr val="bg1"/>
+                </a:solidFill>
+                <a:effectLst>
+                  <a:glow rad="101600">
+                    <a:schemeClr val="tx1">
+                      <a:alpha val="60000"/>
+                    </a:schemeClr>
+                  </a:glow>
+                </a:effectLst>
+                <a:latin typeface="VNI-Times" pitchFamily="2" charset="0"/>
+              </a:rPr>
+              <a:t>lyù</a:t>
+            </a:r>
+            <a:r>
+              <a:rPr lang="en-US" sz="5400" b="1" kern="10" spc="-150" dirty="0">
+                <a:solidFill>
+                  <a:schemeClr val="bg1"/>
+                </a:solidFill>
+                <a:effectLst>
+                  <a:glow rad="101600">
+                    <a:schemeClr val="tx1">
+                      <a:alpha val="60000"/>
+                    </a:schemeClr>
+                  </a:glow>
+                </a:effectLst>
+                <a:latin typeface="VNI-Times" pitchFamily="2" charset="0"/>
+              </a:rPr>
+              <a:t> </a:t>
+            </a:r>
+            <a:r>
+              <a:rPr lang="en-US" sz="5400" b="1" kern="10" spc="-150" dirty="0" err="1">
+                <a:solidFill>
+                  <a:schemeClr val="bg1"/>
+                </a:solidFill>
+                <a:effectLst>
+                  <a:glow rad="101600">
+                    <a:schemeClr val="tx1">
+                      <a:alpha val="60000"/>
+                    </a:schemeClr>
+                  </a:glow>
+                </a:effectLst>
+                <a:latin typeface="VNI-Times" pitchFamily="2" charset="0"/>
+              </a:rPr>
+              <a:t>cuûa</a:t>
+            </a:r>
+            <a:r>
+              <a:rPr lang="en-US" sz="5400" b="1" kern="10" spc="-150" dirty="0">
+                <a:solidFill>
+                  <a:schemeClr val="bg1"/>
+                </a:solidFill>
+                <a:effectLst>
+                  <a:glow rad="101600">
+                    <a:schemeClr val="tx1">
+                      <a:alpha val="60000"/>
+                    </a:schemeClr>
+                  </a:glow>
+                </a:effectLst>
+                <a:latin typeface="VNI-Times" pitchFamily="2" charset="0"/>
+              </a:rPr>
+              <a:t> con </a:t>
+            </a:r>
+            <a:r>
+              <a:rPr lang="en-US" sz="5400" b="1" kern="10" spc="-150" dirty="0" err="1">
+                <a:solidFill>
+                  <a:schemeClr val="bg1"/>
+                </a:solidFill>
+                <a:effectLst>
+                  <a:glow rad="101600">
+                    <a:schemeClr val="tx1">
+                      <a:alpha val="60000"/>
+                    </a:schemeClr>
+                  </a:glow>
+                </a:effectLst>
+                <a:latin typeface="VNI-Times" pitchFamily="2" charset="0"/>
+              </a:rPr>
+              <a:t>ngöôøi</a:t>
+            </a:r>
+            <a:r>
+              <a:rPr lang="en-US" sz="5400" b="1" kern="10" spc="-150" dirty="0">
+                <a:solidFill>
+                  <a:schemeClr val="bg1"/>
+                </a:solidFill>
+                <a:effectLst>
+                  <a:glow rad="101600">
+                    <a:schemeClr val="tx1">
+                      <a:alpha val="60000"/>
+                    </a:schemeClr>
+                  </a:glow>
+                </a:effectLst>
+                <a:latin typeface="VNI-Times" pitchFamily="2" charset="0"/>
+              </a:rPr>
+              <a:t> </a:t>
+            </a:r>
+            <a:r>
+              <a:rPr lang="en-US" sz="5400" b="1" kern="10" spc="-150" dirty="0" err="1">
+                <a:solidFill>
+                  <a:schemeClr val="bg1"/>
+                </a:solidFill>
+                <a:effectLst>
+                  <a:glow rad="101600">
+                    <a:schemeClr val="tx1">
+                      <a:alpha val="60000"/>
+                    </a:schemeClr>
+                  </a:glow>
+                </a:effectLst>
+                <a:latin typeface="VNI-Times" pitchFamily="2" charset="0"/>
+              </a:rPr>
+              <a:t>theá</a:t>
+            </a:r>
+            <a:r>
+              <a:rPr lang="en-US" sz="5400" b="1" kern="10" spc="-150" dirty="0">
+                <a:solidFill>
+                  <a:schemeClr val="bg1"/>
+                </a:solidFill>
+                <a:effectLst>
+                  <a:glow rad="101600">
+                    <a:schemeClr val="tx1">
+                      <a:alpha val="60000"/>
+                    </a:schemeClr>
+                  </a:glow>
+                </a:effectLst>
+                <a:latin typeface="VNI-Times" pitchFamily="2" charset="0"/>
+              </a:rPr>
+              <a:t> </a:t>
+            </a:r>
+            <a:r>
+              <a:rPr lang="en-US" sz="5400" b="1" kern="10" spc="-150" dirty="0" err="1">
+                <a:solidFill>
+                  <a:schemeClr val="bg1"/>
+                </a:solidFill>
+                <a:effectLst>
+                  <a:glow rad="101600">
+                    <a:schemeClr val="tx1">
+                      <a:alpha val="60000"/>
+                    </a:schemeClr>
+                  </a:glow>
+                </a:effectLst>
+                <a:latin typeface="VNI-Times" pitchFamily="2" charset="0"/>
+              </a:rPr>
+              <a:t>gian</a:t>
+            </a:r>
+            <a:r>
+              <a:rPr lang="en-US" sz="5400" b="1" kern="10" spc="-150" dirty="0">
+                <a:solidFill>
+                  <a:schemeClr val="bg1"/>
+                </a:solidFill>
+                <a:effectLst>
+                  <a:glow rad="101600">
+                    <a:schemeClr val="tx1">
+                      <a:alpha val="60000"/>
+                    </a:schemeClr>
+                  </a:glow>
+                </a:effectLst>
+                <a:latin typeface="VNI-Times" pitchFamily="2" charset="0"/>
+              </a:rPr>
+              <a:t>.</a:t>
             </a:r>
           </a:p>
         </p:txBody>
@@ -5244,21 +6732,14 @@
   <p:clrMapOvr>
     <a:masterClrMapping/>
   </p:clrMapOvr>
-  <mc:AlternateContent xmlns:mc="http://schemas.openxmlformats.org/markup-compatibility/2006">
-    <mc:Choice xmlns:p14="http://schemas.microsoft.com/office/powerpoint/2010/main" Requires="p14">
+  <mc:AlternateContent xmlns:mc="http://schemas.openxmlformats.org/markup-compatibility/2006" xmlns:p14="http://schemas.microsoft.com/office/powerpoint/2010/main">
+    <mc:Choice Requires="p14">
       <p:transition p14:dur="0"/>
     </mc:Choice>
-    <mc:Fallback>
+    <mc:Fallback xmlns="">
       <p:transition/>
     </mc:Fallback>
   </mc:AlternateContent>
-  <p:timing>
-    <p:tnLst>
-      <p:par>
-        <p:cTn id="1" dur="indefinite" restart="never" nodeType="tmRoot"/>
-      </p:par>
-    </p:tnLst>
-  </p:timing>
 </p:sld>
 </file>
 
@@ -5344,197 +6825,322 @@
           <a:p>
             <a:pPr algn="ctr"/>
             <a:r>
-              <a:rPr lang="en-US" sz="6000" b="1" kern="10">
-                <a:solidFill>
-                  <a:schemeClr val="bg1"/>
-                </a:solidFill>
-                <a:effectLst>
-                  <a:glow rad="101600">
-                    <a:schemeClr val="tx1">
-                      <a:alpha val="60000"/>
-                    </a:schemeClr>
-                  </a:glow>
-                </a:effectLst>
-                <a:latin typeface="VNI-Aptima" pitchFamily="2" charset="0"/>
-              </a:rPr>
-              <a:t>Söï hieän </a:t>
-            </a:r>
-            <a:r>
-              <a:rPr lang="en-US" sz="6000" b="1" kern="10">
-                <a:solidFill>
-                  <a:schemeClr val="bg1"/>
-                </a:solidFill>
-                <a:effectLst>
-                  <a:glow rad="101600">
-                    <a:schemeClr val="tx1">
-                      <a:alpha val="60000"/>
-                    </a:schemeClr>
-                  </a:glow>
-                </a:effectLst>
-                <a:latin typeface="VNI-Aptima" pitchFamily="2" charset="0"/>
-              </a:rPr>
-              <a:t>dieän </a:t>
-            </a:r>
-            <a:r>
-              <a:rPr lang="en-US" sz="6000" b="1" kern="10" smtClean="0">
-                <a:solidFill>
-                  <a:schemeClr val="bg1"/>
-                </a:solidFill>
-                <a:effectLst>
-                  <a:glow rad="101600">
-                    <a:schemeClr val="tx1">
-                      <a:alpha val="60000"/>
-                    </a:schemeClr>
-                  </a:glow>
-                </a:effectLst>
-                <a:latin typeface="VNI-Aptima" pitchFamily="2" charset="0"/>
-              </a:rPr>
-              <a:t/>
+              <a:rPr lang="en-US" sz="6000" b="1" kern="10" dirty="0" err="1">
+                <a:solidFill>
+                  <a:schemeClr val="bg1"/>
+                </a:solidFill>
+                <a:effectLst>
+                  <a:glow rad="101600">
+                    <a:schemeClr val="tx1">
+                      <a:alpha val="60000"/>
+                    </a:schemeClr>
+                  </a:glow>
+                </a:effectLst>
+                <a:latin typeface="VNI-Times" pitchFamily="2" charset="0"/>
+              </a:rPr>
+              <a:t>Söï</a:t>
+            </a:r>
+            <a:r>
+              <a:rPr lang="en-US" sz="6000" b="1" kern="10" dirty="0">
+                <a:solidFill>
+                  <a:schemeClr val="bg1"/>
+                </a:solidFill>
+                <a:effectLst>
+                  <a:glow rad="101600">
+                    <a:schemeClr val="tx1">
+                      <a:alpha val="60000"/>
+                    </a:schemeClr>
+                  </a:glow>
+                </a:effectLst>
+                <a:latin typeface="VNI-Times" pitchFamily="2" charset="0"/>
+              </a:rPr>
+              <a:t> </a:t>
+            </a:r>
+            <a:r>
+              <a:rPr lang="en-US" sz="6000" b="1" kern="10" dirty="0" err="1">
+                <a:solidFill>
+                  <a:schemeClr val="bg1"/>
+                </a:solidFill>
+                <a:effectLst>
+                  <a:glow rad="101600">
+                    <a:schemeClr val="tx1">
+                      <a:alpha val="60000"/>
+                    </a:schemeClr>
+                  </a:glow>
+                </a:effectLst>
+                <a:latin typeface="VNI-Times" pitchFamily="2" charset="0"/>
+              </a:rPr>
+              <a:t>hieän</a:t>
+            </a:r>
+            <a:r>
+              <a:rPr lang="en-US" sz="6000" b="1" kern="10" dirty="0">
+                <a:solidFill>
+                  <a:schemeClr val="bg1"/>
+                </a:solidFill>
+                <a:effectLst>
+                  <a:glow rad="101600">
+                    <a:schemeClr val="tx1">
+                      <a:alpha val="60000"/>
+                    </a:schemeClr>
+                  </a:glow>
+                </a:effectLst>
+                <a:latin typeface="VNI-Times" pitchFamily="2" charset="0"/>
+              </a:rPr>
+              <a:t> </a:t>
+            </a:r>
+            <a:r>
+              <a:rPr lang="en-US" sz="6000" b="1" kern="10" dirty="0" err="1">
+                <a:solidFill>
+                  <a:schemeClr val="bg1"/>
+                </a:solidFill>
+                <a:effectLst>
+                  <a:glow rad="101600">
+                    <a:schemeClr val="tx1">
+                      <a:alpha val="60000"/>
+                    </a:schemeClr>
+                  </a:glow>
+                </a:effectLst>
+                <a:latin typeface="VNI-Times" pitchFamily="2" charset="0"/>
+              </a:rPr>
+              <a:t>dieän</a:t>
+            </a:r>
+            <a:r>
+              <a:rPr lang="en-US" sz="6000" b="1" kern="10" dirty="0">
+                <a:solidFill>
+                  <a:schemeClr val="bg1"/>
+                </a:solidFill>
+                <a:effectLst>
+                  <a:glow rad="101600">
+                    <a:schemeClr val="tx1">
+                      <a:alpha val="60000"/>
+                    </a:schemeClr>
+                  </a:glow>
+                </a:effectLst>
+                <a:latin typeface="VNI-Times" pitchFamily="2" charset="0"/>
+              </a:rPr>
+              <a:t> </a:t>
             </a:r>
             <a:br>
-              <a:rPr lang="en-US" sz="6000" b="1" kern="10" smtClean="0">
-                <a:solidFill>
-                  <a:schemeClr val="bg1"/>
-                </a:solidFill>
-                <a:effectLst>
-                  <a:glow rad="101600">
-                    <a:schemeClr val="tx1">
-                      <a:alpha val="60000"/>
-                    </a:schemeClr>
-                  </a:glow>
-                </a:effectLst>
-                <a:latin typeface="VNI-Aptima" pitchFamily="2" charset="0"/>
+              <a:rPr lang="en-US" sz="6000" b="1" kern="10" dirty="0">
+                <a:solidFill>
+                  <a:schemeClr val="bg1"/>
+                </a:solidFill>
+                <a:effectLst>
+                  <a:glow rad="101600">
+                    <a:schemeClr val="tx1">
+                      <a:alpha val="60000"/>
+                    </a:schemeClr>
+                  </a:glow>
+                </a:effectLst>
+                <a:latin typeface="VNI-Times" pitchFamily="2" charset="0"/>
               </a:rPr>
             </a:br>
             <a:r>
-              <a:rPr lang="en-US" sz="6000" b="1" kern="10" smtClean="0">
-                <a:solidFill>
-                  <a:schemeClr val="bg1"/>
-                </a:solidFill>
-                <a:effectLst>
-                  <a:glow rad="101600">
-                    <a:schemeClr val="tx1">
-                      <a:alpha val="60000"/>
-                    </a:schemeClr>
-                  </a:glow>
-                </a:effectLst>
-                <a:latin typeface="VNI-Aptima" pitchFamily="2" charset="0"/>
-              </a:rPr>
-              <a:t>cuûa </a:t>
-            </a:r>
-            <a:r>
-              <a:rPr lang="en-US" sz="6000" b="1" kern="10">
-                <a:solidFill>
-                  <a:schemeClr val="bg1"/>
-                </a:solidFill>
-                <a:effectLst>
-                  <a:glow rad="101600">
-                    <a:schemeClr val="tx1">
-                      <a:alpha val="60000"/>
-                    </a:schemeClr>
-                  </a:glow>
-                </a:effectLst>
-                <a:latin typeface="VNI-Aptima" pitchFamily="2" charset="0"/>
+              <a:rPr lang="en-US" sz="6000" b="1" kern="10" dirty="0" err="1">
+                <a:solidFill>
+                  <a:schemeClr val="bg1"/>
+                </a:solidFill>
+                <a:effectLst>
+                  <a:glow rad="101600">
+                    <a:schemeClr val="tx1">
+                      <a:alpha val="60000"/>
+                    </a:schemeClr>
+                  </a:glow>
+                </a:effectLst>
+                <a:latin typeface="VNI-Times" pitchFamily="2" charset="0"/>
+              </a:rPr>
+              <a:t>cuûa</a:t>
+            </a:r>
+            <a:r>
+              <a:rPr lang="en-US" sz="6000" b="1" kern="10" dirty="0">
+                <a:solidFill>
+                  <a:schemeClr val="bg1"/>
+                </a:solidFill>
+                <a:effectLst>
+                  <a:glow rad="101600">
+                    <a:schemeClr val="tx1">
+                      <a:alpha val="60000"/>
+                    </a:schemeClr>
+                  </a:glow>
+                </a:effectLst>
+                <a:latin typeface="VNI-Times" pitchFamily="2" charset="0"/>
+              </a:rPr>
+              <a:t> </a:t>
+            </a:r>
+            <a:r>
+              <a:rPr lang="en-US" sz="6000" b="1" kern="10" dirty="0" err="1">
+                <a:solidFill>
+                  <a:schemeClr val="bg1"/>
+                </a:solidFill>
+                <a:effectLst>
+                  <a:glow rad="101600">
+                    <a:schemeClr val="tx1">
+                      <a:alpha val="60000"/>
+                    </a:schemeClr>
+                  </a:glow>
+                </a:effectLst>
+                <a:latin typeface="VNI-Times" pitchFamily="2" charset="0"/>
               </a:rPr>
               <a:t>Chuùa</a:t>
             </a:r>
+            <a:endParaRPr lang="en-US" sz="6000" b="1" kern="10" dirty="0">
+              <a:solidFill>
+                <a:schemeClr val="bg1"/>
+              </a:solidFill>
+              <a:effectLst>
+                <a:glow rad="101600">
+                  <a:schemeClr val="tx1">
+                    <a:alpha val="60000"/>
+                  </a:schemeClr>
+                </a:glow>
+              </a:effectLst>
+              <a:latin typeface="VNI-Times" pitchFamily="2" charset="0"/>
+            </a:endParaRPr>
           </a:p>
           <a:p>
             <a:pPr algn="ctr"/>
             <a:r>
-              <a:rPr lang="en-US" sz="6000" b="1" kern="10">
-                <a:solidFill>
-                  <a:schemeClr val="bg1"/>
-                </a:solidFill>
-                <a:effectLst>
-                  <a:glow rad="101600">
-                    <a:schemeClr val="tx1">
-                      <a:alpha val="60000"/>
-                    </a:schemeClr>
-                  </a:glow>
-                </a:effectLst>
-                <a:latin typeface="VNI-Aptima" pitchFamily="2" charset="0"/>
-              </a:rPr>
-              <a:t>coù </a:t>
-            </a:r>
-            <a:r>
-              <a:rPr lang="en-US" sz="6000" b="1" kern="10">
-                <a:solidFill>
-                  <a:schemeClr val="bg1"/>
-                </a:solidFill>
-                <a:effectLst>
-                  <a:glow rad="101600">
-                    <a:schemeClr val="tx1">
-                      <a:alpha val="60000"/>
-                    </a:schemeClr>
-                  </a:glow>
-                </a:effectLst>
-                <a:latin typeface="VNI-Aptima" pitchFamily="2" charset="0"/>
-              </a:rPr>
-              <a:t>tröôùc </a:t>
-            </a:r>
-            <a:r>
-              <a:rPr lang="en-US" sz="6000" b="1" kern="10" smtClean="0">
-                <a:solidFill>
-                  <a:schemeClr val="bg1"/>
-                </a:solidFill>
-                <a:effectLst>
-                  <a:glow rad="101600">
-                    <a:schemeClr val="tx1">
-                      <a:alpha val="60000"/>
-                    </a:schemeClr>
-                  </a:glow>
-                </a:effectLst>
-                <a:latin typeface="VNI-Aptima" pitchFamily="2" charset="0"/>
-              </a:rPr>
-              <a:t/>
+              <a:rPr lang="en-US" sz="6000" b="1" kern="10" dirty="0" err="1">
+                <a:solidFill>
+                  <a:schemeClr val="bg1"/>
+                </a:solidFill>
+                <a:effectLst>
+                  <a:glow rad="101600">
+                    <a:schemeClr val="tx1">
+                      <a:alpha val="60000"/>
+                    </a:schemeClr>
+                  </a:glow>
+                </a:effectLst>
+                <a:latin typeface="VNI-Times" pitchFamily="2" charset="0"/>
+              </a:rPr>
+              <a:t>coù</a:t>
+            </a:r>
+            <a:r>
+              <a:rPr lang="en-US" sz="6000" b="1" kern="10" dirty="0">
+                <a:solidFill>
+                  <a:schemeClr val="bg1"/>
+                </a:solidFill>
+                <a:effectLst>
+                  <a:glow rad="101600">
+                    <a:schemeClr val="tx1">
+                      <a:alpha val="60000"/>
+                    </a:schemeClr>
+                  </a:glow>
+                </a:effectLst>
+                <a:latin typeface="VNI-Times" pitchFamily="2" charset="0"/>
+              </a:rPr>
+              <a:t> </a:t>
+            </a:r>
+            <a:r>
+              <a:rPr lang="en-US" sz="6000" b="1" kern="10" dirty="0" err="1">
+                <a:solidFill>
+                  <a:schemeClr val="bg1"/>
+                </a:solidFill>
+                <a:effectLst>
+                  <a:glow rad="101600">
+                    <a:schemeClr val="tx1">
+                      <a:alpha val="60000"/>
+                    </a:schemeClr>
+                  </a:glow>
+                </a:effectLst>
+                <a:latin typeface="VNI-Times" pitchFamily="2" charset="0"/>
+              </a:rPr>
+              <a:t>tröôùc</a:t>
+            </a:r>
+            <a:r>
+              <a:rPr lang="en-US" sz="6000" b="1" kern="10" dirty="0">
+                <a:solidFill>
+                  <a:schemeClr val="bg1"/>
+                </a:solidFill>
+                <a:effectLst>
+                  <a:glow rad="101600">
+                    <a:schemeClr val="tx1">
+                      <a:alpha val="60000"/>
+                    </a:schemeClr>
+                  </a:glow>
+                </a:effectLst>
+                <a:latin typeface="VNI-Times" pitchFamily="2" charset="0"/>
+              </a:rPr>
+              <a:t> </a:t>
             </a:r>
             <a:br>
-              <a:rPr lang="en-US" sz="6000" b="1" kern="10" smtClean="0">
-                <a:solidFill>
-                  <a:schemeClr val="bg1"/>
-                </a:solidFill>
-                <a:effectLst>
-                  <a:glow rad="101600">
-                    <a:schemeClr val="tx1">
-                      <a:alpha val="60000"/>
-                    </a:schemeClr>
-                  </a:glow>
-                </a:effectLst>
-                <a:latin typeface="VNI-Aptima" pitchFamily="2" charset="0"/>
+              <a:rPr lang="en-US" sz="6000" b="1" kern="10" dirty="0">
+                <a:solidFill>
+                  <a:schemeClr val="bg1"/>
+                </a:solidFill>
+                <a:effectLst>
+                  <a:glow rad="101600">
+                    <a:schemeClr val="tx1">
+                      <a:alpha val="60000"/>
+                    </a:schemeClr>
+                  </a:glow>
+                </a:effectLst>
+                <a:latin typeface="VNI-Times" pitchFamily="2" charset="0"/>
               </a:rPr>
             </a:br>
             <a:r>
-              <a:rPr lang="en-US" sz="6000" b="1" kern="10" smtClean="0">
-                <a:solidFill>
-                  <a:schemeClr val="bg1"/>
-                </a:solidFill>
-                <a:effectLst>
-                  <a:glow rad="101600">
-                    <a:schemeClr val="tx1">
-                      <a:alpha val="60000"/>
-                    </a:schemeClr>
-                  </a:glow>
-                </a:effectLst>
-                <a:latin typeface="VNI-Aptima" pitchFamily="2" charset="0"/>
-              </a:rPr>
-              <a:t>voâ </a:t>
-            </a:r>
-            <a:r>
-              <a:rPr lang="en-US" sz="6000" b="1" kern="10">
-                <a:solidFill>
-                  <a:schemeClr val="bg1"/>
-                </a:solidFill>
-                <a:effectLst>
-                  <a:glow rad="101600">
-                    <a:schemeClr val="tx1">
-                      <a:alpha val="60000"/>
-                    </a:schemeClr>
-                  </a:glow>
-                </a:effectLst>
-                <a:latin typeface="VNI-Aptima" pitchFamily="2" charset="0"/>
-              </a:rPr>
-              <a:t>cuøng.</a:t>
+              <a:rPr lang="en-US" sz="6000" b="1" kern="10" dirty="0" err="1">
+                <a:solidFill>
+                  <a:schemeClr val="bg1"/>
+                </a:solidFill>
+                <a:effectLst>
+                  <a:glow rad="101600">
+                    <a:schemeClr val="tx1">
+                      <a:alpha val="60000"/>
+                    </a:schemeClr>
+                  </a:glow>
+                </a:effectLst>
+                <a:latin typeface="VNI-Times" pitchFamily="2" charset="0"/>
+              </a:rPr>
+              <a:t>voâ</a:t>
+            </a:r>
+            <a:r>
+              <a:rPr lang="en-US" sz="6000" b="1" kern="10" dirty="0">
+                <a:solidFill>
+                  <a:schemeClr val="bg1"/>
+                </a:solidFill>
+                <a:effectLst>
+                  <a:glow rad="101600">
+                    <a:schemeClr val="tx1">
+                      <a:alpha val="60000"/>
+                    </a:schemeClr>
+                  </a:glow>
+                </a:effectLst>
+                <a:latin typeface="VNI-Times" pitchFamily="2" charset="0"/>
+              </a:rPr>
+              <a:t> </a:t>
+            </a:r>
+            <a:r>
+              <a:rPr lang="en-US" sz="6000" b="1" kern="10" dirty="0" err="1">
+                <a:solidFill>
+                  <a:schemeClr val="bg1"/>
+                </a:solidFill>
+                <a:effectLst>
+                  <a:glow rad="101600">
+                    <a:schemeClr val="tx1">
+                      <a:alpha val="60000"/>
+                    </a:schemeClr>
+                  </a:glow>
+                </a:effectLst>
+                <a:latin typeface="VNI-Times" pitchFamily="2" charset="0"/>
+              </a:rPr>
+              <a:t>cuøng</a:t>
+            </a:r>
+            <a:r>
+              <a:rPr lang="en-US" sz="6000" b="1" kern="10" dirty="0">
+                <a:solidFill>
+                  <a:schemeClr val="bg1"/>
+                </a:solidFill>
+                <a:effectLst>
+                  <a:glow rad="101600">
+                    <a:schemeClr val="tx1">
+                      <a:alpha val="60000"/>
+                    </a:schemeClr>
+                  </a:glow>
+                </a:effectLst>
+                <a:latin typeface="VNI-Times" pitchFamily="2" charset="0"/>
+              </a:rPr>
+              <a:t>.</a:t>
             </a:r>
           </a:p>
         </p:txBody>
@@ -5544,21 +7150,14 @@
   <p:clrMapOvr>
     <a:masterClrMapping/>
   </p:clrMapOvr>
-  <mc:AlternateContent xmlns:mc="http://schemas.openxmlformats.org/markup-compatibility/2006">
-    <mc:Choice xmlns:p14="http://schemas.microsoft.com/office/powerpoint/2010/main" Requires="p14">
+  <mc:AlternateContent xmlns:mc="http://schemas.openxmlformats.org/markup-compatibility/2006" xmlns:p14="http://schemas.microsoft.com/office/powerpoint/2010/main">
+    <mc:Choice Requires="p14">
       <p:transition p14:dur="0"/>
     </mc:Choice>
-    <mc:Fallback>
+    <mc:Fallback xmlns="">
       <p:transition/>
     </mc:Fallback>
   </mc:AlternateContent>
-  <p:timing>
-    <p:tnLst>
-      <p:par>
-        <p:cTn id="1" dur="indefinite" restart="never" nodeType="tmRoot"/>
-      </p:par>
-    </p:tnLst>
-  </p:timing>
 </p:sld>
 </file>
 
@@ -5602,57 +7201,223 @@
           <a:p>
             <a:pPr algn="ctr"/>
             <a:r>
-              <a:rPr lang="en-US" sz="6000" b="1" kern="10">
-                <a:solidFill>
-                  <a:schemeClr val="bg1"/>
-                </a:solidFill>
-                <a:effectLst>
-                  <a:glow rad="101600">
-                    <a:schemeClr val="tx1">
-                      <a:alpha val="60000"/>
-                    </a:schemeClr>
-                  </a:glow>
-                </a:effectLst>
-                <a:latin typeface="VNI-Aptima" pitchFamily="2" charset="0"/>
-              </a:rPr>
-              <a:t>Vöôït treân </a:t>
+              <a:rPr lang="en-US" sz="6000" b="1" kern="10" dirty="0" err="1">
+                <a:solidFill>
+                  <a:schemeClr val="bg1"/>
+                </a:solidFill>
+                <a:effectLst>
+                  <a:glow rad="101600">
+                    <a:schemeClr val="tx1">
+                      <a:alpha val="60000"/>
+                    </a:schemeClr>
+                  </a:glow>
+                </a:effectLst>
+                <a:latin typeface="VNI-Times" pitchFamily="2" charset="0"/>
+              </a:rPr>
+              <a:t>Vöôït</a:t>
+            </a:r>
+            <a:r>
+              <a:rPr lang="en-US" sz="6000" b="1" kern="10" dirty="0">
+                <a:solidFill>
+                  <a:schemeClr val="bg1"/>
+                </a:solidFill>
+                <a:effectLst>
+                  <a:glow rad="101600">
+                    <a:schemeClr val="tx1">
+                      <a:alpha val="60000"/>
+                    </a:schemeClr>
+                  </a:glow>
+                </a:effectLst>
+                <a:latin typeface="VNI-Times" pitchFamily="2" charset="0"/>
+              </a:rPr>
+              <a:t> </a:t>
+            </a:r>
+            <a:r>
+              <a:rPr lang="en-US" sz="6000" b="1" kern="10" dirty="0" err="1">
+                <a:solidFill>
+                  <a:schemeClr val="bg1"/>
+                </a:solidFill>
+                <a:effectLst>
+                  <a:glow rad="101600">
+                    <a:schemeClr val="tx1">
+                      <a:alpha val="60000"/>
+                    </a:schemeClr>
+                  </a:glow>
+                </a:effectLst>
+                <a:latin typeface="VNI-Times" pitchFamily="2" charset="0"/>
+              </a:rPr>
+              <a:t>treân</a:t>
+            </a:r>
+            <a:r>
+              <a:rPr lang="en-US" sz="6000" b="1" kern="10" dirty="0">
+                <a:solidFill>
+                  <a:schemeClr val="bg1"/>
+                </a:solidFill>
+                <a:effectLst>
+                  <a:glow rad="101600">
+                    <a:schemeClr val="tx1">
+                      <a:alpha val="60000"/>
+                    </a:schemeClr>
+                  </a:glow>
+                </a:effectLst>
+                <a:latin typeface="VNI-Times" pitchFamily="2" charset="0"/>
+              </a:rPr>
+              <a:t> </a:t>
             </a:r>
           </a:p>
           <a:p>
             <a:pPr algn="ctr"/>
             <a:r>
-              <a:rPr lang="en-US" sz="6000" b="1" kern="10">
-                <a:solidFill>
-                  <a:schemeClr val="bg1"/>
-                </a:solidFill>
-                <a:effectLst>
-                  <a:glow rad="101600">
-                    <a:schemeClr val="tx1">
-                      <a:alpha val="60000"/>
-                    </a:schemeClr>
-                  </a:glow>
-                </a:effectLst>
-                <a:latin typeface="VNI-Aptima" pitchFamily="2" charset="0"/>
-              </a:rPr>
-              <a:t>heát </a:t>
-            </a:r>
-            <a:r>
-              <a:rPr lang="en-US" sz="6000" b="1" kern="10" smtClean="0">
-                <a:solidFill>
-                  <a:schemeClr val="bg1"/>
-                </a:solidFill>
-                <a:effectLst>
-                  <a:glow rad="101600">
-                    <a:schemeClr val="tx1">
-                      <a:alpha val="60000"/>
-                    </a:schemeClr>
-                  </a:glow>
-                </a:effectLst>
-                <a:latin typeface="VNI-Aptima" pitchFamily="2" charset="0"/>
-              </a:rPr>
-              <a:t>naêng </a:t>
-            </a:r>
-            <a:endParaRPr lang="en-US" sz="6000" b="1" kern="10">
+              <a:rPr lang="en-US" sz="6000" b="1" kern="10" dirty="0" err="1">
+                <a:solidFill>
+                  <a:schemeClr val="bg1"/>
+                </a:solidFill>
+                <a:effectLst>
+                  <a:glow rad="101600">
+                    <a:schemeClr val="tx1">
+                      <a:alpha val="60000"/>
+                    </a:schemeClr>
+                  </a:glow>
+                </a:effectLst>
+                <a:latin typeface="VNI-Times" pitchFamily="2" charset="0"/>
+              </a:rPr>
+              <a:t>heát</a:t>
+            </a:r>
+            <a:r>
+              <a:rPr lang="en-US" sz="6000" b="1" kern="10" dirty="0">
+                <a:solidFill>
+                  <a:schemeClr val="bg1"/>
+                </a:solidFill>
+                <a:effectLst>
+                  <a:glow rad="101600">
+                    <a:schemeClr val="tx1">
+                      <a:alpha val="60000"/>
+                    </a:schemeClr>
+                  </a:glow>
+                </a:effectLst>
+                <a:latin typeface="VNI-Times" pitchFamily="2" charset="0"/>
+              </a:rPr>
+              <a:t> </a:t>
+            </a:r>
+            <a:r>
+              <a:rPr lang="en-US" sz="6000" b="1" kern="10" dirty="0" err="1">
+                <a:solidFill>
+                  <a:schemeClr val="bg1"/>
+                </a:solidFill>
+                <a:effectLst>
+                  <a:glow rad="101600">
+                    <a:schemeClr val="tx1">
+                      <a:alpha val="60000"/>
+                    </a:schemeClr>
+                  </a:glow>
+                </a:effectLst>
+                <a:latin typeface="VNI-Times" pitchFamily="2" charset="0"/>
+              </a:rPr>
+              <a:t>naêng</a:t>
+            </a:r>
+            <a:r>
+              <a:rPr lang="en-US" sz="6000" b="1" kern="10" dirty="0">
+                <a:solidFill>
+                  <a:schemeClr val="bg1"/>
+                </a:solidFill>
+                <a:effectLst>
+                  <a:glow rad="101600">
+                    <a:schemeClr val="tx1">
+                      <a:alpha val="60000"/>
+                    </a:schemeClr>
+                  </a:glow>
+                </a:effectLst>
+                <a:latin typeface="VNI-Times" pitchFamily="2" charset="0"/>
+              </a:rPr>
+              <a:t> </a:t>
+            </a:r>
+          </a:p>
+          <a:p>
+            <a:pPr algn="ctr"/>
+            <a:r>
+              <a:rPr lang="en-US" sz="6000" b="1" kern="10" dirty="0" err="1">
+                <a:solidFill>
+                  <a:schemeClr val="bg1"/>
+                </a:solidFill>
+                <a:effectLst>
+                  <a:glow rad="101600">
+                    <a:schemeClr val="tx1">
+                      <a:alpha val="60000"/>
+                    </a:schemeClr>
+                  </a:glow>
+                </a:effectLst>
+                <a:latin typeface="VNI-Times" pitchFamily="2" charset="0"/>
+              </a:rPr>
+              <a:t>quyeàn</a:t>
+            </a:r>
+            <a:r>
+              <a:rPr lang="en-US" sz="6000" b="1" kern="10" dirty="0">
+                <a:solidFill>
+                  <a:schemeClr val="bg1"/>
+                </a:solidFill>
+                <a:effectLst>
+                  <a:glow rad="101600">
+                    <a:schemeClr val="tx1">
+                      <a:alpha val="60000"/>
+                    </a:schemeClr>
+                  </a:glow>
+                </a:effectLst>
+                <a:latin typeface="VNI-Times" pitchFamily="2" charset="0"/>
+              </a:rPr>
+              <a:t>,</a:t>
+            </a:r>
+          </a:p>
+          <a:p>
+            <a:pPr algn="ctr"/>
+            <a:r>
+              <a:rPr lang="en-US" sz="6000" b="1" kern="10" dirty="0" err="1">
+                <a:solidFill>
+                  <a:schemeClr val="bg1"/>
+                </a:solidFill>
+                <a:effectLst>
+                  <a:glow rad="101600">
+                    <a:schemeClr val="tx1">
+                      <a:alpha val="60000"/>
+                    </a:schemeClr>
+                  </a:glow>
+                </a:effectLst>
+                <a:latin typeface="VNI-Times" pitchFamily="2" charset="0"/>
+              </a:rPr>
+              <a:t>vöôït</a:t>
+            </a:r>
+            <a:r>
+              <a:rPr lang="en-US" sz="6000" b="1" kern="10" dirty="0">
+                <a:solidFill>
+                  <a:schemeClr val="bg1"/>
+                </a:solidFill>
+                <a:effectLst>
+                  <a:glow rad="101600">
+                    <a:schemeClr val="tx1">
+                      <a:alpha val="60000"/>
+                    </a:schemeClr>
+                  </a:glow>
+                </a:effectLst>
+                <a:latin typeface="VNI-Times" pitchFamily="2" charset="0"/>
+              </a:rPr>
+              <a:t> </a:t>
+            </a:r>
+            <a:r>
+              <a:rPr lang="en-US" sz="6000" b="1" kern="10" dirty="0" err="1">
+                <a:solidFill>
+                  <a:schemeClr val="bg1"/>
+                </a:solidFill>
+                <a:effectLst>
+                  <a:glow rad="101600">
+                    <a:schemeClr val="tx1">
+                      <a:alpha val="60000"/>
+                    </a:schemeClr>
+                  </a:glow>
+                </a:effectLst>
+                <a:latin typeface="VNI-Times" pitchFamily="2" charset="0"/>
+              </a:rPr>
+              <a:t>treân</a:t>
+            </a:r>
+            <a:endParaRPr lang="en-US" sz="6000" b="1" kern="10" dirty="0">
               <a:solidFill>
                 <a:schemeClr val="bg1"/>
               </a:solidFill>
@@ -5663,93 +7428,74 @@
                   </a:schemeClr>
                 </a:glow>
               </a:effectLst>
-              <a:latin typeface="VNI-Aptima" pitchFamily="2" charset="0"/>
+              <a:latin typeface="VNI-Times" pitchFamily="2" charset="0"/>
             </a:endParaRPr>
           </a:p>
           <a:p>
             <a:pPr algn="ctr"/>
             <a:r>
-              <a:rPr lang="en-US" sz="6000" b="1" kern="10">
-                <a:solidFill>
-                  <a:schemeClr val="bg1"/>
-                </a:solidFill>
-                <a:effectLst>
-                  <a:glow rad="101600">
-                    <a:schemeClr val="tx1">
-                      <a:alpha val="60000"/>
-                    </a:schemeClr>
-                  </a:glow>
-                </a:effectLst>
-                <a:latin typeface="VNI-Aptima" pitchFamily="2" charset="0"/>
-              </a:rPr>
-              <a:t>quyeàn,</a:t>
-            </a:r>
-          </a:p>
-          <a:p>
-            <a:pPr algn="ctr"/>
-            <a:r>
-              <a:rPr lang="en-US" sz="6000" b="1" kern="10">
-                <a:solidFill>
-                  <a:schemeClr val="bg1"/>
-                </a:solidFill>
-                <a:effectLst>
-                  <a:glow rad="101600">
-                    <a:schemeClr val="tx1">
-                      <a:alpha val="60000"/>
-                    </a:schemeClr>
-                  </a:glow>
-                </a:effectLst>
-                <a:latin typeface="VNI-Aptima" pitchFamily="2" charset="0"/>
-              </a:rPr>
-              <a:t>v</a:t>
-            </a:r>
-            <a:r>
-              <a:rPr lang="en-US" sz="6000" b="1" kern="10" smtClean="0">
-                <a:solidFill>
-                  <a:schemeClr val="bg1"/>
-                </a:solidFill>
-                <a:effectLst>
-                  <a:glow rad="101600">
-                    <a:schemeClr val="tx1">
-                      <a:alpha val="60000"/>
-                    </a:schemeClr>
-                  </a:glow>
-                </a:effectLst>
-                <a:latin typeface="VNI-Aptima" pitchFamily="2" charset="0"/>
-              </a:rPr>
-              <a:t>öôït treân</a:t>
-            </a:r>
-            <a:endParaRPr lang="en-US" sz="6000" b="1" kern="10">
-              <a:solidFill>
-                <a:schemeClr val="bg1"/>
-              </a:solidFill>
-              <a:effectLst>
-                <a:glow rad="101600">
-                  <a:schemeClr val="tx1">
-                    <a:alpha val="60000"/>
-                  </a:schemeClr>
-                </a:glow>
-              </a:effectLst>
-              <a:latin typeface="VNI-Aptima" pitchFamily="2" charset="0"/>
-            </a:endParaRPr>
-          </a:p>
-          <a:p>
-            <a:pPr algn="ctr"/>
-            <a:r>
-              <a:rPr lang="en-US" sz="6000" b="1" kern="10">
-                <a:solidFill>
-                  <a:schemeClr val="bg1"/>
-                </a:solidFill>
-                <a:effectLst>
-                  <a:glow rad="101600">
-                    <a:schemeClr val="tx1">
-                      <a:alpha val="60000"/>
-                    </a:schemeClr>
-                  </a:glow>
-                </a:effectLst>
-                <a:latin typeface="VNI-Aptima" pitchFamily="2" charset="0"/>
-              </a:rPr>
-              <a:t>caùc vua.</a:t>
+              <a:rPr lang="en-US" sz="6000" b="1" kern="10" dirty="0" err="1">
+                <a:solidFill>
+                  <a:schemeClr val="bg1"/>
+                </a:solidFill>
+                <a:effectLst>
+                  <a:glow rad="101600">
+                    <a:schemeClr val="tx1">
+                      <a:alpha val="60000"/>
+                    </a:schemeClr>
+                  </a:glow>
+                </a:effectLst>
+                <a:latin typeface="VNI-Times" pitchFamily="2" charset="0"/>
+              </a:rPr>
+              <a:t>caùc</a:t>
+            </a:r>
+            <a:r>
+              <a:rPr lang="en-US" sz="6000" b="1" kern="10" dirty="0">
+                <a:solidFill>
+                  <a:schemeClr val="bg1"/>
+                </a:solidFill>
+                <a:effectLst>
+                  <a:glow rad="101600">
+                    <a:schemeClr val="tx1">
+                      <a:alpha val="60000"/>
+                    </a:schemeClr>
+                  </a:glow>
+                </a:effectLst>
+                <a:latin typeface="VNI-Times" pitchFamily="2" charset="0"/>
+              </a:rPr>
+              <a:t> </a:t>
+            </a:r>
+            <a:r>
+              <a:rPr lang="en-US" sz="6000" b="1" kern="10" dirty="0" err="1">
+                <a:solidFill>
+                  <a:schemeClr val="bg1"/>
+                </a:solidFill>
+                <a:effectLst>
+                  <a:glow rad="101600">
+                    <a:schemeClr val="tx1">
+                      <a:alpha val="60000"/>
+                    </a:schemeClr>
+                  </a:glow>
+                </a:effectLst>
+                <a:latin typeface="VNI-Times" pitchFamily="2" charset="0"/>
+              </a:rPr>
+              <a:t>vua</a:t>
+            </a:r>
+            <a:r>
+              <a:rPr lang="en-US" sz="6000" b="1" kern="10" dirty="0">
+                <a:solidFill>
+                  <a:schemeClr val="bg1"/>
+                </a:solidFill>
+                <a:effectLst>
+                  <a:glow rad="101600">
+                    <a:schemeClr val="tx1">
+                      <a:alpha val="60000"/>
+                    </a:schemeClr>
+                  </a:glow>
+                </a:effectLst>
+                <a:latin typeface="VNI-Times" pitchFamily="2" charset="0"/>
+              </a:rPr>
+              <a:t>.</a:t>
             </a:r>
           </a:p>
         </p:txBody>
@@ -5799,21 +7545,14 @@
   <p:clrMapOvr>
     <a:masterClrMapping/>
   </p:clrMapOvr>
-  <mc:AlternateContent xmlns:mc="http://schemas.openxmlformats.org/markup-compatibility/2006">
-    <mc:Choice xmlns:p14="http://schemas.microsoft.com/office/powerpoint/2010/main" Requires="p14">
+  <mc:AlternateContent xmlns:mc="http://schemas.openxmlformats.org/markup-compatibility/2006" xmlns:p14="http://schemas.microsoft.com/office/powerpoint/2010/main">
+    <mc:Choice Requires="p14">
       <p:transition p14:dur="0"/>
     </mc:Choice>
-    <mc:Fallback>
+    <mc:Fallback xmlns="">
       <p:transition/>
     </mc:Fallback>
   </mc:AlternateContent>
-  <p:timing>
-    <p:tnLst>
-      <p:par>
-        <p:cTn id="1" dur="indefinite" restart="never" nodeType="tmRoot"/>
-      </p:par>
-    </p:tnLst>
-  </p:timing>
 </p:sld>
 </file>
 
@@ -5857,147 +7596,371 @@
           <a:p>
             <a:pPr algn="ctr"/>
             <a:r>
-              <a:rPr lang="en-US" sz="6000" b="1" kern="10">
-                <a:solidFill>
-                  <a:schemeClr val="bg1"/>
-                </a:solidFill>
-                <a:effectLst>
-                  <a:glow rad="101600">
-                    <a:schemeClr val="tx1">
-                      <a:alpha val="60000"/>
-                    </a:schemeClr>
-                  </a:glow>
-                </a:effectLst>
-                <a:latin typeface="VNI-Aptima" pitchFamily="2" charset="0"/>
-              </a:rPr>
-              <a:t>Vöôït </a:t>
+              <a:rPr lang="en-US" sz="6000" b="1" kern="10" dirty="0" err="1">
+                <a:solidFill>
+                  <a:schemeClr val="bg1"/>
+                </a:solidFill>
+                <a:effectLst>
+                  <a:glow rad="101600">
+                    <a:schemeClr val="tx1">
+                      <a:alpha val="60000"/>
+                    </a:schemeClr>
+                  </a:glow>
+                </a:effectLst>
+                <a:latin typeface="VNI-Times" pitchFamily="2" charset="0"/>
+              </a:rPr>
+              <a:t>Vöôït</a:t>
+            </a:r>
+            <a:r>
+              <a:rPr lang="en-US" sz="6000" b="1" kern="10" dirty="0">
+                <a:solidFill>
+                  <a:schemeClr val="bg1"/>
+                </a:solidFill>
+                <a:effectLst>
+                  <a:glow rad="101600">
+                    <a:schemeClr val="tx1">
+                      <a:alpha val="60000"/>
+                    </a:schemeClr>
+                  </a:glow>
+                </a:effectLst>
+                <a:latin typeface="VNI-Times" pitchFamily="2" charset="0"/>
+              </a:rPr>
+              <a:t> </a:t>
             </a:r>
           </a:p>
           <a:p>
             <a:pPr algn="ctr"/>
             <a:r>
-              <a:rPr lang="en-US" sz="6000" b="1" kern="10">
-                <a:solidFill>
-                  <a:schemeClr val="bg1"/>
-                </a:solidFill>
-                <a:effectLst>
-                  <a:glow rad="101600">
-                    <a:schemeClr val="tx1">
-                      <a:alpha val="60000"/>
-                    </a:schemeClr>
-                  </a:glow>
-                </a:effectLst>
-                <a:latin typeface="VNI-Aptima" pitchFamily="2" charset="0"/>
-              </a:rPr>
-              <a:t>treân heát </a:t>
+              <a:rPr lang="en-US" sz="6000" b="1" kern="10" dirty="0" err="1">
+                <a:solidFill>
+                  <a:schemeClr val="bg1"/>
+                </a:solidFill>
+                <a:effectLst>
+                  <a:glow rad="101600">
+                    <a:schemeClr val="tx1">
+                      <a:alpha val="60000"/>
+                    </a:schemeClr>
+                  </a:glow>
+                </a:effectLst>
+                <a:latin typeface="VNI-Times" pitchFamily="2" charset="0"/>
+              </a:rPr>
+              <a:t>treân</a:t>
+            </a:r>
+            <a:r>
+              <a:rPr lang="en-US" sz="6000" b="1" kern="10" dirty="0">
+                <a:solidFill>
+                  <a:schemeClr val="bg1"/>
+                </a:solidFill>
+                <a:effectLst>
+                  <a:glow rad="101600">
+                    <a:schemeClr val="tx1">
+                      <a:alpha val="60000"/>
+                    </a:schemeClr>
+                  </a:glow>
+                </a:effectLst>
+                <a:latin typeface="VNI-Times" pitchFamily="2" charset="0"/>
+              </a:rPr>
+              <a:t> </a:t>
+            </a:r>
+            <a:r>
+              <a:rPr lang="en-US" sz="6000" b="1" kern="10" dirty="0" err="1">
+                <a:solidFill>
+                  <a:schemeClr val="bg1"/>
+                </a:solidFill>
+                <a:effectLst>
+                  <a:glow rad="101600">
+                    <a:schemeClr val="tx1">
+                      <a:alpha val="60000"/>
+                    </a:schemeClr>
+                  </a:glow>
+                </a:effectLst>
+                <a:latin typeface="VNI-Times" pitchFamily="2" charset="0"/>
+              </a:rPr>
+              <a:t>heát</a:t>
+            </a:r>
+            <a:r>
+              <a:rPr lang="en-US" sz="6000" b="1" kern="10" dirty="0">
+                <a:solidFill>
+                  <a:schemeClr val="bg1"/>
+                </a:solidFill>
+                <a:effectLst>
+                  <a:glow rad="101600">
+                    <a:schemeClr val="tx1">
+                      <a:alpha val="60000"/>
+                    </a:schemeClr>
+                  </a:glow>
+                </a:effectLst>
+                <a:latin typeface="VNI-Times" pitchFamily="2" charset="0"/>
+              </a:rPr>
+              <a:t> </a:t>
             </a:r>
           </a:p>
           <a:p>
             <a:pPr algn="ctr"/>
             <a:r>
-              <a:rPr lang="en-US" sz="6000" b="1" kern="10">
-                <a:solidFill>
-                  <a:schemeClr val="bg1"/>
-                </a:solidFill>
-                <a:effectLst>
-                  <a:glow rad="101600">
-                    <a:schemeClr val="tx1">
-                      <a:alpha val="60000"/>
-                    </a:schemeClr>
-                  </a:glow>
-                </a:effectLst>
-                <a:latin typeface="VNI-Aptima" pitchFamily="2" charset="0"/>
-              </a:rPr>
-              <a:t>thieân nhieân,</a:t>
+              <a:rPr lang="en-US" sz="6000" b="1" kern="10" dirty="0" err="1">
+                <a:solidFill>
+                  <a:schemeClr val="bg1"/>
+                </a:solidFill>
+                <a:effectLst>
+                  <a:glow rad="101600">
+                    <a:schemeClr val="tx1">
+                      <a:alpha val="60000"/>
+                    </a:schemeClr>
+                  </a:glow>
+                </a:effectLst>
+                <a:latin typeface="VNI-Times" pitchFamily="2" charset="0"/>
+              </a:rPr>
+              <a:t>thieân</a:t>
+            </a:r>
+            <a:r>
+              <a:rPr lang="en-US" sz="6000" b="1" kern="10" dirty="0">
+                <a:solidFill>
+                  <a:schemeClr val="bg1"/>
+                </a:solidFill>
+                <a:effectLst>
+                  <a:glow rad="101600">
+                    <a:schemeClr val="tx1">
+                      <a:alpha val="60000"/>
+                    </a:schemeClr>
+                  </a:glow>
+                </a:effectLst>
+                <a:latin typeface="VNI-Times" pitchFamily="2" charset="0"/>
+              </a:rPr>
+              <a:t> </a:t>
+            </a:r>
+            <a:r>
+              <a:rPr lang="en-US" sz="6000" b="1" kern="10" dirty="0" err="1">
+                <a:solidFill>
+                  <a:schemeClr val="bg1"/>
+                </a:solidFill>
+                <a:effectLst>
+                  <a:glow rad="101600">
+                    <a:schemeClr val="tx1">
+                      <a:alpha val="60000"/>
+                    </a:schemeClr>
+                  </a:glow>
+                </a:effectLst>
+                <a:latin typeface="VNI-Times" pitchFamily="2" charset="0"/>
+              </a:rPr>
+              <a:t>nhieân</a:t>
+            </a:r>
+            <a:r>
+              <a:rPr lang="en-US" sz="6000" b="1" kern="10" dirty="0">
+                <a:solidFill>
+                  <a:schemeClr val="bg1"/>
+                </a:solidFill>
+                <a:effectLst>
+                  <a:glow rad="101600">
+                    <a:schemeClr val="tx1">
+                      <a:alpha val="60000"/>
+                    </a:schemeClr>
+                  </a:glow>
+                </a:effectLst>
+                <a:latin typeface="VNI-Times" pitchFamily="2" charset="0"/>
+              </a:rPr>
+              <a:t>,</a:t>
             </a:r>
           </a:p>
           <a:p>
             <a:pPr algn="ctr"/>
             <a:r>
-              <a:rPr lang="en-US" sz="6000" b="1" kern="10">
-                <a:solidFill>
-                  <a:schemeClr val="bg1"/>
-                </a:solidFill>
-                <a:effectLst>
-                  <a:glow rad="101600">
-                    <a:schemeClr val="tx1">
-                      <a:alpha val="60000"/>
-                    </a:schemeClr>
-                  </a:glow>
-                </a:effectLst>
-                <a:latin typeface="VNI-Aptima" pitchFamily="2" charset="0"/>
-              </a:rPr>
-              <a:t>t</a:t>
-            </a:r>
-            <a:r>
-              <a:rPr lang="en-US" sz="6000" b="1" kern="10" smtClean="0">
-                <a:solidFill>
-                  <a:schemeClr val="bg1"/>
-                </a:solidFill>
-                <a:effectLst>
-                  <a:glow rad="101600">
-                    <a:schemeClr val="tx1">
-                      <a:alpha val="60000"/>
-                    </a:schemeClr>
-                  </a:glow>
-                </a:effectLst>
-                <a:latin typeface="VNI-Aptima" pitchFamily="2" charset="0"/>
-              </a:rPr>
-              <a:t>reân </a:t>
-            </a:r>
-            <a:r>
-              <a:rPr lang="en-US" sz="6000" b="1" kern="10">
-                <a:solidFill>
-                  <a:schemeClr val="bg1"/>
-                </a:solidFill>
-                <a:effectLst>
-                  <a:glow rad="101600">
-                    <a:schemeClr val="tx1">
-                      <a:alpha val="60000"/>
-                    </a:schemeClr>
-                  </a:glow>
-                </a:effectLst>
-                <a:latin typeface="VNI-Aptima" pitchFamily="2" charset="0"/>
-              </a:rPr>
-              <a:t>caû </a:t>
+              <a:rPr lang="en-US" sz="6000" b="1" kern="10" dirty="0" err="1">
+                <a:solidFill>
+                  <a:schemeClr val="bg1"/>
+                </a:solidFill>
+                <a:effectLst>
+                  <a:glow rad="101600">
+                    <a:schemeClr val="tx1">
+                      <a:alpha val="60000"/>
+                    </a:schemeClr>
+                  </a:glow>
+                </a:effectLst>
+                <a:latin typeface="VNI-Times" pitchFamily="2" charset="0"/>
+              </a:rPr>
+              <a:t>treân</a:t>
+            </a:r>
+            <a:r>
+              <a:rPr lang="en-US" sz="6000" b="1" kern="10" dirty="0">
+                <a:solidFill>
+                  <a:schemeClr val="bg1"/>
+                </a:solidFill>
+                <a:effectLst>
+                  <a:glow rad="101600">
+                    <a:schemeClr val="tx1">
+                      <a:alpha val="60000"/>
+                    </a:schemeClr>
+                  </a:glow>
+                </a:effectLst>
+                <a:latin typeface="VNI-Times" pitchFamily="2" charset="0"/>
+              </a:rPr>
+              <a:t> </a:t>
+            </a:r>
+            <a:r>
+              <a:rPr lang="en-US" sz="6000" b="1" kern="10" dirty="0" err="1">
+                <a:solidFill>
+                  <a:schemeClr val="bg1"/>
+                </a:solidFill>
+                <a:effectLst>
+                  <a:glow rad="101600">
+                    <a:schemeClr val="tx1">
+                      <a:alpha val="60000"/>
+                    </a:schemeClr>
+                  </a:glow>
+                </a:effectLst>
+                <a:latin typeface="VNI-Times" pitchFamily="2" charset="0"/>
+              </a:rPr>
+              <a:t>caû</a:t>
+            </a:r>
+            <a:r>
+              <a:rPr lang="en-US" sz="6000" b="1" kern="10" dirty="0">
+                <a:solidFill>
+                  <a:schemeClr val="bg1"/>
+                </a:solidFill>
+                <a:effectLst>
+                  <a:glow rad="101600">
+                    <a:schemeClr val="tx1">
+                      <a:alpha val="60000"/>
+                    </a:schemeClr>
+                  </a:glow>
+                </a:effectLst>
+                <a:latin typeface="VNI-Times" pitchFamily="2" charset="0"/>
+              </a:rPr>
+              <a:t> </a:t>
             </a:r>
           </a:p>
           <a:p>
             <a:pPr algn="ctr"/>
             <a:r>
-              <a:rPr lang="en-US" sz="6000" b="1" kern="10">
-                <a:solidFill>
-                  <a:schemeClr val="bg1"/>
-                </a:solidFill>
-                <a:effectLst>
-                  <a:glow rad="101600">
-                    <a:schemeClr val="tx1">
-                      <a:alpha val="60000"/>
-                    </a:schemeClr>
-                  </a:glow>
-                </a:effectLst>
-                <a:latin typeface="VNI-Aptima" pitchFamily="2" charset="0"/>
-              </a:rPr>
-              <a:t>muoân vaät </a:t>
+              <a:rPr lang="en-US" sz="6000" b="1" kern="10" dirty="0" err="1">
+                <a:solidFill>
+                  <a:schemeClr val="bg1"/>
+                </a:solidFill>
+                <a:effectLst>
+                  <a:glow rad="101600">
+                    <a:schemeClr val="tx1">
+                      <a:alpha val="60000"/>
+                    </a:schemeClr>
+                  </a:glow>
+                </a:effectLst>
+                <a:latin typeface="VNI-Times" pitchFamily="2" charset="0"/>
+              </a:rPr>
+              <a:t>muoân</a:t>
+            </a:r>
+            <a:r>
+              <a:rPr lang="en-US" sz="6000" b="1" kern="10" dirty="0">
+                <a:solidFill>
+                  <a:schemeClr val="bg1"/>
+                </a:solidFill>
+                <a:effectLst>
+                  <a:glow rad="101600">
+                    <a:schemeClr val="tx1">
+                      <a:alpha val="60000"/>
+                    </a:schemeClr>
+                  </a:glow>
+                </a:effectLst>
+                <a:latin typeface="VNI-Times" pitchFamily="2" charset="0"/>
+              </a:rPr>
+              <a:t> </a:t>
+            </a:r>
+            <a:r>
+              <a:rPr lang="en-US" sz="6000" b="1" kern="10" dirty="0" err="1">
+                <a:solidFill>
+                  <a:schemeClr val="bg1"/>
+                </a:solidFill>
+                <a:effectLst>
+                  <a:glow rad="101600">
+                    <a:schemeClr val="tx1">
+                      <a:alpha val="60000"/>
+                    </a:schemeClr>
+                  </a:glow>
+                </a:effectLst>
+                <a:latin typeface="VNI-Times" pitchFamily="2" charset="0"/>
+              </a:rPr>
+              <a:t>vaät</a:t>
+            </a:r>
+            <a:r>
+              <a:rPr lang="en-US" sz="6000" b="1" kern="10" dirty="0">
+                <a:solidFill>
+                  <a:schemeClr val="bg1"/>
+                </a:solidFill>
+                <a:effectLst>
+                  <a:glow rad="101600">
+                    <a:schemeClr val="tx1">
+                      <a:alpha val="60000"/>
+                    </a:schemeClr>
+                  </a:glow>
+                </a:effectLst>
+                <a:latin typeface="VNI-Times" pitchFamily="2" charset="0"/>
+              </a:rPr>
+              <a:t> </a:t>
             </a:r>
           </a:p>
           <a:p>
             <a:pPr algn="ctr"/>
             <a:r>
-              <a:rPr lang="en-US" sz="6000" b="1" kern="10">
-                <a:solidFill>
-                  <a:schemeClr val="bg1"/>
-                </a:solidFill>
-                <a:effectLst>
-                  <a:glow rad="101600">
-                    <a:schemeClr val="tx1">
-                      <a:alpha val="60000"/>
-                    </a:schemeClr>
-                  </a:glow>
-                </a:effectLst>
-                <a:latin typeface="VNI-Aptima" pitchFamily="2" charset="0"/>
-              </a:rPr>
-              <a:t>ñôøi naøy.</a:t>
+              <a:rPr lang="en-US" sz="6000" b="1" kern="10" dirty="0" err="1">
+                <a:solidFill>
+                  <a:schemeClr val="bg1"/>
+                </a:solidFill>
+                <a:effectLst>
+                  <a:glow rad="101600">
+                    <a:schemeClr val="tx1">
+                      <a:alpha val="60000"/>
+                    </a:schemeClr>
+                  </a:glow>
+                </a:effectLst>
+                <a:latin typeface="VNI-Times" pitchFamily="2" charset="0"/>
+              </a:rPr>
+              <a:t>ñôøi</a:t>
+            </a:r>
+            <a:r>
+              <a:rPr lang="en-US" sz="6000" b="1" kern="10" dirty="0">
+                <a:solidFill>
+                  <a:schemeClr val="bg1"/>
+                </a:solidFill>
+                <a:effectLst>
+                  <a:glow rad="101600">
+                    <a:schemeClr val="tx1">
+                      <a:alpha val="60000"/>
+                    </a:schemeClr>
+                  </a:glow>
+                </a:effectLst>
+                <a:latin typeface="VNI-Times" pitchFamily="2" charset="0"/>
+              </a:rPr>
+              <a:t> </a:t>
+            </a:r>
+            <a:r>
+              <a:rPr lang="en-US" sz="6000" b="1" kern="10" dirty="0" err="1">
+                <a:solidFill>
+                  <a:schemeClr val="bg1"/>
+                </a:solidFill>
+                <a:effectLst>
+                  <a:glow rad="101600">
+                    <a:schemeClr val="tx1">
+                      <a:alpha val="60000"/>
+                    </a:schemeClr>
+                  </a:glow>
+                </a:effectLst>
+                <a:latin typeface="VNI-Times" pitchFamily="2" charset="0"/>
+              </a:rPr>
+              <a:t>naøy</a:t>
+            </a:r>
+            <a:r>
+              <a:rPr lang="en-US" sz="6000" b="1" kern="10" dirty="0">
+                <a:solidFill>
+                  <a:schemeClr val="bg1"/>
+                </a:solidFill>
+                <a:effectLst>
+                  <a:glow rad="101600">
+                    <a:schemeClr val="tx1">
+                      <a:alpha val="60000"/>
+                    </a:schemeClr>
+                  </a:glow>
+                </a:effectLst>
+                <a:latin typeface="VNI-Times" pitchFamily="2" charset="0"/>
+              </a:rPr>
+              <a:t>.</a:t>
             </a:r>
           </a:p>
         </p:txBody>
@@ -6049,21 +8012,14 @@
   <p:clrMapOvr>
     <a:masterClrMapping/>
   </p:clrMapOvr>
-  <mc:AlternateContent xmlns:mc="http://schemas.openxmlformats.org/markup-compatibility/2006">
-    <mc:Choice xmlns:p14="http://schemas.microsoft.com/office/powerpoint/2010/main" Requires="p14">
+  <mc:AlternateContent xmlns:mc="http://schemas.openxmlformats.org/markup-compatibility/2006" xmlns:p14="http://schemas.microsoft.com/office/powerpoint/2010/main">
+    <mc:Choice Requires="p14">
       <p:transition p14:dur="0"/>
     </mc:Choice>
-    <mc:Fallback>
+    <mc:Fallback xmlns="">
       <p:transition/>
     </mc:Fallback>
   </mc:AlternateContent>
-  <p:timing>
-    <p:tnLst>
-      <p:par>
-        <p:cTn id="1" dur="indefinite" restart="never" nodeType="tmRoot"/>
-      </p:par>
-    </p:tnLst>
-  </p:timing>
 </p:sld>
 </file>
 
@@ -6107,39 +8063,359 @@
           <a:p>
             <a:pPr algn="ctr"/>
             <a:r>
-              <a:rPr lang="en-US" sz="5400" b="1" kern="10" spc="-300">
-                <a:solidFill>
-                  <a:schemeClr val="bg1"/>
-                </a:solidFill>
-                <a:effectLst>
-                  <a:glow rad="101600">
-                    <a:schemeClr val="tx1">
-                      <a:alpha val="60000"/>
-                    </a:schemeClr>
-                  </a:glow>
-                </a:effectLst>
-                <a:latin typeface="VNI-Aptima" pitchFamily="2" charset="0"/>
-              </a:rPr>
-              <a:t>Vöôït taän treân vinh hoa,</a:t>
+              <a:rPr lang="en-US" sz="5400" b="1" kern="10" spc="-300" dirty="0" err="1">
+                <a:solidFill>
+                  <a:schemeClr val="bg1"/>
+                </a:solidFill>
+                <a:effectLst>
+                  <a:glow rad="101600">
+                    <a:schemeClr val="tx1">
+                      <a:alpha val="60000"/>
+                    </a:schemeClr>
+                  </a:glow>
+                </a:effectLst>
+                <a:latin typeface="VNI-Times" pitchFamily="2" charset="0"/>
+              </a:rPr>
+              <a:t>Vöôït</a:t>
+            </a:r>
+            <a:r>
+              <a:rPr lang="en-US" sz="5400" b="1" kern="10" spc="-300" dirty="0">
+                <a:solidFill>
+                  <a:schemeClr val="bg1"/>
+                </a:solidFill>
+                <a:effectLst>
+                  <a:glow rad="101600">
+                    <a:schemeClr val="tx1">
+                      <a:alpha val="60000"/>
+                    </a:schemeClr>
+                  </a:glow>
+                </a:effectLst>
+                <a:latin typeface="VNI-Times" pitchFamily="2" charset="0"/>
+              </a:rPr>
+              <a:t> </a:t>
+            </a:r>
+            <a:r>
+              <a:rPr lang="en-US" sz="5400" b="1" kern="10" spc="-300" dirty="0" err="1">
+                <a:solidFill>
+                  <a:schemeClr val="bg1"/>
+                </a:solidFill>
+                <a:effectLst>
+                  <a:glow rad="101600">
+                    <a:schemeClr val="tx1">
+                      <a:alpha val="60000"/>
+                    </a:schemeClr>
+                  </a:glow>
+                </a:effectLst>
+                <a:latin typeface="VNI-Times" pitchFamily="2" charset="0"/>
+              </a:rPr>
+              <a:t>taän</a:t>
+            </a:r>
+            <a:r>
+              <a:rPr lang="en-US" sz="5400" b="1" kern="10" spc="-300" dirty="0">
+                <a:solidFill>
+                  <a:schemeClr val="bg1"/>
+                </a:solidFill>
+                <a:effectLst>
+                  <a:glow rad="101600">
+                    <a:schemeClr val="tx1">
+                      <a:alpha val="60000"/>
+                    </a:schemeClr>
+                  </a:glow>
+                </a:effectLst>
+                <a:latin typeface="VNI-Times" pitchFamily="2" charset="0"/>
+              </a:rPr>
+              <a:t> </a:t>
+            </a:r>
+            <a:r>
+              <a:rPr lang="en-US" sz="5400" b="1" kern="10" spc="-300" dirty="0" err="1">
+                <a:solidFill>
+                  <a:schemeClr val="bg1"/>
+                </a:solidFill>
+                <a:effectLst>
+                  <a:glow rad="101600">
+                    <a:schemeClr val="tx1">
+                      <a:alpha val="60000"/>
+                    </a:schemeClr>
+                  </a:glow>
+                </a:effectLst>
+                <a:latin typeface="VNI-Times" pitchFamily="2" charset="0"/>
+              </a:rPr>
+              <a:t>treân</a:t>
+            </a:r>
+            <a:r>
+              <a:rPr lang="en-US" sz="5400" b="1" kern="10" spc="-300" dirty="0">
+                <a:solidFill>
+                  <a:schemeClr val="bg1"/>
+                </a:solidFill>
+                <a:effectLst>
+                  <a:glow rad="101600">
+                    <a:schemeClr val="tx1">
+                      <a:alpha val="60000"/>
+                    </a:schemeClr>
+                  </a:glow>
+                </a:effectLst>
+                <a:latin typeface="VNI-Times" pitchFamily="2" charset="0"/>
+              </a:rPr>
+              <a:t> </a:t>
+            </a:r>
+            <a:r>
+              <a:rPr lang="en-US" sz="5400" b="1" kern="10" spc="-300" dirty="0" err="1">
+                <a:solidFill>
+                  <a:schemeClr val="bg1"/>
+                </a:solidFill>
+                <a:effectLst>
+                  <a:glow rad="101600">
+                    <a:schemeClr val="tx1">
+                      <a:alpha val="60000"/>
+                    </a:schemeClr>
+                  </a:glow>
+                </a:effectLst>
+                <a:latin typeface="VNI-Times" pitchFamily="2" charset="0"/>
+              </a:rPr>
+              <a:t>vinh</a:t>
+            </a:r>
+            <a:r>
+              <a:rPr lang="en-US" sz="5400" b="1" kern="10" spc="-300" dirty="0">
+                <a:solidFill>
+                  <a:schemeClr val="bg1"/>
+                </a:solidFill>
+                <a:effectLst>
+                  <a:glow rad="101600">
+                    <a:schemeClr val="tx1">
+                      <a:alpha val="60000"/>
+                    </a:schemeClr>
+                  </a:glow>
+                </a:effectLst>
+                <a:latin typeface="VNI-Times" pitchFamily="2" charset="0"/>
+              </a:rPr>
+              <a:t> </a:t>
+            </a:r>
+            <a:r>
+              <a:rPr lang="en-US" sz="5400" b="1" kern="10" spc="-300" dirty="0" err="1">
+                <a:solidFill>
+                  <a:schemeClr val="bg1"/>
+                </a:solidFill>
+                <a:effectLst>
+                  <a:glow rad="101600">
+                    <a:schemeClr val="tx1">
+                      <a:alpha val="60000"/>
+                    </a:schemeClr>
+                  </a:glow>
+                </a:effectLst>
+                <a:latin typeface="VNI-Times" pitchFamily="2" charset="0"/>
+              </a:rPr>
+              <a:t>hoa</a:t>
+            </a:r>
+            <a:r>
+              <a:rPr lang="en-US" sz="5400" b="1" kern="10" spc="-300" dirty="0">
+                <a:solidFill>
+                  <a:schemeClr val="bg1"/>
+                </a:solidFill>
+                <a:effectLst>
+                  <a:glow rad="101600">
+                    <a:schemeClr val="tx1">
+                      <a:alpha val="60000"/>
+                    </a:schemeClr>
+                  </a:glow>
+                </a:effectLst>
+                <a:latin typeface="VNI-Times" pitchFamily="2" charset="0"/>
+              </a:rPr>
+              <a:t>,</a:t>
             </a:r>
           </a:p>
           <a:p>
             <a:pPr algn="ctr"/>
             <a:r>
-              <a:rPr lang="en-US" sz="5400" b="1" kern="10" spc="-300">
-                <a:solidFill>
-                  <a:schemeClr val="bg1"/>
-                </a:solidFill>
-                <a:effectLst>
-                  <a:glow rad="101600">
-                    <a:schemeClr val="tx1">
-                      <a:alpha val="60000"/>
-                    </a:schemeClr>
-                  </a:glow>
-                </a:effectLst>
-                <a:latin typeface="VNI-Aptima" pitchFamily="2" charset="0"/>
-              </a:rPr>
-              <a:t>chaâu baùu cuûa con ngöôøi theá gian.</a:t>
+              <a:rPr lang="en-US" sz="5400" b="1" kern="10" spc="-300" dirty="0" err="1">
+                <a:solidFill>
+                  <a:schemeClr val="bg1"/>
+                </a:solidFill>
+                <a:effectLst>
+                  <a:glow rad="101600">
+                    <a:schemeClr val="tx1">
+                      <a:alpha val="60000"/>
+                    </a:schemeClr>
+                  </a:glow>
+                </a:effectLst>
+                <a:latin typeface="VNI-Times" pitchFamily="2" charset="0"/>
+              </a:rPr>
+              <a:t>chaâu</a:t>
+            </a:r>
+            <a:r>
+              <a:rPr lang="en-US" sz="5400" b="1" kern="10" spc="-300" dirty="0">
+                <a:solidFill>
+                  <a:schemeClr val="bg1"/>
+                </a:solidFill>
+                <a:effectLst>
+                  <a:glow rad="101600">
+                    <a:schemeClr val="tx1">
+                      <a:alpha val="60000"/>
+                    </a:schemeClr>
+                  </a:glow>
+                </a:effectLst>
+                <a:latin typeface="VNI-Times" pitchFamily="2" charset="0"/>
+              </a:rPr>
+              <a:t> </a:t>
+            </a:r>
+            <a:r>
+              <a:rPr lang="en-US" sz="5400" b="1" kern="10" spc="-300" dirty="0" err="1">
+                <a:solidFill>
+                  <a:schemeClr val="bg1"/>
+                </a:solidFill>
+                <a:effectLst>
+                  <a:glow rad="101600">
+                    <a:schemeClr val="tx1">
+                      <a:alpha val="60000"/>
+                    </a:schemeClr>
+                  </a:glow>
+                </a:effectLst>
+                <a:latin typeface="VNI-Times" pitchFamily="2" charset="0"/>
+              </a:rPr>
+              <a:t>baùu</a:t>
+            </a:r>
+            <a:r>
+              <a:rPr lang="en-US" sz="5400" b="1" kern="10" spc="-300" dirty="0">
+                <a:solidFill>
+                  <a:schemeClr val="bg1"/>
+                </a:solidFill>
+                <a:effectLst>
+                  <a:glow rad="101600">
+                    <a:schemeClr val="tx1">
+                      <a:alpha val="60000"/>
+                    </a:schemeClr>
+                  </a:glow>
+                </a:effectLst>
+                <a:latin typeface="VNI-Times" pitchFamily="2" charset="0"/>
+              </a:rPr>
+              <a:t> </a:t>
+            </a:r>
+            <a:r>
+              <a:rPr lang="en-US" sz="5400" b="1" kern="10" spc="-300" dirty="0" err="1">
+                <a:solidFill>
+                  <a:schemeClr val="bg1"/>
+                </a:solidFill>
+                <a:effectLst>
+                  <a:glow rad="101600">
+                    <a:schemeClr val="tx1">
+                      <a:alpha val="60000"/>
+                    </a:schemeClr>
+                  </a:glow>
+                </a:effectLst>
+                <a:latin typeface="VNI-Times" pitchFamily="2" charset="0"/>
+              </a:rPr>
+              <a:t>cuûa</a:t>
+            </a:r>
+            <a:r>
+              <a:rPr lang="en-US" sz="5400" b="1" kern="10" spc="-300" dirty="0">
+                <a:solidFill>
+                  <a:schemeClr val="bg1"/>
+                </a:solidFill>
+                <a:effectLst>
+                  <a:glow rad="101600">
+                    <a:schemeClr val="tx1">
+                      <a:alpha val="60000"/>
+                    </a:schemeClr>
+                  </a:glow>
+                </a:effectLst>
+                <a:latin typeface="VNI-Times" pitchFamily="2" charset="0"/>
+              </a:rPr>
+              <a:t> con </a:t>
+            </a:r>
+            <a:r>
+              <a:rPr lang="en-US" sz="5400" b="1" kern="10" spc="-300" dirty="0" err="1">
+                <a:solidFill>
+                  <a:schemeClr val="bg1"/>
+                </a:solidFill>
+                <a:effectLst>
+                  <a:glow rad="101600">
+                    <a:schemeClr val="tx1">
+                      <a:alpha val="60000"/>
+                    </a:schemeClr>
+                  </a:glow>
+                </a:effectLst>
+                <a:latin typeface="VNI-Times" pitchFamily="2" charset="0"/>
+              </a:rPr>
+              <a:t>ngöôøi</a:t>
+            </a:r>
+            <a:r>
+              <a:rPr lang="en-US" sz="5400" b="1" kern="10" spc="-300" dirty="0">
+                <a:solidFill>
+                  <a:schemeClr val="bg1"/>
+                </a:solidFill>
+                <a:effectLst>
+                  <a:glow rad="101600">
+                    <a:schemeClr val="tx1">
+                      <a:alpha val="60000"/>
+                    </a:schemeClr>
+                  </a:glow>
+                </a:effectLst>
+                <a:latin typeface="VNI-Times" pitchFamily="2" charset="0"/>
+              </a:rPr>
+              <a:t> </a:t>
+            </a:r>
+            <a:r>
+              <a:rPr lang="en-US" sz="5400" b="1" kern="10" spc="-300" dirty="0" err="1">
+                <a:solidFill>
+                  <a:schemeClr val="bg1"/>
+                </a:solidFill>
+                <a:effectLst>
+                  <a:glow rad="101600">
+                    <a:schemeClr val="tx1">
+                      <a:alpha val="60000"/>
+                    </a:schemeClr>
+                  </a:glow>
+                </a:effectLst>
+                <a:latin typeface="VNI-Times" pitchFamily="2" charset="0"/>
+              </a:rPr>
+              <a:t>theá</a:t>
+            </a:r>
+            <a:r>
+              <a:rPr lang="en-US" sz="5400" b="1" kern="10" spc="-300" dirty="0">
+                <a:solidFill>
+                  <a:schemeClr val="bg1"/>
+                </a:solidFill>
+                <a:effectLst>
+                  <a:glow rad="101600">
+                    <a:schemeClr val="tx1">
+                      <a:alpha val="60000"/>
+                    </a:schemeClr>
+                  </a:glow>
+                </a:effectLst>
+                <a:latin typeface="VNI-Times" pitchFamily="2" charset="0"/>
+              </a:rPr>
+              <a:t> </a:t>
+            </a:r>
+            <a:r>
+              <a:rPr lang="en-US" sz="5400" b="1" kern="10" spc="-300" dirty="0" err="1">
+                <a:solidFill>
+                  <a:schemeClr val="bg1"/>
+                </a:solidFill>
+                <a:effectLst>
+                  <a:glow rad="101600">
+                    <a:schemeClr val="tx1">
+                      <a:alpha val="60000"/>
+                    </a:schemeClr>
+                  </a:glow>
+                </a:effectLst>
+                <a:latin typeface="VNI-Times" pitchFamily="2" charset="0"/>
+              </a:rPr>
+              <a:t>gian</a:t>
+            </a:r>
+            <a:r>
+              <a:rPr lang="en-US" sz="5400" b="1" kern="10" spc="-300" dirty="0">
+                <a:solidFill>
+                  <a:schemeClr val="bg1"/>
+                </a:solidFill>
+                <a:effectLst>
+                  <a:glow rad="101600">
+                    <a:schemeClr val="tx1">
+                      <a:alpha val="60000"/>
+                    </a:schemeClr>
+                  </a:glow>
+                </a:effectLst>
+                <a:latin typeface="VNI-Times" pitchFamily="2" charset="0"/>
+              </a:rPr>
+              <a:t>.</a:t>
             </a:r>
           </a:p>
         </p:txBody>
@@ -6191,21 +8467,14 @@
   <p:clrMapOvr>
     <a:masterClrMapping/>
   </p:clrMapOvr>
-  <mc:AlternateContent xmlns:mc="http://schemas.openxmlformats.org/markup-compatibility/2006">
-    <mc:Choice xmlns:p14="http://schemas.microsoft.com/office/powerpoint/2010/main" Requires="p14">
+  <mc:AlternateContent xmlns:mc="http://schemas.openxmlformats.org/markup-compatibility/2006" xmlns:p14="http://schemas.microsoft.com/office/powerpoint/2010/main">
+    <mc:Choice Requires="p14">
       <p:transition p14:dur="0"/>
     </mc:Choice>
-    <mc:Fallback>
+    <mc:Fallback xmlns="">
       <p:transition/>
     </mc:Fallback>
   </mc:AlternateContent>
-  <p:timing>
-    <p:tnLst>
-      <p:par>
-        <p:cTn id="1" dur="indefinite" restart="never" nodeType="tmRoot"/>
-      </p:par>
-    </p:tnLst>
-  </p:timing>
 </p:sld>
 </file>
 
@@ -6249,131 +8518,275 @@
           <a:p>
             <a:pPr algn="ctr"/>
             <a:r>
-              <a:rPr lang="en-US" sz="6000" b="1" kern="10">
-                <a:solidFill>
-                  <a:schemeClr val="bg1"/>
-                </a:solidFill>
-                <a:effectLst>
-                  <a:glow rad="101600">
-                    <a:schemeClr val="tx1">
-                      <a:alpha val="60000"/>
-                    </a:schemeClr>
-                  </a:glow>
-                </a:effectLst>
-                <a:latin typeface="VNI-Aptima" pitchFamily="2" charset="0"/>
-              </a:rPr>
-              <a:t>Khoâng chi cao quyù </a:t>
-            </a:r>
-            <a:r>
-              <a:rPr lang="en-US" sz="6000" b="1" kern="10">
-                <a:solidFill>
-                  <a:schemeClr val="bg1"/>
-                </a:solidFill>
-                <a:effectLst>
-                  <a:glow rad="101600">
-                    <a:schemeClr val="tx1">
-                      <a:alpha val="60000"/>
-                    </a:schemeClr>
-                  </a:glow>
-                </a:effectLst>
-                <a:latin typeface="VNI-Aptima" pitchFamily="2" charset="0"/>
-              </a:rPr>
-              <a:t>saùnh </a:t>
-            </a:r>
-            <a:r>
-              <a:rPr lang="en-US" sz="6000" b="1" kern="10" smtClean="0">
-                <a:solidFill>
-                  <a:schemeClr val="bg1"/>
-                </a:solidFill>
-                <a:effectLst>
-                  <a:glow rad="101600">
-                    <a:schemeClr val="tx1">
-                      <a:alpha val="60000"/>
-                    </a:schemeClr>
-                  </a:glow>
-                </a:effectLst>
-                <a:latin typeface="VNI-Aptima" pitchFamily="2" charset="0"/>
-              </a:rPr>
-              <a:t/>
+              <a:rPr lang="en-US" sz="6000" b="1" kern="10" dirty="0" err="1">
+                <a:solidFill>
+                  <a:schemeClr val="bg1"/>
+                </a:solidFill>
+                <a:effectLst>
+                  <a:glow rad="101600">
+                    <a:schemeClr val="tx1">
+                      <a:alpha val="60000"/>
+                    </a:schemeClr>
+                  </a:glow>
+                </a:effectLst>
+                <a:latin typeface="VNI-Times" pitchFamily="2" charset="0"/>
+              </a:rPr>
+              <a:t>Khoâng</a:t>
+            </a:r>
+            <a:r>
+              <a:rPr lang="en-US" sz="6000" b="1" kern="10" dirty="0">
+                <a:solidFill>
+                  <a:schemeClr val="bg1"/>
+                </a:solidFill>
+                <a:effectLst>
+                  <a:glow rad="101600">
+                    <a:schemeClr val="tx1">
+                      <a:alpha val="60000"/>
+                    </a:schemeClr>
+                  </a:glow>
+                </a:effectLst>
+                <a:latin typeface="VNI-Times" pitchFamily="2" charset="0"/>
+              </a:rPr>
+              <a:t> chi </a:t>
+            </a:r>
+            <a:r>
+              <a:rPr lang="en-US" sz="6000" b="1" kern="10" dirty="0" err="1">
+                <a:solidFill>
+                  <a:schemeClr val="bg1"/>
+                </a:solidFill>
+                <a:effectLst>
+                  <a:glow rad="101600">
+                    <a:schemeClr val="tx1">
+                      <a:alpha val="60000"/>
+                    </a:schemeClr>
+                  </a:glow>
+                </a:effectLst>
+                <a:latin typeface="VNI-Times" pitchFamily="2" charset="0"/>
+              </a:rPr>
+              <a:t>cao</a:t>
+            </a:r>
+            <a:r>
+              <a:rPr lang="en-US" sz="6000" b="1" kern="10" dirty="0">
+                <a:solidFill>
+                  <a:schemeClr val="bg1"/>
+                </a:solidFill>
+                <a:effectLst>
+                  <a:glow rad="101600">
+                    <a:schemeClr val="tx1">
+                      <a:alpha val="60000"/>
+                    </a:schemeClr>
+                  </a:glow>
+                </a:effectLst>
+                <a:latin typeface="VNI-Times" pitchFamily="2" charset="0"/>
+              </a:rPr>
+              <a:t> </a:t>
+            </a:r>
+            <a:r>
+              <a:rPr lang="en-US" sz="6000" b="1" kern="10" dirty="0" err="1">
+                <a:solidFill>
+                  <a:schemeClr val="bg1"/>
+                </a:solidFill>
+                <a:effectLst>
+                  <a:glow rad="101600">
+                    <a:schemeClr val="tx1">
+                      <a:alpha val="60000"/>
+                    </a:schemeClr>
+                  </a:glow>
+                </a:effectLst>
+                <a:latin typeface="VNI-Times" pitchFamily="2" charset="0"/>
+              </a:rPr>
+              <a:t>quyù</a:t>
+            </a:r>
+            <a:r>
+              <a:rPr lang="en-US" sz="6000" b="1" kern="10" dirty="0">
+                <a:solidFill>
+                  <a:schemeClr val="bg1"/>
+                </a:solidFill>
+                <a:effectLst>
+                  <a:glow rad="101600">
+                    <a:schemeClr val="tx1">
+                      <a:alpha val="60000"/>
+                    </a:schemeClr>
+                  </a:glow>
+                </a:effectLst>
+                <a:latin typeface="VNI-Times" pitchFamily="2" charset="0"/>
+              </a:rPr>
+              <a:t> </a:t>
+            </a:r>
+            <a:r>
+              <a:rPr lang="en-US" sz="6000" b="1" kern="10" dirty="0" err="1">
+                <a:solidFill>
+                  <a:schemeClr val="bg1"/>
+                </a:solidFill>
+                <a:effectLst>
+                  <a:glow rad="101600">
+                    <a:schemeClr val="tx1">
+                      <a:alpha val="60000"/>
+                    </a:schemeClr>
+                  </a:glow>
+                </a:effectLst>
+                <a:latin typeface="VNI-Times" pitchFamily="2" charset="0"/>
+              </a:rPr>
+              <a:t>saùnh</a:t>
+            </a:r>
+            <a:r>
+              <a:rPr lang="en-US" sz="6000" b="1" kern="10" dirty="0">
+                <a:solidFill>
+                  <a:schemeClr val="bg1"/>
+                </a:solidFill>
+                <a:effectLst>
+                  <a:glow rad="101600">
+                    <a:schemeClr val="tx1">
+                      <a:alpha val="60000"/>
+                    </a:schemeClr>
+                  </a:glow>
+                </a:effectLst>
+                <a:latin typeface="VNI-Times" pitchFamily="2" charset="0"/>
+              </a:rPr>
+              <a:t> </a:t>
             </a:r>
             <a:br>
-              <a:rPr lang="en-US" sz="6000" b="1" kern="10" smtClean="0">
-                <a:solidFill>
-                  <a:schemeClr val="bg1"/>
-                </a:solidFill>
-                <a:effectLst>
-                  <a:glow rad="101600">
-                    <a:schemeClr val="tx1">
-                      <a:alpha val="60000"/>
-                    </a:schemeClr>
-                  </a:glow>
-                </a:effectLst>
-                <a:latin typeface="VNI-Aptima" pitchFamily="2" charset="0"/>
+              <a:rPr lang="en-US" sz="6000" b="1" kern="10" dirty="0">
+                <a:solidFill>
+                  <a:schemeClr val="bg1"/>
+                </a:solidFill>
+                <a:effectLst>
+                  <a:glow rad="101600">
+                    <a:schemeClr val="tx1">
+                      <a:alpha val="60000"/>
+                    </a:schemeClr>
+                  </a:glow>
+                </a:effectLst>
+                <a:latin typeface="VNI-Times" pitchFamily="2" charset="0"/>
               </a:rPr>
             </a:br>
             <a:r>
-              <a:rPr lang="en-US" sz="6000" b="1" kern="10" smtClean="0">
-                <a:solidFill>
-                  <a:schemeClr val="bg1"/>
-                </a:solidFill>
-                <a:effectLst>
-                  <a:glow rad="101600">
-                    <a:schemeClr val="tx1">
-                      <a:alpha val="60000"/>
-                    </a:schemeClr>
-                  </a:glow>
-                </a:effectLst>
-                <a:latin typeface="VNI-Aptima" pitchFamily="2" charset="0"/>
+              <a:rPr lang="en-US" sz="6000" b="1" kern="10" dirty="0" err="1">
+                <a:solidFill>
+                  <a:schemeClr val="bg1"/>
+                </a:solidFill>
+                <a:effectLst>
+                  <a:glow rad="101600">
+                    <a:schemeClr val="tx1">
+                      <a:alpha val="60000"/>
+                    </a:schemeClr>
+                  </a:glow>
+                </a:effectLst>
+                <a:latin typeface="VNI-Times" pitchFamily="2" charset="0"/>
               </a:rPr>
               <a:t>hôn</a:t>
             </a:r>
             <a:r>
-              <a:rPr lang="en-US" sz="6000" b="1" kern="10">
-                <a:solidFill>
-                  <a:schemeClr val="bg1"/>
-                </a:solidFill>
-                <a:effectLst>
-                  <a:glow rad="101600">
-                    <a:schemeClr val="tx1">
-                      <a:alpha val="60000"/>
-                    </a:schemeClr>
-                  </a:glow>
-                </a:effectLst>
-                <a:latin typeface="VNI-Aptima" pitchFamily="2" charset="0"/>
+              <a:rPr lang="en-US" sz="6000" b="1" kern="10" dirty="0">
+                <a:solidFill>
+                  <a:schemeClr val="bg1"/>
+                </a:solidFill>
+                <a:effectLst>
+                  <a:glow rad="101600">
+                    <a:schemeClr val="tx1">
+                      <a:alpha val="60000"/>
+                    </a:schemeClr>
+                  </a:glow>
+                </a:effectLst>
+                <a:latin typeface="VNI-Times" pitchFamily="2" charset="0"/>
               </a:rPr>
               <a:t> </a:t>
             </a:r>
             <a:r>
-              <a:rPr lang="en-US" sz="6000" b="1" kern="10" smtClean="0">
-                <a:solidFill>
-                  <a:schemeClr val="bg1"/>
-                </a:solidFill>
-                <a:effectLst>
-                  <a:glow rad="101600">
-                    <a:schemeClr val="tx1">
-                      <a:alpha val="60000"/>
-                    </a:schemeClr>
-                  </a:glow>
-                </a:effectLst>
-                <a:latin typeface="VNI-Aptima" pitchFamily="2" charset="0"/>
-              </a:rPr>
-              <a:t>vinh </a:t>
-            </a:r>
-            <a:r>
-              <a:rPr lang="en-US" sz="6000" b="1" kern="10">
-                <a:solidFill>
-                  <a:schemeClr val="bg1"/>
-                </a:solidFill>
-                <a:effectLst>
-                  <a:glow rad="101600">
-                    <a:schemeClr val="tx1">
-                      <a:alpha val="60000"/>
-                    </a:schemeClr>
-                  </a:glow>
-                </a:effectLst>
-                <a:latin typeface="VNI-Aptima" pitchFamily="2" charset="0"/>
-              </a:rPr>
-              <a:t>quang Ngaøi.</a:t>
+              <a:rPr lang="en-US" sz="6000" b="1" kern="10" dirty="0" err="1">
+                <a:solidFill>
+                  <a:schemeClr val="bg1"/>
+                </a:solidFill>
+                <a:effectLst>
+                  <a:glow rad="101600">
+                    <a:schemeClr val="tx1">
+                      <a:alpha val="60000"/>
+                    </a:schemeClr>
+                  </a:glow>
+                </a:effectLst>
+                <a:latin typeface="VNI-Times" pitchFamily="2" charset="0"/>
+              </a:rPr>
+              <a:t>vinh</a:t>
+            </a:r>
+            <a:r>
+              <a:rPr lang="en-US" sz="6000" b="1" kern="10" dirty="0">
+                <a:solidFill>
+                  <a:schemeClr val="bg1"/>
+                </a:solidFill>
+                <a:effectLst>
+                  <a:glow rad="101600">
+                    <a:schemeClr val="tx1">
+                      <a:alpha val="60000"/>
+                    </a:schemeClr>
+                  </a:glow>
+                </a:effectLst>
+                <a:latin typeface="VNI-Times" pitchFamily="2" charset="0"/>
+              </a:rPr>
+              <a:t> </a:t>
+            </a:r>
+            <a:r>
+              <a:rPr lang="en-US" sz="6000" b="1" kern="10" dirty="0" err="1">
+                <a:solidFill>
+                  <a:schemeClr val="bg1"/>
+                </a:solidFill>
+                <a:effectLst>
+                  <a:glow rad="101600">
+                    <a:schemeClr val="tx1">
+                      <a:alpha val="60000"/>
+                    </a:schemeClr>
+                  </a:glow>
+                </a:effectLst>
+                <a:latin typeface="VNI-Times" pitchFamily="2" charset="0"/>
+              </a:rPr>
+              <a:t>quang</a:t>
+            </a:r>
+            <a:r>
+              <a:rPr lang="en-US" sz="6000" b="1" kern="10" dirty="0">
+                <a:solidFill>
+                  <a:schemeClr val="bg1"/>
+                </a:solidFill>
+                <a:effectLst>
+                  <a:glow rad="101600">
+                    <a:schemeClr val="tx1">
+                      <a:alpha val="60000"/>
+                    </a:schemeClr>
+                  </a:glow>
+                </a:effectLst>
+                <a:latin typeface="VNI-Times" pitchFamily="2" charset="0"/>
+              </a:rPr>
+              <a:t> </a:t>
+            </a:r>
+            <a:r>
+              <a:rPr lang="en-US" sz="6000" b="1" kern="10" dirty="0" err="1">
+                <a:solidFill>
+                  <a:schemeClr val="bg1"/>
+                </a:solidFill>
+                <a:effectLst>
+                  <a:glow rad="101600">
+                    <a:schemeClr val="tx1">
+                      <a:alpha val="60000"/>
+                    </a:schemeClr>
+                  </a:glow>
+                </a:effectLst>
+                <a:latin typeface="VNI-Times" pitchFamily="2" charset="0"/>
+              </a:rPr>
+              <a:t>Ngaøi</a:t>
+            </a:r>
+            <a:r>
+              <a:rPr lang="en-US" sz="6000" b="1" kern="10" dirty="0">
+                <a:solidFill>
+                  <a:schemeClr val="bg1"/>
+                </a:solidFill>
+                <a:effectLst>
+                  <a:glow rad="101600">
+                    <a:schemeClr val="tx1">
+                      <a:alpha val="60000"/>
+                    </a:schemeClr>
+                  </a:glow>
+                </a:effectLst>
+                <a:latin typeface="VNI-Times" pitchFamily="2" charset="0"/>
+              </a:rPr>
+              <a:t>.</a:t>
             </a:r>
           </a:p>
         </p:txBody>
@@ -6425,21 +8838,14 @@
   <p:clrMapOvr>
     <a:masterClrMapping/>
   </p:clrMapOvr>
-  <mc:AlternateContent xmlns:mc="http://schemas.openxmlformats.org/markup-compatibility/2006">
-    <mc:Choice xmlns:p14="http://schemas.microsoft.com/office/powerpoint/2010/main" Requires="p14">
+  <mc:AlternateContent xmlns:mc="http://schemas.openxmlformats.org/markup-compatibility/2006" xmlns:p14="http://schemas.microsoft.com/office/powerpoint/2010/main">
+    <mc:Choice Requires="p14">
       <p:transition p14:dur="0"/>
     </mc:Choice>
-    <mc:Fallback>
+    <mc:Fallback xmlns="">
       <p:transition/>
     </mc:Fallback>
   </mc:AlternateContent>
-  <p:timing>
-    <p:tnLst>
-      <p:par>
-        <p:cTn id="1" dur="indefinite" restart="never" nodeType="tmRoot"/>
-      </p:par>
-    </p:tnLst>
-  </p:timing>
 </p:sld>
 </file>
 
